--- a/InfoSec/PPTs/L2-CH02-Cryptograpic Tools.pptx
+++ b/InfoSec/PPTs/L2-CH02-Cryptograpic Tools.pptx
@@ -5,10 +5,10 @@
     <p:sldMasterId id="2147483878" r:id="rId1"/>
   </p:sldMasterIdLst>
   <p:notesMasterIdLst>
-    <p:notesMasterId r:id="rId30"/>
+    <p:notesMasterId r:id="rId32"/>
   </p:notesMasterIdLst>
   <p:handoutMasterIdLst>
-    <p:handoutMasterId r:id="rId31"/>
+    <p:handoutMasterId r:id="rId33"/>
   </p:handoutMasterIdLst>
   <p:sldIdLst>
     <p:sldId id="384" r:id="rId2"/>
@@ -29,16 +29,18 @@
     <p:sldId id="371" r:id="rId17"/>
     <p:sldId id="372" r:id="rId18"/>
     <p:sldId id="398" r:id="rId19"/>
-    <p:sldId id="381" r:id="rId20"/>
-    <p:sldId id="409" r:id="rId21"/>
-    <p:sldId id="422" r:id="rId22"/>
-    <p:sldId id="410" r:id="rId23"/>
-    <p:sldId id="421" r:id="rId24"/>
-    <p:sldId id="419" r:id="rId25"/>
-    <p:sldId id="423" r:id="rId26"/>
-    <p:sldId id="449" r:id="rId27"/>
-    <p:sldId id="450" r:id="rId28"/>
-    <p:sldId id="385" r:id="rId29"/>
+    <p:sldId id="452" r:id="rId20"/>
+    <p:sldId id="381" r:id="rId21"/>
+    <p:sldId id="409" r:id="rId22"/>
+    <p:sldId id="422" r:id="rId23"/>
+    <p:sldId id="410" r:id="rId24"/>
+    <p:sldId id="453" r:id="rId25"/>
+    <p:sldId id="421" r:id="rId26"/>
+    <p:sldId id="419" r:id="rId27"/>
+    <p:sldId id="423" r:id="rId28"/>
+    <p:sldId id="449" r:id="rId29"/>
+    <p:sldId id="450" r:id="rId30"/>
+    <p:sldId id="385" r:id="rId31"/>
   </p:sldIdLst>
   <p:sldSz cx="9144000" cy="6858000" type="screen4x3"/>
   <p:notesSz cx="6858000" cy="9144000"/>
@@ -190,10 +192,12 @@
             <p14:sldId id="371"/>
             <p14:sldId id="372"/>
             <p14:sldId id="398"/>
+            <p14:sldId id="452"/>
             <p14:sldId id="381"/>
             <p14:sldId id="409"/>
             <p14:sldId id="422"/>
             <p14:sldId id="410"/>
+            <p14:sldId id="453"/>
             <p14:sldId id="421"/>
             <p14:sldId id="419"/>
             <p14:sldId id="423"/>
@@ -4147,6 +4151,23 @@
             </a:r>
           </a:p>
           <a:p>
+            <a:pPr marL="0" marR="0" lvl="0" indent="0" algn="l" defTabSz="914400" rtl="0" eaLnBrk="1" fontAlgn="base" latinLnBrk="0" hangingPunct="1">
+              <a:lnSpc>
+                <a:spcPct val="100000"/>
+              </a:lnSpc>
+              <a:spcBef>
+                <a:spcPct val="30000"/>
+              </a:spcBef>
+              <a:spcAft>
+                <a:spcPct val="0"/>
+              </a:spcAft>
+              <a:buClrTx/>
+              <a:buSzTx/>
+              <a:buFontTx/>
+              <a:buNone/>
+              <a:tabLst/>
+              <a:defRPr/>
+            </a:pPr>
             <a:r>
               <a:rPr lang="en-US" sz="1200" b="0" i="0" u="none" strike="noStrike" kern="1200" baseline="0" dirty="0">
                 <a:solidFill>
@@ -4158,6 +4179,13 @@
               </a:rPr>
               <a:t>in this section.</a:t>
             </a:r>
+            <a:r>
+              <a:rPr lang="en-US" altLang="zh-CN" sz="1200" dirty="0"/>
+              <a:t> (DSS: Digital Signature Standard)</a:t>
+            </a:r>
+            <a:endParaRPr lang="zh-CN" altLang="en-US" sz="1200" dirty="0"/>
+          </a:p>
+          <a:p>
             <a:endParaRPr lang="en-US" dirty="0">
               <a:latin typeface="Arial" pitchFamily="-110" charset="0"/>
               <a:ea typeface="ＭＳ Ｐゴシック" pitchFamily="-110" charset="-128"/>
@@ -4228,246 +4256,302 @@
       </p:grpSpPr>
       <p:sp>
         <p:nvSpPr>
-          <p:cNvPr id="65538" name="Rectangle 7"/>
+          <p:cNvPr id="2" name="Slide Image Placeholder 1"/>
           <p:cNvSpPr>
-            <a:spLocks noGrp="1" noChangeArrowheads="1"/>
+            <a:spLocks noGrp="1" noRot="1" noChangeAspect="1"/>
+          </p:cNvSpPr>
+          <p:nvPr>
+            <p:ph type="sldImg"/>
+          </p:nvPr>
+        </p:nvSpPr>
+        <p:spPr/>
+      </p:sp>
+      <mc:AlternateContent xmlns:mc="http://schemas.openxmlformats.org/markup-compatibility/2006">
+        <mc:Choice xmlns:a14="http://schemas.microsoft.com/office/drawing/2010/main" Requires="a14">
+          <p:sp>
+            <p:nvSpPr>
+              <p:cNvPr id="3" name="Notes Placeholder 2"/>
+              <p:cNvSpPr>
+                <a:spLocks noGrp="1"/>
+              </p:cNvSpPr>
+              <p:nvPr>
+                <p:ph type="body" idx="1"/>
+              </p:nvPr>
+            </p:nvSpPr>
+            <p:spPr/>
+            <p:txBody>
+              <a:bodyPr/>
+              <a:lstStyle/>
+              <a:p>
+                <a:r>
+                  <a:rPr lang="en-US" dirty="0"/>
+                  <a:t>Public Key Generation</a:t>
+                </a:r>
+              </a:p>
+              <a:p>
+                <a:pPr marL="0" marR="0" lvl="0" indent="0" algn="l" defTabSz="914400" rtl="0" eaLnBrk="1" fontAlgn="base" latinLnBrk="0" hangingPunct="1">
+                  <a:lnSpc>
+                    <a:spcPct val="100000"/>
+                  </a:lnSpc>
+                  <a:spcBef>
+                    <a:spcPct val="30000"/>
+                  </a:spcBef>
+                  <a:spcAft>
+                    <a:spcPct val="0"/>
+                  </a:spcAft>
+                  <a:buClrTx/>
+                  <a:buSzTx/>
+                  <a:buFontTx/>
+                  <a:buNone/>
+                  <a:tabLst/>
+                  <a:defRPr/>
+                </a:pPr>
+                <a14:m>
+                  <m:oMath xmlns:m="http://schemas.openxmlformats.org/officeDocument/2006/math">
+                    <m:r>
+                      <a:rPr lang="en-US" i="1" smtClean="0">
+                        <a:latin typeface="Cambria Math" panose="02040503050406030204" pitchFamily="18" charset="0"/>
+                      </a:rPr>
+                      <m:t>𝐴</m:t>
+                    </m:r>
+                    <m:r>
+                      <a:rPr lang="en-US" b="0" i="1" smtClean="0">
+                        <a:latin typeface="Cambria Math" panose="02040503050406030204" pitchFamily="18" charset="0"/>
+                      </a:rPr>
+                      <m:t>,</m:t>
+                    </m:r>
+                    <m:r>
+                      <a:rPr lang="en-US" b="0" i="1" smtClean="0">
+                        <a:latin typeface="Cambria Math" panose="02040503050406030204" pitchFamily="18" charset="0"/>
+                      </a:rPr>
+                      <m:t>𝐵</m:t>
+                    </m:r>
+                    <m:r>
+                      <a:rPr lang="en-US" b="0" i="1" smtClean="0">
+                        <a:latin typeface="Cambria Math" panose="02040503050406030204" pitchFamily="18" charset="0"/>
+                      </a:rPr>
+                      <m:t>,</m:t>
+                    </m:r>
+                    <m:r>
+                      <a:rPr lang="en-US" b="0" i="1" smtClean="0">
+                        <a:latin typeface="Cambria Math" panose="02040503050406030204" pitchFamily="18" charset="0"/>
+                      </a:rPr>
+                      <m:t>𝑝</m:t>
+                    </m:r>
+                    <m:r>
+                      <a:rPr lang="en-US" b="0" i="1" smtClean="0">
+                        <a:latin typeface="Cambria Math" panose="02040503050406030204" pitchFamily="18" charset="0"/>
+                      </a:rPr>
+                      <m:t>,</m:t>
+                    </m:r>
+                    <m:r>
+                      <a:rPr lang="en-US" b="0" i="1" smtClean="0">
+                        <a:latin typeface="Cambria Math" panose="02040503050406030204" pitchFamily="18" charset="0"/>
+                      </a:rPr>
+                      <m:t>𝑔</m:t>
+                    </m:r>
+                  </m:oMath>
+                </a14:m>
+                <a:r>
+                  <a:rPr lang="en-US" dirty="0"/>
+                  <a:t> are all public; only </a:t>
+                </a:r>
+                <a14:m>
+                  <m:oMath xmlns:m="http://schemas.openxmlformats.org/officeDocument/2006/math">
+                    <m:r>
+                      <a:rPr lang="en-US" b="0" i="1" smtClean="0">
+                        <a:latin typeface="Cambria Math" panose="02040503050406030204" pitchFamily="18" charset="0"/>
+                      </a:rPr>
+                      <m:t>𝐴</m:t>
+                    </m:r>
+                  </m:oMath>
+                </a14:m>
+                <a:r>
+                  <a:rPr lang="en-US" dirty="0"/>
+                  <a:t> knows secret </a:t>
+                </a:r>
+                <a14:m>
+                  <m:oMath xmlns:m="http://schemas.openxmlformats.org/officeDocument/2006/math">
+                    <m:r>
+                      <a:rPr lang="en-US" b="0" i="1" smtClean="0">
+                        <a:latin typeface="Cambria Math" panose="02040503050406030204" pitchFamily="18" charset="0"/>
+                      </a:rPr>
+                      <m:t>𝑎</m:t>
+                    </m:r>
+                  </m:oMath>
+                </a14:m>
+                <a:r>
+                  <a:rPr lang="en-US" dirty="0"/>
+                  <a:t>; only </a:t>
+                </a:r>
+                <a14:m>
+                  <m:oMath xmlns:m="http://schemas.openxmlformats.org/officeDocument/2006/math">
+                    <m:r>
+                      <a:rPr lang="en-US" b="0" i="1" smtClean="0">
+                        <a:latin typeface="Cambria Math" panose="02040503050406030204" pitchFamily="18" charset="0"/>
+                      </a:rPr>
+                      <m:t>𝐵</m:t>
+                    </m:r>
+                  </m:oMath>
+                </a14:m>
+                <a:r>
+                  <a:rPr lang="en-US" dirty="0"/>
+                  <a:t> knows secret </a:t>
+                </a:r>
+                <a14:m>
+                  <m:oMath xmlns:m="http://schemas.openxmlformats.org/officeDocument/2006/math">
+                    <m:r>
+                      <a:rPr lang="en-US" b="0" i="1" smtClean="0">
+                        <a:latin typeface="Cambria Math" panose="02040503050406030204" pitchFamily="18" charset="0"/>
+                      </a:rPr>
+                      <m:t>𝑏</m:t>
+                    </m:r>
+                  </m:oMath>
+                </a14:m>
+                <a:r>
+                  <a:rPr lang="en-US" dirty="0"/>
+                  <a:t>.</a:t>
+                </a:r>
+                <a:endParaRPr lang="en-SE" dirty="0"/>
+              </a:p>
+              <a:p>
+                <a:endParaRPr lang="en-SE" dirty="0"/>
+              </a:p>
+            </p:txBody>
+          </p:sp>
+        </mc:Choice>
+        <mc:Fallback>
+          <p:sp>
+            <p:nvSpPr>
+              <p:cNvPr id="3" name="Notes Placeholder 2"/>
+              <p:cNvSpPr>
+                <a:spLocks noGrp="1"/>
+              </p:cNvSpPr>
+              <p:nvPr>
+                <p:ph type="body" idx="1"/>
+              </p:nvPr>
+            </p:nvSpPr>
+            <p:spPr/>
+            <p:txBody>
+              <a:bodyPr/>
+              <a:lstStyle/>
+              <a:p>
+                <a:r>
+                  <a:rPr lang="en-US" dirty="0"/>
+                  <a:t>Public Key Generation</a:t>
+                </a:r>
+              </a:p>
+              <a:p>
+                <a:pPr marL="0" marR="0" lvl="0" indent="0" algn="l" defTabSz="914400" rtl="0" eaLnBrk="1" fontAlgn="base" latinLnBrk="0" hangingPunct="1">
+                  <a:lnSpc>
+                    <a:spcPct val="100000"/>
+                  </a:lnSpc>
+                  <a:spcBef>
+                    <a:spcPct val="30000"/>
+                  </a:spcBef>
+                  <a:spcAft>
+                    <a:spcPct val="0"/>
+                  </a:spcAft>
+                  <a:buClrTx/>
+                  <a:buSzTx/>
+                  <a:buFontTx/>
+                  <a:buNone/>
+                  <a:tabLst/>
+                  <a:defRPr/>
+                </a:pPr>
+                <a:r>
+                  <a:rPr lang="en-US" i="0">
+                    <a:latin typeface="Cambria Math" panose="02040503050406030204" pitchFamily="18" charset="0"/>
+                  </a:rPr>
+                  <a:t>𝐴</a:t>
+                </a:r>
+                <a:r>
+                  <a:rPr lang="en-US" b="0" i="0">
+                    <a:latin typeface="Cambria Math" panose="02040503050406030204" pitchFamily="18" charset="0"/>
+                  </a:rPr>
+                  <a:t>,𝐵,𝑝,𝑔</a:t>
+                </a:r>
+                <a:r>
+                  <a:rPr lang="en-US" dirty="0"/>
+                  <a:t> are all public; only </a:t>
+                </a:r>
+                <a:r>
+                  <a:rPr lang="en-US" b="0" i="0">
+                    <a:latin typeface="Cambria Math" panose="02040503050406030204" pitchFamily="18" charset="0"/>
+                  </a:rPr>
+                  <a:t>𝐴</a:t>
+                </a:r>
+                <a:r>
+                  <a:rPr lang="en-US" dirty="0"/>
+                  <a:t> knows secret </a:t>
+                </a:r>
+                <a:r>
+                  <a:rPr lang="en-US" b="0" i="0">
+                    <a:latin typeface="Cambria Math" panose="02040503050406030204" pitchFamily="18" charset="0"/>
+                  </a:rPr>
+                  <a:t>𝑎</a:t>
+                </a:r>
+                <a:r>
+                  <a:rPr lang="en-US" dirty="0"/>
+                  <a:t>; only </a:t>
+                </a:r>
+                <a:r>
+                  <a:rPr lang="en-US" b="0" i="0">
+                    <a:latin typeface="Cambria Math" panose="02040503050406030204" pitchFamily="18" charset="0"/>
+                  </a:rPr>
+                  <a:t>𝐵</a:t>
+                </a:r>
+                <a:r>
+                  <a:rPr lang="en-US" dirty="0"/>
+                  <a:t> knows secret </a:t>
+                </a:r>
+                <a:r>
+                  <a:rPr lang="en-US" b="0" i="0">
+                    <a:latin typeface="Cambria Math" panose="02040503050406030204" pitchFamily="18" charset="0"/>
+                  </a:rPr>
+                  <a:t>𝑏</a:t>
+                </a:r>
+                <a:r>
+                  <a:rPr lang="en-US" dirty="0"/>
+                  <a:t>.</a:t>
+                </a:r>
+                <a:endParaRPr lang="en-SE" dirty="0"/>
+              </a:p>
+              <a:p>
+                <a:endParaRPr lang="en-SE" dirty="0"/>
+              </a:p>
+            </p:txBody>
+          </p:sp>
+        </mc:Fallback>
+      </mc:AlternateContent>
+      <p:sp>
+        <p:nvSpPr>
+          <p:cNvPr id="4" name="Slide Number Placeholder 3"/>
+          <p:cNvSpPr>
+            <a:spLocks noGrp="1"/>
           </p:cNvSpPr>
           <p:nvPr>
             <p:ph type="sldNum" sz="quarter" idx="5"/>
           </p:nvPr>
         </p:nvSpPr>
-        <p:spPr>
-          <a:noFill/>
-        </p:spPr>
+        <p:spPr/>
         <p:txBody>
           <a:bodyPr/>
           <a:lstStyle/>
           <a:p>
-            <a:fld id="{533AA161-F819-BC42-BFB4-302370EA9F39}" type="slidenum">
-              <a:rPr lang="en-AU">
-                <a:latin typeface="Arial" pitchFamily="-110" charset="0"/>
-              </a:rPr>
+            <a:fld id="{F8560DBF-F109-8946-ADF0-EE66B221E988}" type="slidenum">
+              <a:rPr lang="en-AU" smtClean="0"/>
               <a:pPr/>
               <a:t>19</a:t>
             </a:fld>
-            <a:endParaRPr lang="en-AU">
-              <a:latin typeface="Arial" pitchFamily="-110" charset="0"/>
-            </a:endParaRPr>
-          </a:p>
-        </p:txBody>
-      </p:sp>
-      <p:sp>
-        <p:nvSpPr>
-          <p:cNvPr id="65539" name="Rectangle 2"/>
-          <p:cNvSpPr>
-            <a:spLocks noGrp="1" noRot="1" noChangeAspect="1" noChangeArrowheads="1" noTextEdit="1"/>
-          </p:cNvSpPr>
-          <p:nvPr>
-            <p:ph type="sldImg"/>
-          </p:nvPr>
-        </p:nvSpPr>
-        <p:spPr>
-          <a:ln/>
-        </p:spPr>
-      </p:sp>
-      <p:sp>
-        <p:nvSpPr>
-          <p:cNvPr id="65540" name="Rectangle 3"/>
-          <p:cNvSpPr>
-            <a:spLocks noGrp="1" noChangeArrowheads="1"/>
-          </p:cNvSpPr>
-          <p:nvPr>
-            <p:ph type="body" idx="1"/>
-          </p:nvPr>
-        </p:nvSpPr>
-        <p:spPr>
-          <a:noFill/>
-          <a:ln/>
-        </p:spPr>
-        <p:txBody>
-          <a:bodyPr/>
-          <a:lstStyle/>
-          <a:p>
-            <a:r>
-              <a:rPr lang="en-US" b="0" dirty="0">
-                <a:latin typeface="Arial" pitchFamily="-110" charset="0"/>
-                <a:ea typeface="ＭＳ Ｐゴシック" pitchFamily="-110" charset="-128"/>
-                <a:cs typeface="ＭＳ Ｐゴシック" pitchFamily="-110" charset="-128"/>
-              </a:rPr>
-              <a:t>The cryptosystem illustrated in Figure 2.6 depends on a cryptographic algorithm</a:t>
-            </a:r>
-          </a:p>
-          <a:p>
-            <a:r>
-              <a:rPr lang="en-US" b="0" dirty="0">
-                <a:latin typeface="Arial" pitchFamily="-110" charset="0"/>
-                <a:ea typeface="ＭＳ Ｐゴシック" pitchFamily="-110" charset="-128"/>
-                <a:cs typeface="ＭＳ Ｐゴシック" pitchFamily="-110" charset="-128"/>
-              </a:rPr>
-              <a:t>based on two related keys. </a:t>
-            </a:r>
-            <a:r>
-              <a:rPr lang="en-US" b="0" dirty="0" err="1">
-                <a:latin typeface="Arial" pitchFamily="-110" charset="0"/>
-                <a:ea typeface="ＭＳ Ｐゴシック" pitchFamily="-110" charset="-128"/>
-                <a:cs typeface="ＭＳ Ｐゴシック" pitchFamily="-110" charset="-128"/>
-              </a:rPr>
-              <a:t>Diffie</a:t>
-            </a:r>
-            <a:r>
-              <a:rPr lang="en-US" b="0" dirty="0">
-                <a:latin typeface="Arial" pitchFamily="-110" charset="0"/>
-                <a:ea typeface="ＭＳ Ｐゴシック" pitchFamily="-110" charset="-128"/>
-                <a:cs typeface="ＭＳ Ｐゴシック" pitchFamily="-110" charset="-128"/>
-              </a:rPr>
-              <a:t> and Hellman postulated this system without demonstrating</a:t>
-            </a:r>
-          </a:p>
-          <a:p>
-            <a:r>
-              <a:rPr lang="en-US" b="0" dirty="0">
-                <a:latin typeface="Arial" pitchFamily="-110" charset="0"/>
-                <a:ea typeface="ＭＳ Ｐゴシック" pitchFamily="-110" charset="-128"/>
-                <a:cs typeface="ＭＳ Ｐゴシック" pitchFamily="-110" charset="-128"/>
-              </a:rPr>
-              <a:t>that such algorithms exist. However, they did lay out the conditions that</a:t>
-            </a:r>
-          </a:p>
-          <a:p>
-            <a:r>
-              <a:rPr lang="en-US" b="0" dirty="0">
-                <a:latin typeface="Arial" pitchFamily="-110" charset="0"/>
-                <a:ea typeface="ＭＳ Ｐゴシック" pitchFamily="-110" charset="-128"/>
-                <a:cs typeface="ＭＳ Ｐゴシック" pitchFamily="-110" charset="-128"/>
-              </a:rPr>
-              <a:t>such algorithms must fulfill [DIFF76]:</a:t>
-            </a:r>
-          </a:p>
-          <a:p>
-            <a:endParaRPr lang="en-US" b="0" dirty="0">
-              <a:latin typeface="Arial" pitchFamily="-110" charset="0"/>
-              <a:ea typeface="ＭＳ Ｐゴシック" pitchFamily="-110" charset="-128"/>
-              <a:cs typeface="ＭＳ Ｐゴシック" pitchFamily="-110" charset="-128"/>
-            </a:endParaRPr>
-          </a:p>
-          <a:p>
-            <a:endParaRPr lang="en-US" b="0" dirty="0">
-              <a:latin typeface="Arial" pitchFamily="-110" charset="0"/>
-              <a:ea typeface="ＭＳ Ｐゴシック" pitchFamily="-110" charset="-128"/>
-              <a:cs typeface="ＭＳ Ｐゴシック" pitchFamily="-110" charset="-128"/>
-            </a:endParaRPr>
-          </a:p>
-          <a:p>
-            <a:endParaRPr lang="en-US" b="0" dirty="0">
-              <a:latin typeface="Arial" pitchFamily="-110" charset="0"/>
-              <a:ea typeface="ＭＳ Ｐゴシック" pitchFamily="-110" charset="-128"/>
-              <a:cs typeface="ＭＳ Ｐゴシック" pitchFamily="-110" charset="-128"/>
-            </a:endParaRPr>
-          </a:p>
-          <a:p>
-            <a:r>
-              <a:rPr lang="en-US" dirty="0"/>
-              <a:t>RSA (</a:t>
-            </a:r>
-            <a:r>
-              <a:rPr lang="en-US" dirty="0" err="1"/>
-              <a:t>Rivest</a:t>
-            </a:r>
-            <a:r>
-              <a:rPr lang="en-US" dirty="0"/>
-              <a:t>, Shamir, </a:t>
-            </a:r>
-            <a:r>
-              <a:rPr lang="en-US" dirty="0" err="1"/>
-              <a:t>Adleman</a:t>
-            </a:r>
-            <a:r>
-              <a:rPr lang="en-US" dirty="0"/>
-              <a:t>)</a:t>
-            </a:r>
-          </a:p>
-          <a:p>
-            <a:r>
-              <a:rPr lang="en-US" dirty="0"/>
-              <a:t>Developed in 1977</a:t>
-            </a:r>
-          </a:p>
-          <a:p>
-            <a:r>
-              <a:rPr lang="en-US" dirty="0"/>
-              <a:t>Most widely accepted and implemented approach to public-key encryption</a:t>
-            </a:r>
-          </a:p>
-          <a:p>
-            <a:r>
-              <a:rPr lang="en-US" dirty="0"/>
-              <a:t>Block cipher in which the plaintext and ciphertext are integers between 0 and n-1 for some n.</a:t>
-            </a:r>
-          </a:p>
-          <a:p>
-            <a:r>
-              <a:rPr lang="en-US" dirty="0"/>
-              <a:t>Diffie-Hellman key exchange algorithm</a:t>
-            </a:r>
-          </a:p>
-          <a:p>
-            <a:r>
-              <a:rPr lang="en-US" dirty="0"/>
-              <a:t>Enables two users to securely reach agreement about a shared secret that can be used as a secret key for subsequent symmetric encryption of messages</a:t>
-            </a:r>
-          </a:p>
-          <a:p>
-            <a:r>
-              <a:rPr lang="en-US" dirty="0"/>
-              <a:t>Limited to the exchange of the keys</a:t>
-            </a:r>
-          </a:p>
-          <a:p>
-            <a:r>
-              <a:rPr lang="en-US" dirty="0"/>
-              <a:t>Digital Signature Standard (DSS)</a:t>
-            </a:r>
-          </a:p>
-          <a:p>
-            <a:r>
-              <a:rPr lang="en-US" dirty="0"/>
-              <a:t>Provides only a digital signature function with SHA-1</a:t>
-            </a:r>
-          </a:p>
-          <a:p>
-            <a:r>
-              <a:rPr lang="en-US" dirty="0"/>
-              <a:t>Cannot be used for encryption or key exchange</a:t>
-            </a:r>
-          </a:p>
-          <a:p>
-            <a:r>
-              <a:rPr lang="en-US" dirty="0"/>
-              <a:t>Elliptic curve cryptography (ECC)</a:t>
-            </a:r>
-          </a:p>
-          <a:p>
-            <a:r>
-              <a:rPr lang="en-US" dirty="0"/>
-              <a:t>Security like RSA, but with much smaller keys</a:t>
-            </a:r>
-          </a:p>
-          <a:p>
-            <a:endParaRPr lang="en-SE" dirty="0"/>
-          </a:p>
-          <a:p>
-            <a:endParaRPr lang="en-US" b="0" dirty="0">
-              <a:latin typeface="Arial" pitchFamily="-110" charset="0"/>
-              <a:ea typeface="ＭＳ Ｐゴシック" pitchFamily="-110" charset="-128"/>
-              <a:cs typeface="ＭＳ Ｐゴシック" pitchFamily="-110" charset="-128"/>
-            </a:endParaRPr>
+            <a:endParaRPr lang="en-AU" dirty="0"/>
           </a:p>
         </p:txBody>
       </p:sp>
     </p:spTree>
     <p:extLst>
       <p:ext uri="{BB962C8B-B14F-4D97-AF65-F5344CB8AC3E}">
-        <p14:creationId xmlns:p14="http://schemas.microsoft.com/office/powerpoint/2010/main" val="1620923690"/>
+        <p14:creationId xmlns:p14="http://schemas.microsoft.com/office/powerpoint/2010/main" val="357594182"/>
       </p:ext>
     </p:extLst>
   </p:cSld>
@@ -4743,6 +4827,274 @@
       </p:grpSpPr>
       <p:sp>
         <p:nvSpPr>
+          <p:cNvPr id="65538" name="Rectangle 7"/>
+          <p:cNvSpPr>
+            <a:spLocks noGrp="1" noChangeArrowheads="1"/>
+          </p:cNvSpPr>
+          <p:nvPr>
+            <p:ph type="sldNum" sz="quarter" idx="5"/>
+          </p:nvPr>
+        </p:nvSpPr>
+        <p:spPr>
+          <a:noFill/>
+        </p:spPr>
+        <p:txBody>
+          <a:bodyPr/>
+          <a:lstStyle/>
+          <a:p>
+            <a:fld id="{533AA161-F819-BC42-BFB4-302370EA9F39}" type="slidenum">
+              <a:rPr lang="en-AU">
+                <a:latin typeface="Arial" pitchFamily="-110" charset="0"/>
+              </a:rPr>
+              <a:pPr/>
+              <a:t>20</a:t>
+            </a:fld>
+            <a:endParaRPr lang="en-AU">
+              <a:latin typeface="Arial" pitchFamily="-110" charset="0"/>
+            </a:endParaRPr>
+          </a:p>
+        </p:txBody>
+      </p:sp>
+      <p:sp>
+        <p:nvSpPr>
+          <p:cNvPr id="65539" name="Rectangle 2"/>
+          <p:cNvSpPr>
+            <a:spLocks noGrp="1" noRot="1" noChangeAspect="1" noChangeArrowheads="1" noTextEdit="1"/>
+          </p:cNvSpPr>
+          <p:nvPr>
+            <p:ph type="sldImg"/>
+          </p:nvPr>
+        </p:nvSpPr>
+        <p:spPr>
+          <a:ln/>
+        </p:spPr>
+      </p:sp>
+      <p:sp>
+        <p:nvSpPr>
+          <p:cNvPr id="65540" name="Rectangle 3"/>
+          <p:cNvSpPr>
+            <a:spLocks noGrp="1" noChangeArrowheads="1"/>
+          </p:cNvSpPr>
+          <p:nvPr>
+            <p:ph type="body" idx="1"/>
+          </p:nvPr>
+        </p:nvSpPr>
+        <p:spPr>
+          <a:noFill/>
+          <a:ln/>
+        </p:spPr>
+        <p:txBody>
+          <a:bodyPr/>
+          <a:lstStyle/>
+          <a:p>
+            <a:r>
+              <a:rPr lang="en-US" b="0" dirty="0">
+                <a:latin typeface="Arial" pitchFamily="-110" charset="0"/>
+                <a:ea typeface="ＭＳ Ｐゴシック" pitchFamily="-110" charset="-128"/>
+                <a:cs typeface="ＭＳ Ｐゴシック" pitchFamily="-110" charset="-128"/>
+              </a:rPr>
+              <a:t>The cryptosystem illustrated in Figure 2.6 depends on a cryptographic algorithm</a:t>
+            </a:r>
+          </a:p>
+          <a:p>
+            <a:r>
+              <a:rPr lang="en-US" b="0" dirty="0">
+                <a:latin typeface="Arial" pitchFamily="-110" charset="0"/>
+                <a:ea typeface="ＭＳ Ｐゴシック" pitchFamily="-110" charset="-128"/>
+                <a:cs typeface="ＭＳ Ｐゴシック" pitchFamily="-110" charset="-128"/>
+              </a:rPr>
+              <a:t>based on two related keys. </a:t>
+            </a:r>
+            <a:r>
+              <a:rPr lang="en-US" b="0" dirty="0" err="1">
+                <a:latin typeface="Arial" pitchFamily="-110" charset="0"/>
+                <a:ea typeface="ＭＳ Ｐゴシック" pitchFamily="-110" charset="-128"/>
+                <a:cs typeface="ＭＳ Ｐゴシック" pitchFamily="-110" charset="-128"/>
+              </a:rPr>
+              <a:t>Diffie</a:t>
+            </a:r>
+            <a:r>
+              <a:rPr lang="en-US" b="0" dirty="0">
+                <a:latin typeface="Arial" pitchFamily="-110" charset="0"/>
+                <a:ea typeface="ＭＳ Ｐゴシック" pitchFamily="-110" charset="-128"/>
+                <a:cs typeface="ＭＳ Ｐゴシック" pitchFamily="-110" charset="-128"/>
+              </a:rPr>
+              <a:t> and Hellman postulated this system without demonstrating</a:t>
+            </a:r>
+          </a:p>
+          <a:p>
+            <a:r>
+              <a:rPr lang="en-US" b="0" dirty="0">
+                <a:latin typeface="Arial" pitchFamily="-110" charset="0"/>
+                <a:ea typeface="ＭＳ Ｐゴシック" pitchFamily="-110" charset="-128"/>
+                <a:cs typeface="ＭＳ Ｐゴシック" pitchFamily="-110" charset="-128"/>
+              </a:rPr>
+              <a:t>that such algorithms exist. However, they did lay out the conditions that</a:t>
+            </a:r>
+          </a:p>
+          <a:p>
+            <a:r>
+              <a:rPr lang="en-US" b="0" dirty="0">
+                <a:latin typeface="Arial" pitchFamily="-110" charset="0"/>
+                <a:ea typeface="ＭＳ Ｐゴシック" pitchFamily="-110" charset="-128"/>
+                <a:cs typeface="ＭＳ Ｐゴシック" pitchFamily="-110" charset="-128"/>
+              </a:rPr>
+              <a:t>such algorithms must fulfill [DIFF76]:</a:t>
+            </a:r>
+          </a:p>
+          <a:p>
+            <a:endParaRPr lang="en-US" b="0" dirty="0">
+              <a:latin typeface="Arial" pitchFamily="-110" charset="0"/>
+              <a:ea typeface="ＭＳ Ｐゴシック" pitchFamily="-110" charset="-128"/>
+              <a:cs typeface="ＭＳ Ｐゴシック" pitchFamily="-110" charset="-128"/>
+            </a:endParaRPr>
+          </a:p>
+          <a:p>
+            <a:endParaRPr lang="en-US" b="0" dirty="0">
+              <a:latin typeface="Arial" pitchFamily="-110" charset="0"/>
+              <a:ea typeface="ＭＳ Ｐゴシック" pitchFamily="-110" charset="-128"/>
+              <a:cs typeface="ＭＳ Ｐゴシック" pitchFamily="-110" charset="-128"/>
+            </a:endParaRPr>
+          </a:p>
+          <a:p>
+            <a:endParaRPr lang="en-US" b="0" dirty="0">
+              <a:latin typeface="Arial" pitchFamily="-110" charset="0"/>
+              <a:ea typeface="ＭＳ Ｐゴシック" pitchFamily="-110" charset="-128"/>
+              <a:cs typeface="ＭＳ Ｐゴシック" pitchFamily="-110" charset="-128"/>
+            </a:endParaRPr>
+          </a:p>
+          <a:p>
+            <a:r>
+              <a:rPr lang="en-US" dirty="0"/>
+              <a:t>RSA (</a:t>
+            </a:r>
+            <a:r>
+              <a:rPr lang="en-US" dirty="0" err="1"/>
+              <a:t>Rivest</a:t>
+            </a:r>
+            <a:r>
+              <a:rPr lang="en-US" dirty="0"/>
+              <a:t>, Shamir, </a:t>
+            </a:r>
+            <a:r>
+              <a:rPr lang="en-US" dirty="0" err="1"/>
+              <a:t>Adleman</a:t>
+            </a:r>
+            <a:r>
+              <a:rPr lang="en-US" dirty="0"/>
+              <a:t>)</a:t>
+            </a:r>
+          </a:p>
+          <a:p>
+            <a:r>
+              <a:rPr lang="en-US" dirty="0"/>
+              <a:t>Developed in 1977</a:t>
+            </a:r>
+          </a:p>
+          <a:p>
+            <a:r>
+              <a:rPr lang="en-US" dirty="0"/>
+              <a:t>Most widely accepted and implemented approach to public-key encryption</a:t>
+            </a:r>
+          </a:p>
+          <a:p>
+            <a:r>
+              <a:rPr lang="en-US" dirty="0"/>
+              <a:t>Block cipher in which the plaintext and ciphertext are integers between 0 and n-1 for some n.</a:t>
+            </a:r>
+          </a:p>
+          <a:p>
+            <a:r>
+              <a:rPr lang="en-US" dirty="0"/>
+              <a:t>Diffie-Hellman key exchange algorithm</a:t>
+            </a:r>
+          </a:p>
+          <a:p>
+            <a:r>
+              <a:rPr lang="en-US" dirty="0"/>
+              <a:t>Enables two users to securely reach agreement about a shared secret that can be used as a secret key for subsequent symmetric encryption of messages</a:t>
+            </a:r>
+          </a:p>
+          <a:p>
+            <a:r>
+              <a:rPr lang="en-US" dirty="0"/>
+              <a:t>Limited to the exchange of the keys</a:t>
+            </a:r>
+          </a:p>
+          <a:p>
+            <a:r>
+              <a:rPr lang="en-US" dirty="0"/>
+              <a:t>Digital Signature Standard (DSS)</a:t>
+            </a:r>
+          </a:p>
+          <a:p>
+            <a:r>
+              <a:rPr lang="en-US" dirty="0"/>
+              <a:t>Provides only a digital signature function with SHA-1</a:t>
+            </a:r>
+          </a:p>
+          <a:p>
+            <a:r>
+              <a:rPr lang="en-US" dirty="0"/>
+              <a:t>Cannot be used for encryption or key exchange</a:t>
+            </a:r>
+          </a:p>
+          <a:p>
+            <a:r>
+              <a:rPr lang="en-US" dirty="0"/>
+              <a:t>Elliptic curve cryptography (ECC)</a:t>
+            </a:r>
+          </a:p>
+          <a:p>
+            <a:r>
+              <a:rPr lang="en-US" dirty="0"/>
+              <a:t>Security like RSA, but with much smaller keys</a:t>
+            </a:r>
+          </a:p>
+          <a:p>
+            <a:endParaRPr lang="en-SE" dirty="0"/>
+          </a:p>
+          <a:p>
+            <a:endParaRPr lang="en-US" b="0" dirty="0">
+              <a:latin typeface="Arial" pitchFamily="-110" charset="0"/>
+              <a:ea typeface="ＭＳ Ｐゴシック" pitchFamily="-110" charset="-128"/>
+              <a:cs typeface="ＭＳ Ｐゴシック" pitchFamily="-110" charset="-128"/>
+            </a:endParaRPr>
+          </a:p>
+        </p:txBody>
+      </p:sp>
+    </p:spTree>
+    <p:extLst>
+      <p:ext uri="{BB962C8B-B14F-4D97-AF65-F5344CB8AC3E}">
+        <p14:creationId xmlns:p14="http://schemas.microsoft.com/office/powerpoint/2010/main" val="1620923690"/>
+      </p:ext>
+    </p:extLst>
+  </p:cSld>
+  <p:clrMapOvr>
+    <a:masterClrMapping/>
+  </p:clrMapOvr>
+</p:notes>
+</file>
+
+<file path=ppt/notesSlides/notesSlide21.xml><?xml version="1.0" encoding="utf-8"?>
+<p:notes xmlns:a="http://schemas.openxmlformats.org/drawingml/2006/main" xmlns:r="http://schemas.openxmlformats.org/officeDocument/2006/relationships" xmlns:p="http://schemas.openxmlformats.org/presentationml/2006/main">
+  <p:cSld>
+    <p:spTree>
+      <p:nvGrpSpPr>
+        <p:cNvPr id="1" name=""/>
+        <p:cNvGrpSpPr/>
+        <p:nvPr/>
+      </p:nvGrpSpPr>
+      <p:grpSpPr>
+        <a:xfrm>
+          <a:off x="0" y="0"/>
+          <a:ext cx="0" cy="0"/>
+          <a:chOff x="0" y="0"/>
+          <a:chExt cx="0" cy="0"/>
+        </a:xfrm>
+      </p:grpSpPr>
+      <p:sp>
+        <p:nvSpPr>
           <p:cNvPr id="45058" name="Rectangle 7"/>
           <p:cNvSpPr>
             <a:spLocks noGrp="1" noChangeArrowheads="1"/>
@@ -4763,7 +5115,7 @@
                 <a:latin typeface="Arial" pitchFamily="-110" charset="0"/>
               </a:rPr>
               <a:pPr/>
-              <a:t>20</a:t>
+              <a:t>21</a:t>
             </a:fld>
             <a:endParaRPr lang="en-AU">
               <a:latin typeface="Arial" pitchFamily="-110" charset="0"/>
@@ -5119,7 +5471,7 @@
 </p:notes>
 </file>
 
-<file path=ppt/notesSlides/notesSlide21.xml><?xml version="1.0" encoding="utf-8"?>
+<file path=ppt/notesSlides/notesSlide22.xml><?xml version="1.0" encoding="utf-8"?>
 <p:notes xmlns:a="http://schemas.openxmlformats.org/drawingml/2006/main" xmlns:r="http://schemas.openxmlformats.org/officeDocument/2006/relationships" xmlns:p="http://schemas.openxmlformats.org/presentationml/2006/main">
   <p:cSld>
     <p:spTree>
@@ -5158,7 +5510,7 @@
                 <a:latin typeface="Arial" pitchFamily="-110" charset="0"/>
               </a:rPr>
               <a:pPr/>
-              <a:t>22</a:t>
+              <a:t>23</a:t>
             </a:fld>
             <a:endParaRPr lang="en-AU">
               <a:latin typeface="Arial" pitchFamily="-110" charset="0"/>
@@ -5615,816 +5967,6 @@
     <p:extLst>
       <p:ext uri="{BB962C8B-B14F-4D97-AF65-F5344CB8AC3E}">
         <p14:creationId xmlns:p14="http://schemas.microsoft.com/office/powerpoint/2010/main" val="2370196463"/>
-      </p:ext>
-    </p:extLst>
-  </p:cSld>
-  <p:clrMapOvr>
-    <a:masterClrMapping/>
-  </p:clrMapOvr>
-</p:notes>
-</file>
-
-<file path=ppt/notesSlides/notesSlide22.xml><?xml version="1.0" encoding="utf-8"?>
-<p:notes xmlns:a="http://schemas.openxmlformats.org/drawingml/2006/main" xmlns:r="http://schemas.openxmlformats.org/officeDocument/2006/relationships" xmlns:p="http://schemas.openxmlformats.org/presentationml/2006/main">
-  <p:cSld>
-    <p:spTree>
-      <p:nvGrpSpPr>
-        <p:cNvPr id="1" name=""/>
-        <p:cNvGrpSpPr/>
-        <p:nvPr/>
-      </p:nvGrpSpPr>
-      <p:grpSpPr>
-        <a:xfrm>
-          <a:off x="0" y="0"/>
-          <a:ext cx="0" cy="0"/>
-          <a:chOff x="0" y="0"/>
-          <a:chExt cx="0" cy="0"/>
-        </a:xfrm>
-      </p:grpSpPr>
-      <p:sp>
-        <p:nvSpPr>
-          <p:cNvPr id="51202" name="Rectangle 7"/>
-          <p:cNvSpPr>
-            <a:spLocks noGrp="1" noChangeArrowheads="1"/>
-          </p:cNvSpPr>
-          <p:nvPr>
-            <p:ph type="sldNum" sz="quarter" idx="5"/>
-          </p:nvPr>
-        </p:nvSpPr>
-        <p:spPr>
-          <a:noFill/>
-        </p:spPr>
-        <p:txBody>
-          <a:bodyPr/>
-          <a:lstStyle/>
-          <a:p>
-            <a:fld id="{03363312-9C5D-9E41-9C15-EAEE56EE6E89}" type="slidenum">
-              <a:rPr lang="en-AU">
-                <a:latin typeface="Arial" pitchFamily="-110" charset="0"/>
-              </a:rPr>
-              <a:pPr/>
-              <a:t>24</a:t>
-            </a:fld>
-            <a:endParaRPr lang="en-AU">
-              <a:latin typeface="Arial" pitchFamily="-110" charset="0"/>
-            </a:endParaRPr>
-          </a:p>
-        </p:txBody>
-      </p:sp>
-      <p:sp>
-        <p:nvSpPr>
-          <p:cNvPr id="51203" name="Rectangle 2"/>
-          <p:cNvSpPr>
-            <a:spLocks noGrp="1" noRot="1" noChangeAspect="1" noChangeArrowheads="1" noTextEdit="1"/>
-          </p:cNvSpPr>
-          <p:nvPr>
-            <p:ph type="sldImg"/>
-          </p:nvPr>
-        </p:nvSpPr>
-        <p:spPr>
-          <a:ln/>
-        </p:spPr>
-      </p:sp>
-      <p:sp>
-        <p:nvSpPr>
-          <p:cNvPr id="51204" name="Rectangle 3"/>
-          <p:cNvSpPr>
-            <a:spLocks noGrp="1" noChangeArrowheads="1"/>
-          </p:cNvSpPr>
-          <p:nvPr>
-            <p:ph type="body" idx="1"/>
-          </p:nvPr>
-        </p:nvSpPr>
-        <p:spPr>
-          <a:noFill/>
-          <a:ln/>
-        </p:spPr>
-        <p:txBody>
-          <a:bodyPr/>
-          <a:lstStyle/>
-          <a:p>
-            <a:r>
-              <a:rPr lang="en-US" altLang="zh-CN" dirty="0">
-                <a:latin typeface="Arial" pitchFamily="-110" charset="0"/>
-                <a:ea typeface="ＭＳ Ｐゴシック" pitchFamily="-110" charset="-128"/>
-                <a:cs typeface="ＭＳ Ｐゴシック" pitchFamily="-110" charset="-128"/>
-              </a:rPr>
-              <a:t>An alternative to the message authentication code is the</a:t>
-            </a:r>
-          </a:p>
-          <a:p>
-            <a:r>
-              <a:rPr lang="en-US" altLang="zh-CN" dirty="0">
-                <a:latin typeface="Arial" pitchFamily="-110" charset="0"/>
-                <a:ea typeface="ＭＳ Ｐゴシック" pitchFamily="-110" charset="-128"/>
-                <a:cs typeface="ＭＳ Ｐゴシック" pitchFamily="-110" charset="-128"/>
-              </a:rPr>
-              <a:t>one-way hash function. As with the message authentication code, a hash function</a:t>
-            </a:r>
-          </a:p>
-          <a:p>
-            <a:r>
-              <a:rPr lang="en-US" altLang="zh-CN" dirty="0">
-                <a:latin typeface="Arial" pitchFamily="-110" charset="0"/>
-                <a:ea typeface="ＭＳ Ｐゴシック" pitchFamily="-110" charset="-128"/>
-                <a:cs typeface="ＭＳ Ｐゴシック" pitchFamily="-110" charset="-128"/>
-              </a:rPr>
-              <a:t>accepts a variable-size message </a:t>
-            </a:r>
-            <a:r>
-              <a:rPr lang="en-US" altLang="zh-CN" i="1" dirty="0">
-                <a:latin typeface="Arial" pitchFamily="-110" charset="0"/>
-                <a:ea typeface="ＭＳ Ｐゴシック" pitchFamily="-110" charset="-128"/>
-                <a:cs typeface="ＭＳ Ｐゴシック" pitchFamily="-110" charset="-128"/>
-              </a:rPr>
-              <a:t>M as input and produces a fixed-size message digest</a:t>
-            </a:r>
-          </a:p>
-          <a:p>
-            <a:r>
-              <a:rPr lang="en-US" altLang="zh-CN" dirty="0">
-                <a:latin typeface="Arial" pitchFamily="-110" charset="0"/>
-                <a:ea typeface="ＭＳ Ｐゴシック" pitchFamily="-110" charset="-128"/>
-                <a:cs typeface="ＭＳ Ｐゴシック" pitchFamily="-110" charset="-128"/>
-              </a:rPr>
-              <a:t>H(</a:t>
-            </a:r>
-            <a:r>
-              <a:rPr lang="en-US" altLang="zh-CN" i="1" dirty="0">
-                <a:latin typeface="Arial" pitchFamily="-110" charset="0"/>
-                <a:ea typeface="ＭＳ Ｐゴシック" pitchFamily="-110" charset="-128"/>
-                <a:cs typeface="ＭＳ Ｐゴシック" pitchFamily="-110" charset="-128"/>
-              </a:rPr>
-              <a:t>M) as output (Figure 2.4). Typically, the message is padded out to an integer multiple</a:t>
-            </a:r>
-          </a:p>
-          <a:p>
-            <a:r>
-              <a:rPr lang="en-US" altLang="zh-CN" dirty="0">
-                <a:latin typeface="Arial" pitchFamily="-110" charset="0"/>
-                <a:ea typeface="ＭＳ Ｐゴシック" pitchFamily="-110" charset="-128"/>
-                <a:cs typeface="ＭＳ Ｐゴシック" pitchFamily="-110" charset="-128"/>
-              </a:rPr>
-              <a:t>of some fixed length (e.g., 1024 bits) and the padding includes the value of the length</a:t>
-            </a:r>
-          </a:p>
-          <a:p>
-            <a:r>
-              <a:rPr lang="en-US" altLang="zh-CN" dirty="0">
-                <a:latin typeface="Arial" pitchFamily="-110" charset="0"/>
-                <a:ea typeface="ＭＳ Ｐゴシック" pitchFamily="-110" charset="-128"/>
-                <a:cs typeface="ＭＳ Ｐゴシック" pitchFamily="-110" charset="-128"/>
-              </a:rPr>
-              <a:t>of the original message in bits. The length field is a security measure to increase the</a:t>
-            </a:r>
-          </a:p>
-          <a:p>
-            <a:r>
-              <a:rPr lang="en-US" altLang="zh-CN" dirty="0">
-                <a:latin typeface="Arial" pitchFamily="-110" charset="0"/>
-                <a:ea typeface="ＭＳ Ｐゴシック" pitchFamily="-110" charset="-128"/>
-                <a:cs typeface="ＭＳ Ｐゴシック" pitchFamily="-110" charset="-128"/>
-              </a:rPr>
-              <a:t>difficulty for an attacker to produce an alternative message with the same hash value.</a:t>
-            </a:r>
-            <a:endParaRPr lang="en-US" altLang="zh-CN" dirty="0">
-              <a:latin typeface="Times New Roman" pitchFamily="-110" charset="0"/>
-              <a:ea typeface="ＭＳ Ｐゴシック" pitchFamily="-110" charset="-128"/>
-              <a:cs typeface="ＭＳ Ｐゴシック" pitchFamily="-110" charset="-128"/>
-            </a:endParaRPr>
-          </a:p>
-          <a:p>
-            <a:endParaRPr lang="en-US" dirty="0">
-              <a:latin typeface="Arial" pitchFamily="-110" charset="0"/>
-              <a:ea typeface="ＭＳ Ｐゴシック" pitchFamily="-110" charset="-128"/>
-              <a:cs typeface="ＭＳ Ｐゴシック" pitchFamily="-110" charset="-128"/>
-            </a:endParaRPr>
-          </a:p>
-          <a:p>
-            <a:endParaRPr lang="en-US" dirty="0">
-              <a:latin typeface="Arial" pitchFamily="-110" charset="0"/>
-              <a:ea typeface="ＭＳ Ｐゴシック" pitchFamily="-110" charset="-128"/>
-              <a:cs typeface="ＭＳ Ｐゴシック" pitchFamily="-110" charset="-128"/>
-            </a:endParaRPr>
-          </a:p>
-          <a:p>
-            <a:r>
-              <a:rPr lang="en-US" dirty="0">
-                <a:latin typeface="Arial" pitchFamily="-110" charset="0"/>
-                <a:ea typeface="ＭＳ Ｐゴシック" pitchFamily="-110" charset="-128"/>
-                <a:cs typeface="ＭＳ Ｐゴシック" pitchFamily="-110" charset="-128"/>
-              </a:rPr>
-              <a:t>Unlike the MAC, a hash function does not also take a secret key as input.</a:t>
-            </a:r>
-          </a:p>
-          <a:p>
-            <a:r>
-              <a:rPr lang="en-US" dirty="0">
-                <a:latin typeface="Arial" pitchFamily="-110" charset="0"/>
-                <a:ea typeface="ＭＳ Ｐゴシック" pitchFamily="-110" charset="-128"/>
-                <a:cs typeface="ＭＳ Ｐゴシック" pitchFamily="-110" charset="-128"/>
-              </a:rPr>
-              <a:t>To authenticate a message, the message digest is sent with the message in such</a:t>
-            </a:r>
-          </a:p>
-          <a:p>
-            <a:r>
-              <a:rPr lang="en-US" dirty="0">
-                <a:latin typeface="Arial" pitchFamily="-110" charset="0"/>
-                <a:ea typeface="ＭＳ Ｐゴシック" pitchFamily="-110" charset="-128"/>
-                <a:cs typeface="ＭＳ Ｐゴシック" pitchFamily="-110" charset="-128"/>
-              </a:rPr>
-              <a:t>a way that the message digest is authentic. Figure 2.5 illustrates three ways in</a:t>
-            </a:r>
-          </a:p>
-          <a:p>
-            <a:r>
-              <a:rPr lang="en-US" dirty="0">
-                <a:latin typeface="Arial" pitchFamily="-110" charset="0"/>
-                <a:ea typeface="ＭＳ Ｐゴシック" pitchFamily="-110" charset="-128"/>
-                <a:cs typeface="ＭＳ Ｐゴシック" pitchFamily="-110" charset="-128"/>
-              </a:rPr>
-              <a:t>which the message can be authenticated using a hash code. The message digest</a:t>
-            </a:r>
-          </a:p>
-          <a:p>
-            <a:r>
-              <a:rPr lang="en-US" dirty="0">
-                <a:latin typeface="Arial" pitchFamily="-110" charset="0"/>
-                <a:ea typeface="ＭＳ Ｐゴシック" pitchFamily="-110" charset="-128"/>
-                <a:cs typeface="ＭＳ Ｐゴシック" pitchFamily="-110" charset="-128"/>
-              </a:rPr>
-              <a:t>can be encrypted using symmetric encryption (part a); if it is assumed that only</a:t>
-            </a:r>
-          </a:p>
-          <a:p>
-            <a:r>
-              <a:rPr lang="en-US" dirty="0">
-                <a:latin typeface="Arial" pitchFamily="-110" charset="0"/>
-                <a:ea typeface="ＭＳ Ｐゴシック" pitchFamily="-110" charset="-128"/>
-                <a:cs typeface="ＭＳ Ｐゴシック" pitchFamily="-110" charset="-128"/>
-              </a:rPr>
-              <a:t>the sender and receiver share the encryption key, then authenticity is assured. The</a:t>
-            </a:r>
-          </a:p>
-          <a:p>
-            <a:r>
-              <a:rPr lang="en-US" dirty="0">
-                <a:latin typeface="Arial" pitchFamily="-110" charset="0"/>
-                <a:ea typeface="ＭＳ Ｐゴシック" pitchFamily="-110" charset="-128"/>
-                <a:cs typeface="ＭＳ Ｐゴシック" pitchFamily="-110" charset="-128"/>
-              </a:rPr>
-              <a:t>message digest can also be encrypted using public-key encryption (part b); this is</a:t>
-            </a:r>
-          </a:p>
-          <a:p>
-            <a:r>
-              <a:rPr lang="en-US" dirty="0">
-                <a:latin typeface="Arial" pitchFamily="-110" charset="0"/>
-                <a:ea typeface="ＭＳ Ｐゴシック" pitchFamily="-110" charset="-128"/>
-                <a:cs typeface="ＭＳ Ｐゴシック" pitchFamily="-110" charset="-128"/>
-              </a:rPr>
-              <a:t>explained in Section 2.3. The public-key approach has two advantages: It provides</a:t>
-            </a:r>
-          </a:p>
-          <a:p>
-            <a:r>
-              <a:rPr lang="en-US" dirty="0">
-                <a:latin typeface="Arial" pitchFamily="-110" charset="0"/>
-                <a:ea typeface="ＭＳ Ｐゴシック" pitchFamily="-110" charset="-128"/>
-                <a:cs typeface="ＭＳ Ｐゴシック" pitchFamily="-110" charset="-128"/>
-              </a:rPr>
-              <a:t>a digital signature as well as message authentication; and it does not require the</a:t>
-            </a:r>
-          </a:p>
-          <a:p>
-            <a:r>
-              <a:rPr lang="en-US" dirty="0">
-                <a:latin typeface="Arial" pitchFamily="-110" charset="0"/>
-                <a:ea typeface="ＭＳ Ｐゴシック" pitchFamily="-110" charset="-128"/>
-                <a:cs typeface="ＭＳ Ｐゴシック" pitchFamily="-110" charset="-128"/>
-              </a:rPr>
-              <a:t>distribution of keys to communicating parties.</a:t>
-            </a:r>
-          </a:p>
-          <a:p>
-            <a:endParaRPr lang="en-US" dirty="0">
-              <a:latin typeface="Arial" pitchFamily="-110" charset="0"/>
-              <a:ea typeface="ＭＳ Ｐゴシック" pitchFamily="-110" charset="-128"/>
-              <a:cs typeface="ＭＳ Ｐゴシック" pitchFamily="-110" charset="-128"/>
-            </a:endParaRPr>
-          </a:p>
-          <a:p>
-            <a:r>
-              <a:rPr lang="en-US" dirty="0">
-                <a:latin typeface="Arial" pitchFamily="-110" charset="0"/>
-                <a:ea typeface="ＭＳ Ｐゴシック" pitchFamily="-110" charset="-128"/>
-                <a:cs typeface="ＭＳ Ｐゴシック" pitchFamily="-110" charset="-128"/>
-              </a:rPr>
-              <a:t>These two approaches have an advantage over approaches that encrypt the</a:t>
-            </a:r>
-          </a:p>
-          <a:p>
-            <a:r>
-              <a:rPr lang="en-US" dirty="0">
-                <a:latin typeface="Arial" pitchFamily="-110" charset="0"/>
-                <a:ea typeface="ＭＳ Ｐゴシック" pitchFamily="-110" charset="-128"/>
-                <a:cs typeface="ＭＳ Ｐゴシック" pitchFamily="-110" charset="-128"/>
-              </a:rPr>
-              <a:t>entire message in that less computation is required. But an even more common approach is</a:t>
-            </a:r>
-          </a:p>
-          <a:p>
-            <a:r>
-              <a:rPr lang="en-US" dirty="0">
-                <a:latin typeface="Arial" pitchFamily="-110" charset="0"/>
-                <a:ea typeface="ＭＳ Ｐゴシック" pitchFamily="-110" charset="-128"/>
-                <a:cs typeface="ＭＳ Ｐゴシック" pitchFamily="-110" charset="-128"/>
-              </a:rPr>
-              <a:t> the use of a technique that avoids encryption altogether. Several reasons</a:t>
-            </a:r>
-          </a:p>
-          <a:p>
-            <a:r>
-              <a:rPr lang="en-US" dirty="0">
-                <a:latin typeface="Arial" pitchFamily="-110" charset="0"/>
-                <a:ea typeface="ＭＳ Ｐゴシック" pitchFamily="-110" charset="-128"/>
-                <a:cs typeface="ＭＳ Ｐゴシック" pitchFamily="-110" charset="-128"/>
-              </a:rPr>
-              <a:t>for this interest are pointed out in [TSUD92]:</a:t>
-            </a:r>
-          </a:p>
-          <a:p>
-            <a:endParaRPr lang="en-US" dirty="0">
-              <a:latin typeface="Arial" pitchFamily="-110" charset="0"/>
-              <a:ea typeface="ＭＳ Ｐゴシック" pitchFamily="-110" charset="-128"/>
-              <a:cs typeface="ＭＳ Ｐゴシック" pitchFamily="-110" charset="-128"/>
-            </a:endParaRPr>
-          </a:p>
-          <a:p>
-            <a:r>
-              <a:rPr lang="en-US" dirty="0">
-                <a:latin typeface="Arial" pitchFamily="-110" charset="0"/>
-                <a:ea typeface="ＭＳ Ｐゴシック" pitchFamily="-110" charset="-128"/>
-                <a:cs typeface="ＭＳ Ｐゴシック" pitchFamily="-110" charset="-128"/>
-              </a:rPr>
-              <a:t>• Encryption software is quite slow. Even though the amount of data to be</a:t>
-            </a:r>
-          </a:p>
-          <a:p>
-            <a:r>
-              <a:rPr lang="en-US" dirty="0">
-                <a:latin typeface="Arial" pitchFamily="-110" charset="0"/>
-                <a:ea typeface="ＭＳ Ｐゴシック" pitchFamily="-110" charset="-128"/>
-                <a:cs typeface="ＭＳ Ｐゴシック" pitchFamily="-110" charset="-128"/>
-              </a:rPr>
-              <a:t>encrypted per message is small, there may be a steady stream of messages into</a:t>
-            </a:r>
-          </a:p>
-          <a:p>
-            <a:r>
-              <a:rPr lang="en-US" dirty="0">
-                <a:latin typeface="Arial" pitchFamily="-110" charset="0"/>
-                <a:ea typeface="ＭＳ Ｐゴシック" pitchFamily="-110" charset="-128"/>
-                <a:cs typeface="ＭＳ Ｐゴシック" pitchFamily="-110" charset="-128"/>
-              </a:rPr>
-              <a:t>and out of a system.</a:t>
-            </a:r>
-          </a:p>
-          <a:p>
-            <a:endParaRPr lang="en-US" dirty="0">
-              <a:latin typeface="Arial" pitchFamily="-110" charset="0"/>
-              <a:ea typeface="ＭＳ Ｐゴシック" pitchFamily="-110" charset="-128"/>
-              <a:cs typeface="ＭＳ Ｐゴシック" pitchFamily="-110" charset="-128"/>
-            </a:endParaRPr>
-          </a:p>
-          <a:p>
-            <a:r>
-              <a:rPr lang="en-US" dirty="0">
-                <a:latin typeface="Arial" pitchFamily="-110" charset="0"/>
-                <a:ea typeface="ＭＳ Ｐゴシック" pitchFamily="-110" charset="-128"/>
-                <a:cs typeface="ＭＳ Ｐゴシック" pitchFamily="-110" charset="-128"/>
-              </a:rPr>
-              <a:t>• Encryption hardware costs are non-negligible. Low-cost chip implementations</a:t>
-            </a:r>
-          </a:p>
-          <a:p>
-            <a:r>
-              <a:rPr lang="en-US" dirty="0">
-                <a:latin typeface="Arial" pitchFamily="-110" charset="0"/>
-                <a:ea typeface="ＭＳ Ｐゴシック" pitchFamily="-110" charset="-128"/>
-                <a:cs typeface="ＭＳ Ｐゴシック" pitchFamily="-110" charset="-128"/>
-              </a:rPr>
-              <a:t>of DES are available, but the cost adds up if all nodes in a network must have</a:t>
-            </a:r>
-          </a:p>
-          <a:p>
-            <a:r>
-              <a:rPr lang="en-US" dirty="0">
-                <a:latin typeface="Arial" pitchFamily="-110" charset="0"/>
-                <a:ea typeface="ＭＳ Ｐゴシック" pitchFamily="-110" charset="-128"/>
-                <a:cs typeface="ＭＳ Ｐゴシック" pitchFamily="-110" charset="-128"/>
-              </a:rPr>
-              <a:t>this capability.</a:t>
-            </a:r>
-          </a:p>
-          <a:p>
-            <a:endParaRPr lang="en-US" dirty="0">
-              <a:latin typeface="Arial" pitchFamily="-110" charset="0"/>
-              <a:ea typeface="ＭＳ Ｐゴシック" pitchFamily="-110" charset="-128"/>
-              <a:cs typeface="ＭＳ Ｐゴシック" pitchFamily="-110" charset="-128"/>
-            </a:endParaRPr>
-          </a:p>
-          <a:p>
-            <a:r>
-              <a:rPr lang="en-US" dirty="0">
-                <a:latin typeface="Arial" pitchFamily="-110" charset="0"/>
-                <a:ea typeface="ＭＳ Ｐゴシック" pitchFamily="-110" charset="-128"/>
-                <a:cs typeface="ＭＳ Ｐゴシック" pitchFamily="-110" charset="-128"/>
-              </a:rPr>
-              <a:t>• Encryption hardware is optimized toward large data sizes. For small blocks of</a:t>
-            </a:r>
-          </a:p>
-          <a:p>
-            <a:r>
-              <a:rPr lang="en-US" dirty="0">
-                <a:latin typeface="Arial" pitchFamily="-110" charset="0"/>
-                <a:ea typeface="ＭＳ Ｐゴシック" pitchFamily="-110" charset="-128"/>
-                <a:cs typeface="ＭＳ Ｐゴシック" pitchFamily="-110" charset="-128"/>
-              </a:rPr>
-              <a:t>data, a high proportion of the time is spent in initialization/invocation overhead.</a:t>
-            </a:r>
-          </a:p>
-          <a:p>
-            <a:endParaRPr lang="en-US" dirty="0">
-              <a:latin typeface="Arial" pitchFamily="-110" charset="0"/>
-              <a:ea typeface="ＭＳ Ｐゴシック" pitchFamily="-110" charset="-128"/>
-              <a:cs typeface="ＭＳ Ｐゴシック" pitchFamily="-110" charset="-128"/>
-            </a:endParaRPr>
-          </a:p>
-          <a:p>
-            <a:r>
-              <a:rPr lang="en-US" dirty="0">
-                <a:latin typeface="Arial" pitchFamily="-110" charset="0"/>
-                <a:ea typeface="ＭＳ Ｐゴシック" pitchFamily="-110" charset="-128"/>
-                <a:cs typeface="ＭＳ Ｐゴシック" pitchFamily="-110" charset="-128"/>
-              </a:rPr>
-              <a:t>• An encryption algorithm may be protected by a patent.</a:t>
-            </a:r>
-          </a:p>
-          <a:p>
-            <a:endParaRPr lang="en-US" dirty="0">
-              <a:latin typeface="Arial" pitchFamily="-110" charset="0"/>
-              <a:ea typeface="ＭＳ Ｐゴシック" pitchFamily="-110" charset="-128"/>
-              <a:cs typeface="ＭＳ Ｐゴシック" pitchFamily="-110" charset="-128"/>
-            </a:endParaRPr>
-          </a:p>
-          <a:p>
-            <a:r>
-              <a:rPr lang="en-US" dirty="0">
-                <a:latin typeface="Arial" pitchFamily="-110" charset="0"/>
-                <a:ea typeface="ＭＳ Ｐゴシック" pitchFamily="-110" charset="-128"/>
-                <a:cs typeface="ＭＳ Ｐゴシック" pitchFamily="-110" charset="-128"/>
-              </a:rPr>
-              <a:t>Figure 2.5c shows a technique that uses a hash function but no encryption</a:t>
-            </a:r>
-          </a:p>
-          <a:p>
-            <a:r>
-              <a:rPr lang="en-US" dirty="0">
-                <a:latin typeface="Arial" pitchFamily="-110" charset="0"/>
-                <a:ea typeface="ＭＳ Ｐゴシック" pitchFamily="-110" charset="-128"/>
-                <a:cs typeface="ＭＳ Ｐゴシック" pitchFamily="-110" charset="-128"/>
-              </a:rPr>
-              <a:t>for message authentication. This technique, known as a keyed hash MAC, assumes</a:t>
-            </a:r>
-          </a:p>
-          <a:p>
-            <a:r>
-              <a:rPr lang="en-US" dirty="0">
-                <a:latin typeface="Arial" pitchFamily="-110" charset="0"/>
-                <a:ea typeface="ＭＳ Ｐゴシック" pitchFamily="-110" charset="-128"/>
-                <a:cs typeface="ＭＳ Ｐゴシック" pitchFamily="-110" charset="-128"/>
-              </a:rPr>
-              <a:t>that two communicating parties, say A and B, share a common secret key </a:t>
-            </a:r>
-            <a:r>
-              <a:rPr lang="en-US" i="1" dirty="0">
-                <a:latin typeface="Arial" pitchFamily="-110" charset="0"/>
-                <a:ea typeface="ＭＳ Ｐゴシック" pitchFamily="-110" charset="-128"/>
-                <a:cs typeface="ＭＳ Ｐゴシック" pitchFamily="-110" charset="-128"/>
-              </a:rPr>
-              <a:t>K.</a:t>
-            </a:r>
-          </a:p>
-          <a:p>
-            <a:r>
-              <a:rPr lang="en-US" dirty="0">
-                <a:latin typeface="Arial" pitchFamily="-110" charset="0"/>
-                <a:ea typeface="ＭＳ Ｐゴシック" pitchFamily="-110" charset="-128"/>
-                <a:cs typeface="ＭＳ Ｐゴシック" pitchFamily="-110" charset="-128"/>
-              </a:rPr>
-              <a:t>This secret key is incorporated into the process of generating a hash code. In the</a:t>
-            </a:r>
-          </a:p>
-          <a:p>
-            <a:r>
-              <a:rPr lang="en-US" dirty="0">
-                <a:latin typeface="Arial" pitchFamily="-110" charset="0"/>
-                <a:ea typeface="ＭＳ Ｐゴシック" pitchFamily="-110" charset="-128"/>
-                <a:cs typeface="ＭＳ Ｐゴシック" pitchFamily="-110" charset="-128"/>
-              </a:rPr>
-              <a:t>approach illustrated in Figure 2.5c, when A has a message to send to B, it calculates</a:t>
-            </a:r>
-          </a:p>
-          <a:p>
-            <a:r>
-              <a:rPr lang="en-US" dirty="0">
-                <a:latin typeface="Arial" pitchFamily="-110" charset="0"/>
-                <a:ea typeface="ＭＳ Ｐゴシック" pitchFamily="-110" charset="-128"/>
-                <a:cs typeface="ＭＳ Ｐゴシック" pitchFamily="-110" charset="-128"/>
-              </a:rPr>
-              <a:t>the hash function over the concatenation of the secret key and the message:</a:t>
-            </a:r>
-          </a:p>
-          <a:p>
-            <a:r>
-              <a:rPr lang="en-US" i="1" dirty="0">
-                <a:latin typeface="Arial" pitchFamily="-110" charset="0"/>
-                <a:ea typeface="ＭＳ Ｐゴシック" pitchFamily="-110" charset="-128"/>
-                <a:cs typeface="ＭＳ Ｐゴシック" pitchFamily="-110" charset="-128"/>
-              </a:rPr>
-              <a:t>MD</a:t>
-            </a:r>
-            <a:r>
-              <a:rPr lang="en-US" i="1" baseline="-25000" dirty="0">
-                <a:latin typeface="Arial" pitchFamily="-110" charset="0"/>
-                <a:ea typeface="ＭＳ Ｐゴシック" pitchFamily="-110" charset="-128"/>
-                <a:cs typeface="ＭＳ Ｐゴシック" pitchFamily="-110" charset="-128"/>
-              </a:rPr>
-              <a:t>M</a:t>
-            </a:r>
-            <a:r>
-              <a:rPr lang="en-US" i="1" dirty="0">
-                <a:latin typeface="Arial" pitchFamily="-110" charset="0"/>
-                <a:ea typeface="ＭＳ Ｐゴシック" pitchFamily="-110" charset="-128"/>
-                <a:cs typeface="ＭＳ Ｐゴシック" pitchFamily="-110" charset="-128"/>
-              </a:rPr>
-              <a:t> = H(K </a:t>
-            </a:r>
-            <a:r>
-              <a:rPr lang="en-US" i="1" dirty="0" err="1">
-                <a:latin typeface="Arial" pitchFamily="-110" charset="0"/>
-                <a:ea typeface="ＭＳ Ｐゴシック" pitchFamily="-110" charset="-128"/>
-                <a:cs typeface="ＭＳ Ｐゴシック" pitchFamily="-110" charset="-128"/>
-              </a:rPr>
-              <a:t>ll</a:t>
-            </a:r>
-            <a:r>
-              <a:rPr lang="en-US" i="1" dirty="0">
-                <a:latin typeface="Arial" pitchFamily="-110" charset="0"/>
-                <a:ea typeface="ＭＳ Ｐゴシック" pitchFamily="-110" charset="-128"/>
-                <a:cs typeface="ＭＳ Ｐゴシック" pitchFamily="-110" charset="-128"/>
-              </a:rPr>
-              <a:t> M </a:t>
-            </a:r>
-            <a:r>
-              <a:rPr lang="en-US" i="1" dirty="0" err="1">
-                <a:latin typeface="Arial" pitchFamily="-110" charset="0"/>
-                <a:ea typeface="ＭＳ Ｐゴシック" pitchFamily="-110" charset="-128"/>
-                <a:cs typeface="ＭＳ Ｐゴシック" pitchFamily="-110" charset="-128"/>
-              </a:rPr>
-              <a:t>ll</a:t>
-            </a:r>
-            <a:r>
-              <a:rPr lang="en-US" i="1" dirty="0">
-                <a:latin typeface="Arial" pitchFamily="-110" charset="0"/>
-                <a:ea typeface="ＭＳ Ｐゴシック" pitchFamily="-110" charset="-128"/>
-                <a:cs typeface="ＭＳ Ｐゴシック" pitchFamily="-110" charset="-128"/>
-              </a:rPr>
-              <a:t> K). It then sends [ M ii MD</a:t>
-            </a:r>
-            <a:r>
-              <a:rPr lang="en-US" i="1" baseline="-25000" dirty="0">
-                <a:latin typeface="Arial" pitchFamily="-110" charset="0"/>
-                <a:ea typeface="ＭＳ Ｐゴシック" pitchFamily="-110" charset="-128"/>
-                <a:cs typeface="ＭＳ Ｐゴシック" pitchFamily="-110" charset="-128"/>
-              </a:rPr>
-              <a:t>M</a:t>
-            </a:r>
-            <a:r>
-              <a:rPr lang="en-US" i="1" dirty="0">
-                <a:latin typeface="Arial" pitchFamily="-110" charset="0"/>
-                <a:ea typeface="ＭＳ Ｐゴシック" pitchFamily="-110" charset="-128"/>
-                <a:cs typeface="ＭＳ Ｐゴシック" pitchFamily="-110" charset="-128"/>
-              </a:rPr>
-              <a:t>] to B. Because B possesses K, it can</a:t>
-            </a:r>
-          </a:p>
-          <a:p>
-            <a:r>
-              <a:rPr lang="en-US" dirty="0" err="1">
-                <a:latin typeface="Arial" pitchFamily="-110" charset="0"/>
-                <a:ea typeface="ＭＳ Ｐゴシック" pitchFamily="-110" charset="-128"/>
-                <a:cs typeface="ＭＳ Ｐゴシック" pitchFamily="-110" charset="-128"/>
-              </a:rPr>
-              <a:t>recompute</a:t>
-            </a:r>
-            <a:r>
-              <a:rPr lang="en-US" dirty="0">
-                <a:latin typeface="Arial" pitchFamily="-110" charset="0"/>
-                <a:ea typeface="ＭＳ Ｐゴシック" pitchFamily="-110" charset="-128"/>
-                <a:cs typeface="ＭＳ Ｐゴシック" pitchFamily="-110" charset="-128"/>
-              </a:rPr>
-              <a:t> H(</a:t>
-            </a:r>
-            <a:r>
-              <a:rPr lang="en-US" i="1" dirty="0">
-                <a:latin typeface="Arial" pitchFamily="-110" charset="0"/>
-                <a:ea typeface="ＭＳ Ｐゴシック" pitchFamily="-110" charset="-128"/>
-                <a:cs typeface="ＭＳ Ｐゴシック" pitchFamily="-110" charset="-128"/>
-              </a:rPr>
-              <a:t>K</a:t>
-            </a:r>
-            <a:r>
-              <a:rPr lang="en-US" i="1" baseline="0" dirty="0">
-                <a:latin typeface="Arial" pitchFamily="-110" charset="0"/>
-                <a:ea typeface="ＭＳ Ｐゴシック" pitchFamily="-110" charset="-128"/>
-                <a:cs typeface="ＭＳ Ｐゴシック" pitchFamily="-110" charset="-128"/>
-              </a:rPr>
-              <a:t> </a:t>
-            </a:r>
-            <a:r>
-              <a:rPr lang="en-US" i="1" baseline="0" dirty="0" err="1">
-                <a:latin typeface="Arial" pitchFamily="-110" charset="0"/>
-                <a:ea typeface="ＭＳ Ｐゴシック" pitchFamily="-110" charset="-128"/>
-                <a:cs typeface="ＭＳ Ｐゴシック" pitchFamily="-110" charset="-128"/>
-              </a:rPr>
-              <a:t>ll</a:t>
-            </a:r>
-            <a:r>
-              <a:rPr lang="en-US" i="1" baseline="0" dirty="0">
-                <a:latin typeface="Arial" pitchFamily="-110" charset="0"/>
-                <a:ea typeface="ＭＳ Ｐゴシック" pitchFamily="-110" charset="-128"/>
-                <a:cs typeface="ＭＳ Ｐゴシック" pitchFamily="-110" charset="-128"/>
-              </a:rPr>
-              <a:t> </a:t>
-            </a:r>
-            <a:r>
-              <a:rPr lang="en-US" i="1" dirty="0">
-                <a:latin typeface="Arial" pitchFamily="-110" charset="0"/>
-                <a:ea typeface="ＭＳ Ｐゴシック" pitchFamily="-110" charset="-128"/>
-                <a:cs typeface="ＭＳ Ｐゴシック" pitchFamily="-110" charset="-128"/>
-              </a:rPr>
-              <a:t>M</a:t>
-            </a:r>
-            <a:r>
-              <a:rPr lang="en-US" i="1" baseline="0" dirty="0">
-                <a:latin typeface="Arial" pitchFamily="-110" charset="0"/>
-                <a:ea typeface="ＭＳ Ｐゴシック" pitchFamily="-110" charset="-128"/>
-                <a:cs typeface="ＭＳ Ｐゴシック" pitchFamily="-110" charset="-128"/>
-              </a:rPr>
-              <a:t> </a:t>
-            </a:r>
-            <a:r>
-              <a:rPr lang="en-US" i="1" baseline="0" dirty="0" err="1">
-                <a:latin typeface="Arial" pitchFamily="-110" charset="0"/>
-                <a:ea typeface="ＭＳ Ｐゴシック" pitchFamily="-110" charset="-128"/>
-                <a:cs typeface="ＭＳ Ｐゴシック" pitchFamily="-110" charset="-128"/>
-              </a:rPr>
-              <a:t>ll</a:t>
-            </a:r>
-            <a:r>
-              <a:rPr lang="en-US" i="1" baseline="0" dirty="0">
-                <a:latin typeface="Arial" pitchFamily="-110" charset="0"/>
-                <a:ea typeface="ＭＳ Ｐゴシック" pitchFamily="-110" charset="-128"/>
-                <a:cs typeface="ＭＳ Ｐゴシック" pitchFamily="-110" charset="-128"/>
-              </a:rPr>
-              <a:t> </a:t>
-            </a:r>
-            <a:r>
-              <a:rPr lang="en-US" i="1" dirty="0">
-                <a:latin typeface="Arial" pitchFamily="-110" charset="0"/>
-                <a:ea typeface="ＭＳ Ｐゴシック" pitchFamily="-110" charset="-128"/>
-                <a:cs typeface="ＭＳ Ｐゴシック" pitchFamily="-110" charset="-128"/>
-              </a:rPr>
-              <a:t>K) and verify MD</a:t>
-            </a:r>
-            <a:r>
-              <a:rPr lang="en-US" i="1" baseline="-25000" dirty="0">
-                <a:latin typeface="Arial" pitchFamily="-110" charset="0"/>
-                <a:ea typeface="ＭＳ Ｐゴシック" pitchFamily="-110" charset="-128"/>
-                <a:cs typeface="ＭＳ Ｐゴシック" pitchFamily="-110" charset="-128"/>
-              </a:rPr>
-              <a:t>M</a:t>
-            </a:r>
-            <a:r>
-              <a:rPr lang="en-US" i="1" dirty="0">
-                <a:latin typeface="Arial" pitchFamily="-110" charset="0"/>
-                <a:ea typeface="ＭＳ Ｐゴシック" pitchFamily="-110" charset="-128"/>
-                <a:cs typeface="ＭＳ Ｐゴシック" pitchFamily="-110" charset="-128"/>
-              </a:rPr>
-              <a:t>. Because the secret key itself is not sent, it</a:t>
-            </a:r>
-          </a:p>
-          <a:p>
-            <a:r>
-              <a:rPr lang="en-US" dirty="0">
-                <a:latin typeface="Arial" pitchFamily="-110" charset="0"/>
-                <a:ea typeface="ＭＳ Ｐゴシック" pitchFamily="-110" charset="-128"/>
-                <a:cs typeface="ＭＳ Ｐゴシック" pitchFamily="-110" charset="-128"/>
-              </a:rPr>
-              <a:t>should not be possible for an attacker to modify an intercepted message. As long as</a:t>
-            </a:r>
-          </a:p>
-          <a:p>
-            <a:r>
-              <a:rPr lang="en-US" dirty="0">
-                <a:latin typeface="Arial" pitchFamily="-110" charset="0"/>
-                <a:ea typeface="ＭＳ Ｐゴシック" pitchFamily="-110" charset="-128"/>
-                <a:cs typeface="ＭＳ Ｐゴシック" pitchFamily="-110" charset="-128"/>
-              </a:rPr>
-              <a:t>the secret key remains secret, it should not be possible for an attacker to generate a</a:t>
-            </a:r>
-          </a:p>
-          <a:p>
-            <a:r>
-              <a:rPr lang="en-US" dirty="0">
-                <a:latin typeface="Arial" pitchFamily="-110" charset="0"/>
-                <a:ea typeface="ＭＳ Ｐゴシック" pitchFamily="-110" charset="-128"/>
-                <a:cs typeface="ＭＳ Ｐゴシック" pitchFamily="-110" charset="-128"/>
-              </a:rPr>
-              <a:t>false message.</a:t>
-            </a:r>
-          </a:p>
-          <a:p>
-            <a:endParaRPr lang="en-US" dirty="0">
-              <a:latin typeface="Arial" pitchFamily="-110" charset="0"/>
-              <a:ea typeface="ＭＳ Ｐゴシック" pitchFamily="-110" charset="-128"/>
-              <a:cs typeface="ＭＳ Ｐゴシック" pitchFamily="-110" charset="-128"/>
-            </a:endParaRPr>
-          </a:p>
-          <a:p>
-            <a:r>
-              <a:rPr lang="en-US" dirty="0">
-                <a:latin typeface="Arial" pitchFamily="-110" charset="0"/>
-                <a:ea typeface="ＭＳ Ｐゴシック" pitchFamily="-110" charset="-128"/>
-                <a:cs typeface="ＭＳ Ｐゴシック" pitchFamily="-110" charset="-128"/>
-              </a:rPr>
-              <a:t>Note that the secret key is used as both a prefix and a suffix to the message. If</a:t>
-            </a:r>
-          </a:p>
-          <a:p>
-            <a:r>
-              <a:rPr lang="en-US" dirty="0">
-                <a:latin typeface="Arial" pitchFamily="-110" charset="0"/>
-                <a:ea typeface="ＭＳ Ｐゴシック" pitchFamily="-110" charset="-128"/>
-                <a:cs typeface="ＭＳ Ｐゴシック" pitchFamily="-110" charset="-128"/>
-              </a:rPr>
-              <a:t>the secret key is used as either only a prefix or only a suffix, the scheme is less secure.</a:t>
-            </a:r>
-          </a:p>
-          <a:p>
-            <a:r>
-              <a:rPr lang="en-US" dirty="0">
-                <a:latin typeface="Arial" pitchFamily="-110" charset="0"/>
-                <a:ea typeface="ＭＳ Ｐゴシック" pitchFamily="-110" charset="-128"/>
-                <a:cs typeface="ＭＳ Ｐゴシック" pitchFamily="-110" charset="-128"/>
-              </a:rPr>
-              <a:t>This topic is discussed in Chapter 21. Chapter 21 also describes a scheme known</a:t>
-            </a:r>
-          </a:p>
-          <a:p>
-            <a:r>
-              <a:rPr lang="en-US" dirty="0">
-                <a:latin typeface="Arial" pitchFamily="-110" charset="0"/>
-                <a:ea typeface="ＭＳ Ｐゴシック" pitchFamily="-110" charset="-128"/>
-                <a:cs typeface="ＭＳ Ｐゴシック" pitchFamily="-110" charset="-128"/>
-              </a:rPr>
-              <a:t>as HMAC, which is somewhat more complex than the approach of Figure 2.5c and</a:t>
-            </a:r>
-          </a:p>
-          <a:p>
-            <a:r>
-              <a:rPr lang="en-US" dirty="0">
-                <a:latin typeface="Arial" pitchFamily="-110" charset="0"/>
-                <a:ea typeface="ＭＳ Ｐゴシック" pitchFamily="-110" charset="-128"/>
-                <a:cs typeface="ＭＳ Ｐゴシック" pitchFamily="-110" charset="-128"/>
-              </a:rPr>
-              <a:t>which has become the standard approach for a keyed hash MAC.</a:t>
-            </a:r>
-            <a:endParaRPr lang="en-US" dirty="0">
-              <a:latin typeface="Times New Roman" pitchFamily="-110" charset="0"/>
-              <a:ea typeface="ＭＳ Ｐゴシック" pitchFamily="-110" charset="-128"/>
-              <a:cs typeface="ＭＳ Ｐゴシック" pitchFamily="-110" charset="-128"/>
-            </a:endParaRPr>
-          </a:p>
-        </p:txBody>
-      </p:sp>
-    </p:spTree>
-    <p:extLst>
-      <p:ext uri="{BB962C8B-B14F-4D97-AF65-F5344CB8AC3E}">
-        <p14:creationId xmlns:p14="http://schemas.microsoft.com/office/powerpoint/2010/main" val="3075164779"/>
       </p:ext>
     </p:extLst>
   </p:cSld>
@@ -6478,191 +6020,31 @@
           <a:bodyPr/>
           <a:lstStyle/>
           <a:p>
-            <a:r>
-              <a:rPr lang="en-US" dirty="0">
-                <a:latin typeface="Arial" pitchFamily="-110" charset="0"/>
-                <a:ea typeface="ＭＳ Ｐゴシック" pitchFamily="-110" charset="-128"/>
-                <a:cs typeface="ＭＳ Ｐゴシック" pitchFamily="-110" charset="-128"/>
-              </a:rPr>
-              <a:t>A number of network security algorithms based on cryptography make use of</a:t>
-            </a:r>
-          </a:p>
-          <a:p>
-            <a:r>
-              <a:rPr lang="en-US" dirty="0">
-                <a:latin typeface="Arial" pitchFamily="-110" charset="0"/>
-                <a:ea typeface="ＭＳ Ｐゴシック" pitchFamily="-110" charset="-128"/>
-                <a:cs typeface="ＭＳ Ｐゴシック" pitchFamily="-110" charset="-128"/>
-              </a:rPr>
-              <a:t>random numbers. For example,</a:t>
-            </a:r>
-          </a:p>
-          <a:p>
-            <a:endParaRPr lang="en-US" dirty="0">
-              <a:latin typeface="Arial" pitchFamily="-110" charset="0"/>
-              <a:ea typeface="ＭＳ Ｐゴシック" pitchFamily="-110" charset="-128"/>
-              <a:cs typeface="ＭＳ Ｐゴシック" pitchFamily="-110" charset="-128"/>
-            </a:endParaRPr>
-          </a:p>
-          <a:p>
-            <a:r>
-              <a:rPr lang="en-US" dirty="0">
-                <a:latin typeface="Arial" pitchFamily="-110" charset="0"/>
-                <a:ea typeface="ＭＳ Ｐゴシック" pitchFamily="-110" charset="-128"/>
-                <a:cs typeface="ＭＳ Ｐゴシック" pitchFamily="-110" charset="-128"/>
-              </a:rPr>
-              <a:t>• Generation of keys for the RSA public-key encryption algorithm (described</a:t>
-            </a:r>
-          </a:p>
-          <a:p>
-            <a:r>
-              <a:rPr lang="en-US" dirty="0">
-                <a:latin typeface="Arial" pitchFamily="-110" charset="0"/>
-                <a:ea typeface="ＭＳ Ｐゴシック" pitchFamily="-110" charset="-128"/>
-                <a:cs typeface="ＭＳ Ｐゴシック" pitchFamily="-110" charset="-128"/>
-              </a:rPr>
-              <a:t>in Chapter 21) and other public-key algorithms.</a:t>
-            </a:r>
-          </a:p>
-          <a:p>
-            <a:endParaRPr lang="en-US" dirty="0">
-              <a:latin typeface="Arial" pitchFamily="-110" charset="0"/>
-              <a:ea typeface="ＭＳ Ｐゴシック" pitchFamily="-110" charset="-128"/>
-              <a:cs typeface="ＭＳ Ｐゴシック" pitchFamily="-110" charset="-128"/>
-            </a:endParaRPr>
-          </a:p>
-          <a:p>
-            <a:r>
-              <a:rPr lang="en-US" dirty="0">
-                <a:latin typeface="Arial" pitchFamily="-110" charset="0"/>
-                <a:ea typeface="ＭＳ Ｐゴシック" pitchFamily="-110" charset="-128"/>
-                <a:cs typeface="ＭＳ Ｐゴシック" pitchFamily="-110" charset="-128"/>
-              </a:rPr>
-              <a:t>• Generation of a stream key for symmetric stream cipher.</a:t>
-            </a:r>
-          </a:p>
-          <a:p>
-            <a:endParaRPr lang="en-US" dirty="0">
-              <a:latin typeface="Arial" pitchFamily="-110" charset="0"/>
-              <a:ea typeface="ＭＳ Ｐゴシック" pitchFamily="-110" charset="-128"/>
-              <a:cs typeface="ＭＳ Ｐゴシック" pitchFamily="-110" charset="-128"/>
-            </a:endParaRPr>
-          </a:p>
-          <a:p>
-            <a:r>
-              <a:rPr lang="en-US" dirty="0">
-                <a:latin typeface="Arial" pitchFamily="-110" charset="0"/>
-                <a:ea typeface="ＭＳ Ｐゴシック" pitchFamily="-110" charset="-128"/>
-                <a:cs typeface="ＭＳ Ｐゴシック" pitchFamily="-110" charset="-128"/>
-              </a:rPr>
-              <a:t>• Generation of a symmetric key for use as a temporary session key or in creating</a:t>
-            </a:r>
-          </a:p>
-          <a:p>
-            <a:r>
-              <a:rPr lang="en-US" dirty="0">
-                <a:latin typeface="Arial" pitchFamily="-110" charset="0"/>
-                <a:ea typeface="ＭＳ Ｐゴシック" pitchFamily="-110" charset="-128"/>
-                <a:cs typeface="ＭＳ Ｐゴシック" pitchFamily="-110" charset="-128"/>
-              </a:rPr>
-              <a:t>a digital envelope.</a:t>
-            </a:r>
-          </a:p>
-          <a:p>
-            <a:endParaRPr lang="en-US" dirty="0">
-              <a:latin typeface="Arial" pitchFamily="-110" charset="0"/>
-              <a:ea typeface="ＭＳ Ｐゴシック" pitchFamily="-110" charset="-128"/>
-              <a:cs typeface="ＭＳ Ｐゴシック" pitchFamily="-110" charset="-128"/>
-            </a:endParaRPr>
-          </a:p>
-          <a:p>
-            <a:r>
-              <a:rPr lang="en-US" dirty="0">
-                <a:latin typeface="Arial" pitchFamily="-110" charset="0"/>
-                <a:ea typeface="ＭＳ Ｐゴシック" pitchFamily="-110" charset="-128"/>
-                <a:cs typeface="ＭＳ Ｐゴシック" pitchFamily="-110" charset="-128"/>
-              </a:rPr>
-              <a:t>• In a number of key distribution scenarios, such as Kerberos (described in</a:t>
-            </a:r>
-          </a:p>
-          <a:p>
-            <a:r>
-              <a:rPr lang="en-US" dirty="0">
-                <a:latin typeface="Arial" pitchFamily="-110" charset="0"/>
-                <a:ea typeface="ＭＳ Ｐゴシック" pitchFamily="-110" charset="-128"/>
-                <a:cs typeface="ＭＳ Ｐゴシック" pitchFamily="-110" charset="-128"/>
-              </a:rPr>
-              <a:t>Chapter 23), random numbers are used for handshaking to prevent replay</a:t>
-            </a:r>
-          </a:p>
-          <a:p>
-            <a:r>
-              <a:rPr lang="en-US" dirty="0">
-                <a:latin typeface="Arial" pitchFamily="-110" charset="0"/>
-                <a:ea typeface="ＭＳ Ｐゴシック" pitchFamily="-110" charset="-128"/>
-                <a:cs typeface="ＭＳ Ｐゴシック" pitchFamily="-110" charset="-128"/>
-              </a:rPr>
-              <a:t>attacks.</a:t>
-            </a:r>
-          </a:p>
-          <a:p>
-            <a:endParaRPr lang="en-US" dirty="0">
-              <a:latin typeface="Arial" pitchFamily="-110" charset="0"/>
-              <a:ea typeface="ＭＳ Ｐゴシック" pitchFamily="-110" charset="-128"/>
-              <a:cs typeface="ＭＳ Ｐゴシック" pitchFamily="-110" charset="-128"/>
-            </a:endParaRPr>
-          </a:p>
-          <a:p>
-            <a:r>
-              <a:rPr lang="en-US" dirty="0">
-                <a:latin typeface="Arial" pitchFamily="-110" charset="0"/>
-                <a:ea typeface="ＭＳ Ｐゴシック" pitchFamily="-110" charset="-128"/>
-                <a:cs typeface="ＭＳ Ｐゴシック" pitchFamily="-110" charset="-128"/>
-              </a:rPr>
-              <a:t>• Session key generation, whether done by a key distribution center or by one of</a:t>
-            </a:r>
-          </a:p>
-          <a:p>
-            <a:r>
-              <a:rPr lang="en-US" dirty="0">
-                <a:latin typeface="Arial" pitchFamily="-110" charset="0"/>
-                <a:ea typeface="ＭＳ Ｐゴシック" pitchFamily="-110" charset="-128"/>
-                <a:cs typeface="ＭＳ Ｐゴシック" pitchFamily="-110" charset="-128"/>
-              </a:rPr>
-              <a:t>the principals.</a:t>
-            </a:r>
-          </a:p>
-          <a:p>
-            <a:endParaRPr lang="en-US" dirty="0">
-              <a:latin typeface="Arial" pitchFamily="-110" charset="0"/>
-              <a:ea typeface="ＭＳ Ｐゴシック" pitchFamily="-110" charset="-128"/>
-              <a:cs typeface="ＭＳ Ｐゴシック" pitchFamily="-110" charset="-128"/>
-            </a:endParaRPr>
-          </a:p>
-          <a:p>
-            <a:r>
-              <a:rPr lang="en-US" dirty="0">
-                <a:latin typeface="Arial" pitchFamily="-110" charset="0"/>
-                <a:ea typeface="ＭＳ Ｐゴシック" pitchFamily="-110" charset="-128"/>
-                <a:cs typeface="ＭＳ Ｐゴシック" pitchFamily="-110" charset="-128"/>
-              </a:rPr>
-              <a:t>These applications give rise to two distinct and not necessarily compatible</a:t>
-            </a:r>
-          </a:p>
-          <a:p>
-            <a:r>
-              <a:rPr lang="en-US" dirty="0">
-                <a:latin typeface="Arial" pitchFamily="-110" charset="0"/>
-                <a:ea typeface="ＭＳ Ｐゴシック" pitchFamily="-110" charset="-128"/>
-                <a:cs typeface="ＭＳ Ｐゴシック" pitchFamily="-110" charset="-128"/>
-              </a:rPr>
-              <a:t>requirements for a sequence of random numbers: randomness and unpredictability.</a:t>
-            </a:r>
-            <a:endParaRPr lang="en-US" dirty="0">
-              <a:latin typeface="Times New Roman" pitchFamily="-110" charset="0"/>
-              <a:ea typeface="ＭＳ Ｐゴシック" pitchFamily="-110" charset="-128"/>
-              <a:cs typeface="ＭＳ Ｐゴシック" pitchFamily="-110" charset="-128"/>
-            </a:endParaRPr>
+            <a:pPr marL="0" marR="0" lvl="0" indent="0" algn="l" defTabSz="914400" rtl="0" eaLnBrk="1" fontAlgn="base" latinLnBrk="0" hangingPunct="1">
+              <a:lnSpc>
+                <a:spcPct val="100000"/>
+              </a:lnSpc>
+              <a:spcBef>
+                <a:spcPct val="30000"/>
+              </a:spcBef>
+              <a:spcAft>
+                <a:spcPct val="0"/>
+              </a:spcAft>
+              <a:buClrTx/>
+              <a:buSzTx/>
+              <a:buFontTx/>
+              <a:buNone/>
+              <a:tabLst/>
+              <a:defRPr/>
+            </a:pPr>
+            <a:r>
+              <a:rPr lang="en-US" altLang="zh-CN" sz="1200" dirty="0">
+                <a:solidFill>
+                  <a:schemeClr val="tx1"/>
+                </a:solidFill>
+              </a:rPr>
+              <a:t>It is efficient since no encryption/decryption is used.</a:t>
+            </a:r>
           </a:p>
           <a:p>
             <a:endParaRPr lang="en-SE" dirty="0"/>
@@ -6687,7 +6069,7 @@
             <a:fld id="{F8560DBF-F109-8946-ADF0-EE66B221E988}" type="slidenum">
               <a:rPr lang="en-AU" smtClean="0"/>
               <a:pPr/>
-              <a:t>26</a:t>
+              <a:t>25</a:t>
             </a:fld>
             <a:endParaRPr lang="en-AU" dirty="0"/>
           </a:p>
@@ -6696,7 +6078,7 @@
     </p:spTree>
     <p:extLst>
       <p:ext uri="{BB962C8B-B14F-4D97-AF65-F5344CB8AC3E}">
-        <p14:creationId xmlns:p14="http://schemas.microsoft.com/office/powerpoint/2010/main" val="2470898976"/>
+        <p14:creationId xmlns:p14="http://schemas.microsoft.com/office/powerpoint/2010/main" val="2344403938"/>
       </p:ext>
     </p:extLst>
   </p:cSld>
@@ -6707,6 +6089,816 @@
 </file>
 
 <file path=ppt/notesSlides/notesSlide24.xml><?xml version="1.0" encoding="utf-8"?>
+<p:notes xmlns:a="http://schemas.openxmlformats.org/drawingml/2006/main" xmlns:r="http://schemas.openxmlformats.org/officeDocument/2006/relationships" xmlns:p="http://schemas.openxmlformats.org/presentationml/2006/main">
+  <p:cSld>
+    <p:spTree>
+      <p:nvGrpSpPr>
+        <p:cNvPr id="1" name=""/>
+        <p:cNvGrpSpPr/>
+        <p:nvPr/>
+      </p:nvGrpSpPr>
+      <p:grpSpPr>
+        <a:xfrm>
+          <a:off x="0" y="0"/>
+          <a:ext cx="0" cy="0"/>
+          <a:chOff x="0" y="0"/>
+          <a:chExt cx="0" cy="0"/>
+        </a:xfrm>
+      </p:grpSpPr>
+      <p:sp>
+        <p:nvSpPr>
+          <p:cNvPr id="51202" name="Rectangle 7"/>
+          <p:cNvSpPr>
+            <a:spLocks noGrp="1" noChangeArrowheads="1"/>
+          </p:cNvSpPr>
+          <p:nvPr>
+            <p:ph type="sldNum" sz="quarter" idx="5"/>
+          </p:nvPr>
+        </p:nvSpPr>
+        <p:spPr>
+          <a:noFill/>
+        </p:spPr>
+        <p:txBody>
+          <a:bodyPr/>
+          <a:lstStyle/>
+          <a:p>
+            <a:fld id="{03363312-9C5D-9E41-9C15-EAEE56EE6E89}" type="slidenum">
+              <a:rPr lang="en-AU">
+                <a:latin typeface="Arial" pitchFamily="-110" charset="0"/>
+              </a:rPr>
+              <a:pPr/>
+              <a:t>26</a:t>
+            </a:fld>
+            <a:endParaRPr lang="en-AU">
+              <a:latin typeface="Arial" pitchFamily="-110" charset="0"/>
+            </a:endParaRPr>
+          </a:p>
+        </p:txBody>
+      </p:sp>
+      <p:sp>
+        <p:nvSpPr>
+          <p:cNvPr id="51203" name="Rectangle 2"/>
+          <p:cNvSpPr>
+            <a:spLocks noGrp="1" noRot="1" noChangeAspect="1" noChangeArrowheads="1" noTextEdit="1"/>
+          </p:cNvSpPr>
+          <p:nvPr>
+            <p:ph type="sldImg"/>
+          </p:nvPr>
+        </p:nvSpPr>
+        <p:spPr>
+          <a:ln/>
+        </p:spPr>
+      </p:sp>
+      <p:sp>
+        <p:nvSpPr>
+          <p:cNvPr id="51204" name="Rectangle 3"/>
+          <p:cNvSpPr>
+            <a:spLocks noGrp="1" noChangeArrowheads="1"/>
+          </p:cNvSpPr>
+          <p:nvPr>
+            <p:ph type="body" idx="1"/>
+          </p:nvPr>
+        </p:nvSpPr>
+        <p:spPr>
+          <a:noFill/>
+          <a:ln/>
+        </p:spPr>
+        <p:txBody>
+          <a:bodyPr/>
+          <a:lstStyle/>
+          <a:p>
+            <a:r>
+              <a:rPr lang="en-US" altLang="zh-CN" dirty="0">
+                <a:latin typeface="Arial" pitchFamily="-110" charset="0"/>
+                <a:ea typeface="ＭＳ Ｐゴシック" pitchFamily="-110" charset="-128"/>
+                <a:cs typeface="ＭＳ Ｐゴシック" pitchFamily="-110" charset="-128"/>
+              </a:rPr>
+              <a:t>An alternative to the message authentication code is the</a:t>
+            </a:r>
+          </a:p>
+          <a:p>
+            <a:r>
+              <a:rPr lang="en-US" altLang="zh-CN" dirty="0">
+                <a:latin typeface="Arial" pitchFamily="-110" charset="0"/>
+                <a:ea typeface="ＭＳ Ｐゴシック" pitchFamily="-110" charset="-128"/>
+                <a:cs typeface="ＭＳ Ｐゴシック" pitchFamily="-110" charset="-128"/>
+              </a:rPr>
+              <a:t>one-way hash function. As with the message authentication code, a hash function</a:t>
+            </a:r>
+          </a:p>
+          <a:p>
+            <a:r>
+              <a:rPr lang="en-US" altLang="zh-CN" dirty="0">
+                <a:latin typeface="Arial" pitchFamily="-110" charset="0"/>
+                <a:ea typeface="ＭＳ Ｐゴシック" pitchFamily="-110" charset="-128"/>
+                <a:cs typeface="ＭＳ Ｐゴシック" pitchFamily="-110" charset="-128"/>
+              </a:rPr>
+              <a:t>accepts a variable-size message </a:t>
+            </a:r>
+            <a:r>
+              <a:rPr lang="en-US" altLang="zh-CN" i="1" dirty="0">
+                <a:latin typeface="Arial" pitchFamily="-110" charset="0"/>
+                <a:ea typeface="ＭＳ Ｐゴシック" pitchFamily="-110" charset="-128"/>
+                <a:cs typeface="ＭＳ Ｐゴシック" pitchFamily="-110" charset="-128"/>
+              </a:rPr>
+              <a:t>M as input and produces a fixed-size message digest</a:t>
+            </a:r>
+          </a:p>
+          <a:p>
+            <a:r>
+              <a:rPr lang="en-US" altLang="zh-CN" dirty="0">
+                <a:latin typeface="Arial" pitchFamily="-110" charset="0"/>
+                <a:ea typeface="ＭＳ Ｐゴシック" pitchFamily="-110" charset="-128"/>
+                <a:cs typeface="ＭＳ Ｐゴシック" pitchFamily="-110" charset="-128"/>
+              </a:rPr>
+              <a:t>H(</a:t>
+            </a:r>
+            <a:r>
+              <a:rPr lang="en-US" altLang="zh-CN" i="1" dirty="0">
+                <a:latin typeface="Arial" pitchFamily="-110" charset="0"/>
+                <a:ea typeface="ＭＳ Ｐゴシック" pitchFamily="-110" charset="-128"/>
+                <a:cs typeface="ＭＳ Ｐゴシック" pitchFamily="-110" charset="-128"/>
+              </a:rPr>
+              <a:t>M) as output (Figure 2.4). Typically, the message is padded out to an integer multiple</a:t>
+            </a:r>
+          </a:p>
+          <a:p>
+            <a:r>
+              <a:rPr lang="en-US" altLang="zh-CN" dirty="0">
+                <a:latin typeface="Arial" pitchFamily="-110" charset="0"/>
+                <a:ea typeface="ＭＳ Ｐゴシック" pitchFamily="-110" charset="-128"/>
+                <a:cs typeface="ＭＳ Ｐゴシック" pitchFamily="-110" charset="-128"/>
+              </a:rPr>
+              <a:t>of some fixed length (e.g., 1024 bits) and the padding includes the value of the length</a:t>
+            </a:r>
+          </a:p>
+          <a:p>
+            <a:r>
+              <a:rPr lang="en-US" altLang="zh-CN" dirty="0">
+                <a:latin typeface="Arial" pitchFamily="-110" charset="0"/>
+                <a:ea typeface="ＭＳ Ｐゴシック" pitchFamily="-110" charset="-128"/>
+                <a:cs typeface="ＭＳ Ｐゴシック" pitchFamily="-110" charset="-128"/>
+              </a:rPr>
+              <a:t>of the original message in bits. The length field is a security measure to increase the</a:t>
+            </a:r>
+          </a:p>
+          <a:p>
+            <a:r>
+              <a:rPr lang="en-US" altLang="zh-CN" dirty="0">
+                <a:latin typeface="Arial" pitchFamily="-110" charset="0"/>
+                <a:ea typeface="ＭＳ Ｐゴシック" pitchFamily="-110" charset="-128"/>
+                <a:cs typeface="ＭＳ Ｐゴシック" pitchFamily="-110" charset="-128"/>
+              </a:rPr>
+              <a:t>difficulty for an attacker to produce an alternative message with the same hash value.</a:t>
+            </a:r>
+            <a:endParaRPr lang="en-US" altLang="zh-CN" dirty="0">
+              <a:latin typeface="Times New Roman" pitchFamily="-110" charset="0"/>
+              <a:ea typeface="ＭＳ Ｐゴシック" pitchFamily="-110" charset="-128"/>
+              <a:cs typeface="ＭＳ Ｐゴシック" pitchFamily="-110" charset="-128"/>
+            </a:endParaRPr>
+          </a:p>
+          <a:p>
+            <a:endParaRPr lang="en-US" dirty="0">
+              <a:latin typeface="Arial" pitchFamily="-110" charset="0"/>
+              <a:ea typeface="ＭＳ Ｐゴシック" pitchFamily="-110" charset="-128"/>
+              <a:cs typeface="ＭＳ Ｐゴシック" pitchFamily="-110" charset="-128"/>
+            </a:endParaRPr>
+          </a:p>
+          <a:p>
+            <a:endParaRPr lang="en-US" dirty="0">
+              <a:latin typeface="Arial" pitchFamily="-110" charset="0"/>
+              <a:ea typeface="ＭＳ Ｐゴシック" pitchFamily="-110" charset="-128"/>
+              <a:cs typeface="ＭＳ Ｐゴシック" pitchFamily="-110" charset="-128"/>
+            </a:endParaRPr>
+          </a:p>
+          <a:p>
+            <a:r>
+              <a:rPr lang="en-US" dirty="0">
+                <a:latin typeface="Arial" pitchFamily="-110" charset="0"/>
+                <a:ea typeface="ＭＳ Ｐゴシック" pitchFamily="-110" charset="-128"/>
+                <a:cs typeface="ＭＳ Ｐゴシック" pitchFamily="-110" charset="-128"/>
+              </a:rPr>
+              <a:t>Unlike the MAC, a hash function does not also take a secret key as input.</a:t>
+            </a:r>
+          </a:p>
+          <a:p>
+            <a:r>
+              <a:rPr lang="en-US" dirty="0">
+                <a:latin typeface="Arial" pitchFamily="-110" charset="0"/>
+                <a:ea typeface="ＭＳ Ｐゴシック" pitchFamily="-110" charset="-128"/>
+                <a:cs typeface="ＭＳ Ｐゴシック" pitchFamily="-110" charset="-128"/>
+              </a:rPr>
+              <a:t>To authenticate a message, the message digest is sent with the message in such</a:t>
+            </a:r>
+          </a:p>
+          <a:p>
+            <a:r>
+              <a:rPr lang="en-US" dirty="0">
+                <a:latin typeface="Arial" pitchFamily="-110" charset="0"/>
+                <a:ea typeface="ＭＳ Ｐゴシック" pitchFamily="-110" charset="-128"/>
+                <a:cs typeface="ＭＳ Ｐゴシック" pitchFamily="-110" charset="-128"/>
+              </a:rPr>
+              <a:t>a way that the message digest is authentic. Figure 2.5 illustrates three ways in</a:t>
+            </a:r>
+          </a:p>
+          <a:p>
+            <a:r>
+              <a:rPr lang="en-US" dirty="0">
+                <a:latin typeface="Arial" pitchFamily="-110" charset="0"/>
+                <a:ea typeface="ＭＳ Ｐゴシック" pitchFamily="-110" charset="-128"/>
+                <a:cs typeface="ＭＳ Ｐゴシック" pitchFamily="-110" charset="-128"/>
+              </a:rPr>
+              <a:t>which the message can be authenticated using a hash code. The message digest</a:t>
+            </a:r>
+          </a:p>
+          <a:p>
+            <a:r>
+              <a:rPr lang="en-US" dirty="0">
+                <a:latin typeface="Arial" pitchFamily="-110" charset="0"/>
+                <a:ea typeface="ＭＳ Ｐゴシック" pitchFamily="-110" charset="-128"/>
+                <a:cs typeface="ＭＳ Ｐゴシック" pitchFamily="-110" charset="-128"/>
+              </a:rPr>
+              <a:t>can be encrypted using symmetric encryption (part a); if it is assumed that only</a:t>
+            </a:r>
+          </a:p>
+          <a:p>
+            <a:r>
+              <a:rPr lang="en-US" dirty="0">
+                <a:latin typeface="Arial" pitchFamily="-110" charset="0"/>
+                <a:ea typeface="ＭＳ Ｐゴシック" pitchFamily="-110" charset="-128"/>
+                <a:cs typeface="ＭＳ Ｐゴシック" pitchFamily="-110" charset="-128"/>
+              </a:rPr>
+              <a:t>the sender and receiver share the encryption key, then authenticity is assured. The</a:t>
+            </a:r>
+          </a:p>
+          <a:p>
+            <a:r>
+              <a:rPr lang="en-US" dirty="0">
+                <a:latin typeface="Arial" pitchFamily="-110" charset="0"/>
+                <a:ea typeface="ＭＳ Ｐゴシック" pitchFamily="-110" charset="-128"/>
+                <a:cs typeface="ＭＳ Ｐゴシック" pitchFamily="-110" charset="-128"/>
+              </a:rPr>
+              <a:t>message digest can also be encrypted using public-key encryption (part b); this is</a:t>
+            </a:r>
+          </a:p>
+          <a:p>
+            <a:r>
+              <a:rPr lang="en-US" dirty="0">
+                <a:latin typeface="Arial" pitchFamily="-110" charset="0"/>
+                <a:ea typeface="ＭＳ Ｐゴシック" pitchFamily="-110" charset="-128"/>
+                <a:cs typeface="ＭＳ Ｐゴシック" pitchFamily="-110" charset="-128"/>
+              </a:rPr>
+              <a:t>explained in Section 2.3. The public-key approach has two advantages: It provides</a:t>
+            </a:r>
+          </a:p>
+          <a:p>
+            <a:r>
+              <a:rPr lang="en-US" dirty="0">
+                <a:latin typeface="Arial" pitchFamily="-110" charset="0"/>
+                <a:ea typeface="ＭＳ Ｐゴシック" pitchFamily="-110" charset="-128"/>
+                <a:cs typeface="ＭＳ Ｐゴシック" pitchFamily="-110" charset="-128"/>
+              </a:rPr>
+              <a:t>a digital signature as well as message authentication; and it does not require the</a:t>
+            </a:r>
+          </a:p>
+          <a:p>
+            <a:r>
+              <a:rPr lang="en-US" dirty="0">
+                <a:latin typeface="Arial" pitchFamily="-110" charset="0"/>
+                <a:ea typeface="ＭＳ Ｐゴシック" pitchFamily="-110" charset="-128"/>
+                <a:cs typeface="ＭＳ Ｐゴシック" pitchFamily="-110" charset="-128"/>
+              </a:rPr>
+              <a:t>distribution of keys to communicating parties.</a:t>
+            </a:r>
+          </a:p>
+          <a:p>
+            <a:endParaRPr lang="en-US" dirty="0">
+              <a:latin typeface="Arial" pitchFamily="-110" charset="0"/>
+              <a:ea typeface="ＭＳ Ｐゴシック" pitchFamily="-110" charset="-128"/>
+              <a:cs typeface="ＭＳ Ｐゴシック" pitchFamily="-110" charset="-128"/>
+            </a:endParaRPr>
+          </a:p>
+          <a:p>
+            <a:r>
+              <a:rPr lang="en-US" dirty="0">
+                <a:latin typeface="Arial" pitchFamily="-110" charset="0"/>
+                <a:ea typeface="ＭＳ Ｐゴシック" pitchFamily="-110" charset="-128"/>
+                <a:cs typeface="ＭＳ Ｐゴシック" pitchFamily="-110" charset="-128"/>
+              </a:rPr>
+              <a:t>These two approaches have an advantage over approaches that encrypt the</a:t>
+            </a:r>
+          </a:p>
+          <a:p>
+            <a:r>
+              <a:rPr lang="en-US" dirty="0">
+                <a:latin typeface="Arial" pitchFamily="-110" charset="0"/>
+                <a:ea typeface="ＭＳ Ｐゴシック" pitchFamily="-110" charset="-128"/>
+                <a:cs typeface="ＭＳ Ｐゴシック" pitchFamily="-110" charset="-128"/>
+              </a:rPr>
+              <a:t>entire message in that less computation is required. But an even more common approach is</a:t>
+            </a:r>
+          </a:p>
+          <a:p>
+            <a:r>
+              <a:rPr lang="en-US" dirty="0">
+                <a:latin typeface="Arial" pitchFamily="-110" charset="0"/>
+                <a:ea typeface="ＭＳ Ｐゴシック" pitchFamily="-110" charset="-128"/>
+                <a:cs typeface="ＭＳ Ｐゴシック" pitchFamily="-110" charset="-128"/>
+              </a:rPr>
+              <a:t> the use of a technique that avoids encryption altogether. Several reasons</a:t>
+            </a:r>
+          </a:p>
+          <a:p>
+            <a:r>
+              <a:rPr lang="en-US" dirty="0">
+                <a:latin typeface="Arial" pitchFamily="-110" charset="0"/>
+                <a:ea typeface="ＭＳ Ｐゴシック" pitchFamily="-110" charset="-128"/>
+                <a:cs typeface="ＭＳ Ｐゴシック" pitchFamily="-110" charset="-128"/>
+              </a:rPr>
+              <a:t>for this interest are pointed out in [TSUD92]:</a:t>
+            </a:r>
+          </a:p>
+          <a:p>
+            <a:endParaRPr lang="en-US" dirty="0">
+              <a:latin typeface="Arial" pitchFamily="-110" charset="0"/>
+              <a:ea typeface="ＭＳ Ｐゴシック" pitchFamily="-110" charset="-128"/>
+              <a:cs typeface="ＭＳ Ｐゴシック" pitchFamily="-110" charset="-128"/>
+            </a:endParaRPr>
+          </a:p>
+          <a:p>
+            <a:r>
+              <a:rPr lang="en-US" dirty="0">
+                <a:latin typeface="Arial" pitchFamily="-110" charset="0"/>
+                <a:ea typeface="ＭＳ Ｐゴシック" pitchFamily="-110" charset="-128"/>
+                <a:cs typeface="ＭＳ Ｐゴシック" pitchFamily="-110" charset="-128"/>
+              </a:rPr>
+              <a:t>• Encryption software is quite slow. Even though the amount of data to be</a:t>
+            </a:r>
+          </a:p>
+          <a:p>
+            <a:r>
+              <a:rPr lang="en-US" dirty="0">
+                <a:latin typeface="Arial" pitchFamily="-110" charset="0"/>
+                <a:ea typeface="ＭＳ Ｐゴシック" pitchFamily="-110" charset="-128"/>
+                <a:cs typeface="ＭＳ Ｐゴシック" pitchFamily="-110" charset="-128"/>
+              </a:rPr>
+              <a:t>encrypted per message is small, there may be a steady stream of messages into</a:t>
+            </a:r>
+          </a:p>
+          <a:p>
+            <a:r>
+              <a:rPr lang="en-US" dirty="0">
+                <a:latin typeface="Arial" pitchFamily="-110" charset="0"/>
+                <a:ea typeface="ＭＳ Ｐゴシック" pitchFamily="-110" charset="-128"/>
+                <a:cs typeface="ＭＳ Ｐゴシック" pitchFamily="-110" charset="-128"/>
+              </a:rPr>
+              <a:t>and out of a system.</a:t>
+            </a:r>
+          </a:p>
+          <a:p>
+            <a:endParaRPr lang="en-US" dirty="0">
+              <a:latin typeface="Arial" pitchFamily="-110" charset="0"/>
+              <a:ea typeface="ＭＳ Ｐゴシック" pitchFamily="-110" charset="-128"/>
+              <a:cs typeface="ＭＳ Ｐゴシック" pitchFamily="-110" charset="-128"/>
+            </a:endParaRPr>
+          </a:p>
+          <a:p>
+            <a:r>
+              <a:rPr lang="en-US" dirty="0">
+                <a:latin typeface="Arial" pitchFamily="-110" charset="0"/>
+                <a:ea typeface="ＭＳ Ｐゴシック" pitchFamily="-110" charset="-128"/>
+                <a:cs typeface="ＭＳ Ｐゴシック" pitchFamily="-110" charset="-128"/>
+              </a:rPr>
+              <a:t>• Encryption hardware costs are non-negligible. Low-cost chip implementations</a:t>
+            </a:r>
+          </a:p>
+          <a:p>
+            <a:r>
+              <a:rPr lang="en-US" dirty="0">
+                <a:latin typeface="Arial" pitchFamily="-110" charset="0"/>
+                <a:ea typeface="ＭＳ Ｐゴシック" pitchFamily="-110" charset="-128"/>
+                <a:cs typeface="ＭＳ Ｐゴシック" pitchFamily="-110" charset="-128"/>
+              </a:rPr>
+              <a:t>of DES are available, but the cost adds up if all nodes in a network must have</a:t>
+            </a:r>
+          </a:p>
+          <a:p>
+            <a:r>
+              <a:rPr lang="en-US" dirty="0">
+                <a:latin typeface="Arial" pitchFamily="-110" charset="0"/>
+                <a:ea typeface="ＭＳ Ｐゴシック" pitchFamily="-110" charset="-128"/>
+                <a:cs typeface="ＭＳ Ｐゴシック" pitchFamily="-110" charset="-128"/>
+              </a:rPr>
+              <a:t>this capability.</a:t>
+            </a:r>
+          </a:p>
+          <a:p>
+            <a:endParaRPr lang="en-US" dirty="0">
+              <a:latin typeface="Arial" pitchFamily="-110" charset="0"/>
+              <a:ea typeface="ＭＳ Ｐゴシック" pitchFamily="-110" charset="-128"/>
+              <a:cs typeface="ＭＳ Ｐゴシック" pitchFamily="-110" charset="-128"/>
+            </a:endParaRPr>
+          </a:p>
+          <a:p>
+            <a:r>
+              <a:rPr lang="en-US" dirty="0">
+                <a:latin typeface="Arial" pitchFamily="-110" charset="0"/>
+                <a:ea typeface="ＭＳ Ｐゴシック" pitchFamily="-110" charset="-128"/>
+                <a:cs typeface="ＭＳ Ｐゴシック" pitchFamily="-110" charset="-128"/>
+              </a:rPr>
+              <a:t>• Encryption hardware is optimized toward large data sizes. For small blocks of</a:t>
+            </a:r>
+          </a:p>
+          <a:p>
+            <a:r>
+              <a:rPr lang="en-US" dirty="0">
+                <a:latin typeface="Arial" pitchFamily="-110" charset="0"/>
+                <a:ea typeface="ＭＳ Ｐゴシック" pitchFamily="-110" charset="-128"/>
+                <a:cs typeface="ＭＳ Ｐゴシック" pitchFamily="-110" charset="-128"/>
+              </a:rPr>
+              <a:t>data, a high proportion of the time is spent in initialization/invocation overhead.</a:t>
+            </a:r>
+          </a:p>
+          <a:p>
+            <a:endParaRPr lang="en-US" dirty="0">
+              <a:latin typeface="Arial" pitchFamily="-110" charset="0"/>
+              <a:ea typeface="ＭＳ Ｐゴシック" pitchFamily="-110" charset="-128"/>
+              <a:cs typeface="ＭＳ Ｐゴシック" pitchFamily="-110" charset="-128"/>
+            </a:endParaRPr>
+          </a:p>
+          <a:p>
+            <a:r>
+              <a:rPr lang="en-US" dirty="0">
+                <a:latin typeface="Arial" pitchFamily="-110" charset="0"/>
+                <a:ea typeface="ＭＳ Ｐゴシック" pitchFamily="-110" charset="-128"/>
+                <a:cs typeface="ＭＳ Ｐゴシック" pitchFamily="-110" charset="-128"/>
+              </a:rPr>
+              <a:t>• An encryption algorithm may be protected by a patent.</a:t>
+            </a:r>
+          </a:p>
+          <a:p>
+            <a:endParaRPr lang="en-US" dirty="0">
+              <a:latin typeface="Arial" pitchFamily="-110" charset="0"/>
+              <a:ea typeface="ＭＳ Ｐゴシック" pitchFamily="-110" charset="-128"/>
+              <a:cs typeface="ＭＳ Ｐゴシック" pitchFamily="-110" charset="-128"/>
+            </a:endParaRPr>
+          </a:p>
+          <a:p>
+            <a:r>
+              <a:rPr lang="en-US" dirty="0">
+                <a:latin typeface="Arial" pitchFamily="-110" charset="0"/>
+                <a:ea typeface="ＭＳ Ｐゴシック" pitchFamily="-110" charset="-128"/>
+                <a:cs typeface="ＭＳ Ｐゴシック" pitchFamily="-110" charset="-128"/>
+              </a:rPr>
+              <a:t>Figure 2.5c shows a technique that uses a hash function but no encryption</a:t>
+            </a:r>
+          </a:p>
+          <a:p>
+            <a:r>
+              <a:rPr lang="en-US" dirty="0">
+                <a:latin typeface="Arial" pitchFamily="-110" charset="0"/>
+                <a:ea typeface="ＭＳ Ｐゴシック" pitchFamily="-110" charset="-128"/>
+                <a:cs typeface="ＭＳ Ｐゴシック" pitchFamily="-110" charset="-128"/>
+              </a:rPr>
+              <a:t>for message authentication. This technique, known as a keyed hash MAC, assumes</a:t>
+            </a:r>
+          </a:p>
+          <a:p>
+            <a:r>
+              <a:rPr lang="en-US" dirty="0">
+                <a:latin typeface="Arial" pitchFamily="-110" charset="0"/>
+                <a:ea typeface="ＭＳ Ｐゴシック" pitchFamily="-110" charset="-128"/>
+                <a:cs typeface="ＭＳ Ｐゴシック" pitchFamily="-110" charset="-128"/>
+              </a:rPr>
+              <a:t>that two communicating parties, say A and B, share a common secret key </a:t>
+            </a:r>
+            <a:r>
+              <a:rPr lang="en-US" i="1" dirty="0">
+                <a:latin typeface="Arial" pitchFamily="-110" charset="0"/>
+                <a:ea typeface="ＭＳ Ｐゴシック" pitchFamily="-110" charset="-128"/>
+                <a:cs typeface="ＭＳ Ｐゴシック" pitchFamily="-110" charset="-128"/>
+              </a:rPr>
+              <a:t>K.</a:t>
+            </a:r>
+          </a:p>
+          <a:p>
+            <a:r>
+              <a:rPr lang="en-US" dirty="0">
+                <a:latin typeface="Arial" pitchFamily="-110" charset="0"/>
+                <a:ea typeface="ＭＳ Ｐゴシック" pitchFamily="-110" charset="-128"/>
+                <a:cs typeface="ＭＳ Ｐゴシック" pitchFamily="-110" charset="-128"/>
+              </a:rPr>
+              <a:t>This secret key is incorporated into the process of generating a hash code. In the</a:t>
+            </a:r>
+          </a:p>
+          <a:p>
+            <a:r>
+              <a:rPr lang="en-US" dirty="0">
+                <a:latin typeface="Arial" pitchFamily="-110" charset="0"/>
+                <a:ea typeface="ＭＳ Ｐゴシック" pitchFamily="-110" charset="-128"/>
+                <a:cs typeface="ＭＳ Ｐゴシック" pitchFamily="-110" charset="-128"/>
+              </a:rPr>
+              <a:t>approach illustrated in Figure 2.5c, when A has a message to send to B, it calculates</a:t>
+            </a:r>
+          </a:p>
+          <a:p>
+            <a:r>
+              <a:rPr lang="en-US" dirty="0">
+                <a:latin typeface="Arial" pitchFamily="-110" charset="0"/>
+                <a:ea typeface="ＭＳ Ｐゴシック" pitchFamily="-110" charset="-128"/>
+                <a:cs typeface="ＭＳ Ｐゴシック" pitchFamily="-110" charset="-128"/>
+              </a:rPr>
+              <a:t>the hash function over the concatenation of the secret key and the message:</a:t>
+            </a:r>
+          </a:p>
+          <a:p>
+            <a:r>
+              <a:rPr lang="en-US" i="1" dirty="0">
+                <a:latin typeface="Arial" pitchFamily="-110" charset="0"/>
+                <a:ea typeface="ＭＳ Ｐゴシック" pitchFamily="-110" charset="-128"/>
+                <a:cs typeface="ＭＳ Ｐゴシック" pitchFamily="-110" charset="-128"/>
+              </a:rPr>
+              <a:t>MD</a:t>
+            </a:r>
+            <a:r>
+              <a:rPr lang="en-US" i="1" baseline="-25000" dirty="0">
+                <a:latin typeface="Arial" pitchFamily="-110" charset="0"/>
+                <a:ea typeface="ＭＳ Ｐゴシック" pitchFamily="-110" charset="-128"/>
+                <a:cs typeface="ＭＳ Ｐゴシック" pitchFamily="-110" charset="-128"/>
+              </a:rPr>
+              <a:t>M</a:t>
+            </a:r>
+            <a:r>
+              <a:rPr lang="en-US" i="1" dirty="0">
+                <a:latin typeface="Arial" pitchFamily="-110" charset="0"/>
+                <a:ea typeface="ＭＳ Ｐゴシック" pitchFamily="-110" charset="-128"/>
+                <a:cs typeface="ＭＳ Ｐゴシック" pitchFamily="-110" charset="-128"/>
+              </a:rPr>
+              <a:t> = H(K </a:t>
+            </a:r>
+            <a:r>
+              <a:rPr lang="en-US" i="1" dirty="0" err="1">
+                <a:latin typeface="Arial" pitchFamily="-110" charset="0"/>
+                <a:ea typeface="ＭＳ Ｐゴシック" pitchFamily="-110" charset="-128"/>
+                <a:cs typeface="ＭＳ Ｐゴシック" pitchFamily="-110" charset="-128"/>
+              </a:rPr>
+              <a:t>ll</a:t>
+            </a:r>
+            <a:r>
+              <a:rPr lang="en-US" i="1" dirty="0">
+                <a:latin typeface="Arial" pitchFamily="-110" charset="0"/>
+                <a:ea typeface="ＭＳ Ｐゴシック" pitchFamily="-110" charset="-128"/>
+                <a:cs typeface="ＭＳ Ｐゴシック" pitchFamily="-110" charset="-128"/>
+              </a:rPr>
+              <a:t> M </a:t>
+            </a:r>
+            <a:r>
+              <a:rPr lang="en-US" i="1" dirty="0" err="1">
+                <a:latin typeface="Arial" pitchFamily="-110" charset="0"/>
+                <a:ea typeface="ＭＳ Ｐゴシック" pitchFamily="-110" charset="-128"/>
+                <a:cs typeface="ＭＳ Ｐゴシック" pitchFamily="-110" charset="-128"/>
+              </a:rPr>
+              <a:t>ll</a:t>
+            </a:r>
+            <a:r>
+              <a:rPr lang="en-US" i="1" dirty="0">
+                <a:latin typeface="Arial" pitchFamily="-110" charset="0"/>
+                <a:ea typeface="ＭＳ Ｐゴシック" pitchFamily="-110" charset="-128"/>
+                <a:cs typeface="ＭＳ Ｐゴシック" pitchFamily="-110" charset="-128"/>
+              </a:rPr>
+              <a:t> K). It then sends [ M ii MD</a:t>
+            </a:r>
+            <a:r>
+              <a:rPr lang="en-US" i="1" baseline="-25000" dirty="0">
+                <a:latin typeface="Arial" pitchFamily="-110" charset="0"/>
+                <a:ea typeface="ＭＳ Ｐゴシック" pitchFamily="-110" charset="-128"/>
+                <a:cs typeface="ＭＳ Ｐゴシック" pitchFamily="-110" charset="-128"/>
+              </a:rPr>
+              <a:t>M</a:t>
+            </a:r>
+            <a:r>
+              <a:rPr lang="en-US" i="1" dirty="0">
+                <a:latin typeface="Arial" pitchFamily="-110" charset="0"/>
+                <a:ea typeface="ＭＳ Ｐゴシック" pitchFamily="-110" charset="-128"/>
+                <a:cs typeface="ＭＳ Ｐゴシック" pitchFamily="-110" charset="-128"/>
+              </a:rPr>
+              <a:t>] to B. Because B possesses K, it can</a:t>
+            </a:r>
+          </a:p>
+          <a:p>
+            <a:r>
+              <a:rPr lang="en-US" dirty="0" err="1">
+                <a:latin typeface="Arial" pitchFamily="-110" charset="0"/>
+                <a:ea typeface="ＭＳ Ｐゴシック" pitchFamily="-110" charset="-128"/>
+                <a:cs typeface="ＭＳ Ｐゴシック" pitchFamily="-110" charset="-128"/>
+              </a:rPr>
+              <a:t>recompute</a:t>
+            </a:r>
+            <a:r>
+              <a:rPr lang="en-US" dirty="0">
+                <a:latin typeface="Arial" pitchFamily="-110" charset="0"/>
+                <a:ea typeface="ＭＳ Ｐゴシック" pitchFamily="-110" charset="-128"/>
+                <a:cs typeface="ＭＳ Ｐゴシック" pitchFamily="-110" charset="-128"/>
+              </a:rPr>
+              <a:t> H(</a:t>
+            </a:r>
+            <a:r>
+              <a:rPr lang="en-US" i="1" dirty="0">
+                <a:latin typeface="Arial" pitchFamily="-110" charset="0"/>
+                <a:ea typeface="ＭＳ Ｐゴシック" pitchFamily="-110" charset="-128"/>
+                <a:cs typeface="ＭＳ Ｐゴシック" pitchFamily="-110" charset="-128"/>
+              </a:rPr>
+              <a:t>K</a:t>
+            </a:r>
+            <a:r>
+              <a:rPr lang="en-US" i="1" baseline="0" dirty="0">
+                <a:latin typeface="Arial" pitchFamily="-110" charset="0"/>
+                <a:ea typeface="ＭＳ Ｐゴシック" pitchFamily="-110" charset="-128"/>
+                <a:cs typeface="ＭＳ Ｐゴシック" pitchFamily="-110" charset="-128"/>
+              </a:rPr>
+              <a:t> </a:t>
+            </a:r>
+            <a:r>
+              <a:rPr lang="en-US" i="1" baseline="0" dirty="0" err="1">
+                <a:latin typeface="Arial" pitchFamily="-110" charset="0"/>
+                <a:ea typeface="ＭＳ Ｐゴシック" pitchFamily="-110" charset="-128"/>
+                <a:cs typeface="ＭＳ Ｐゴシック" pitchFamily="-110" charset="-128"/>
+              </a:rPr>
+              <a:t>ll</a:t>
+            </a:r>
+            <a:r>
+              <a:rPr lang="en-US" i="1" baseline="0" dirty="0">
+                <a:latin typeface="Arial" pitchFamily="-110" charset="0"/>
+                <a:ea typeface="ＭＳ Ｐゴシック" pitchFamily="-110" charset="-128"/>
+                <a:cs typeface="ＭＳ Ｐゴシック" pitchFamily="-110" charset="-128"/>
+              </a:rPr>
+              <a:t> </a:t>
+            </a:r>
+            <a:r>
+              <a:rPr lang="en-US" i="1" dirty="0">
+                <a:latin typeface="Arial" pitchFamily="-110" charset="0"/>
+                <a:ea typeface="ＭＳ Ｐゴシック" pitchFamily="-110" charset="-128"/>
+                <a:cs typeface="ＭＳ Ｐゴシック" pitchFamily="-110" charset="-128"/>
+              </a:rPr>
+              <a:t>M</a:t>
+            </a:r>
+            <a:r>
+              <a:rPr lang="en-US" i="1" baseline="0" dirty="0">
+                <a:latin typeface="Arial" pitchFamily="-110" charset="0"/>
+                <a:ea typeface="ＭＳ Ｐゴシック" pitchFamily="-110" charset="-128"/>
+                <a:cs typeface="ＭＳ Ｐゴシック" pitchFamily="-110" charset="-128"/>
+              </a:rPr>
+              <a:t> </a:t>
+            </a:r>
+            <a:r>
+              <a:rPr lang="en-US" i="1" baseline="0" dirty="0" err="1">
+                <a:latin typeface="Arial" pitchFamily="-110" charset="0"/>
+                <a:ea typeface="ＭＳ Ｐゴシック" pitchFamily="-110" charset="-128"/>
+                <a:cs typeface="ＭＳ Ｐゴシック" pitchFamily="-110" charset="-128"/>
+              </a:rPr>
+              <a:t>ll</a:t>
+            </a:r>
+            <a:r>
+              <a:rPr lang="en-US" i="1" baseline="0" dirty="0">
+                <a:latin typeface="Arial" pitchFamily="-110" charset="0"/>
+                <a:ea typeface="ＭＳ Ｐゴシック" pitchFamily="-110" charset="-128"/>
+                <a:cs typeface="ＭＳ Ｐゴシック" pitchFamily="-110" charset="-128"/>
+              </a:rPr>
+              <a:t> </a:t>
+            </a:r>
+            <a:r>
+              <a:rPr lang="en-US" i="1" dirty="0">
+                <a:latin typeface="Arial" pitchFamily="-110" charset="0"/>
+                <a:ea typeface="ＭＳ Ｐゴシック" pitchFamily="-110" charset="-128"/>
+                <a:cs typeface="ＭＳ Ｐゴシック" pitchFamily="-110" charset="-128"/>
+              </a:rPr>
+              <a:t>K) and verify MD</a:t>
+            </a:r>
+            <a:r>
+              <a:rPr lang="en-US" i="1" baseline="-25000" dirty="0">
+                <a:latin typeface="Arial" pitchFamily="-110" charset="0"/>
+                <a:ea typeface="ＭＳ Ｐゴシック" pitchFamily="-110" charset="-128"/>
+                <a:cs typeface="ＭＳ Ｐゴシック" pitchFamily="-110" charset="-128"/>
+              </a:rPr>
+              <a:t>M</a:t>
+            </a:r>
+            <a:r>
+              <a:rPr lang="en-US" i="1" dirty="0">
+                <a:latin typeface="Arial" pitchFamily="-110" charset="0"/>
+                <a:ea typeface="ＭＳ Ｐゴシック" pitchFamily="-110" charset="-128"/>
+                <a:cs typeface="ＭＳ Ｐゴシック" pitchFamily="-110" charset="-128"/>
+              </a:rPr>
+              <a:t>. Because the secret key itself is not sent, it</a:t>
+            </a:r>
+          </a:p>
+          <a:p>
+            <a:r>
+              <a:rPr lang="en-US" dirty="0">
+                <a:latin typeface="Arial" pitchFamily="-110" charset="0"/>
+                <a:ea typeface="ＭＳ Ｐゴシック" pitchFamily="-110" charset="-128"/>
+                <a:cs typeface="ＭＳ Ｐゴシック" pitchFamily="-110" charset="-128"/>
+              </a:rPr>
+              <a:t>should not be possible for an attacker to modify an intercepted message. As long as</a:t>
+            </a:r>
+          </a:p>
+          <a:p>
+            <a:r>
+              <a:rPr lang="en-US" dirty="0">
+                <a:latin typeface="Arial" pitchFamily="-110" charset="0"/>
+                <a:ea typeface="ＭＳ Ｐゴシック" pitchFamily="-110" charset="-128"/>
+                <a:cs typeface="ＭＳ Ｐゴシック" pitchFamily="-110" charset="-128"/>
+              </a:rPr>
+              <a:t>the secret key remains secret, it should not be possible for an attacker to generate a</a:t>
+            </a:r>
+          </a:p>
+          <a:p>
+            <a:r>
+              <a:rPr lang="en-US" dirty="0">
+                <a:latin typeface="Arial" pitchFamily="-110" charset="0"/>
+                <a:ea typeface="ＭＳ Ｐゴシック" pitchFamily="-110" charset="-128"/>
+                <a:cs typeface="ＭＳ Ｐゴシック" pitchFamily="-110" charset="-128"/>
+              </a:rPr>
+              <a:t>false message.</a:t>
+            </a:r>
+          </a:p>
+          <a:p>
+            <a:endParaRPr lang="en-US" dirty="0">
+              <a:latin typeface="Arial" pitchFamily="-110" charset="0"/>
+              <a:ea typeface="ＭＳ Ｐゴシック" pitchFamily="-110" charset="-128"/>
+              <a:cs typeface="ＭＳ Ｐゴシック" pitchFamily="-110" charset="-128"/>
+            </a:endParaRPr>
+          </a:p>
+          <a:p>
+            <a:r>
+              <a:rPr lang="en-US" dirty="0">
+                <a:latin typeface="Arial" pitchFamily="-110" charset="0"/>
+                <a:ea typeface="ＭＳ Ｐゴシック" pitchFamily="-110" charset="-128"/>
+                <a:cs typeface="ＭＳ Ｐゴシック" pitchFamily="-110" charset="-128"/>
+              </a:rPr>
+              <a:t>Note that the secret key is used as both a prefix and a suffix to the message. If</a:t>
+            </a:r>
+          </a:p>
+          <a:p>
+            <a:r>
+              <a:rPr lang="en-US" dirty="0">
+                <a:latin typeface="Arial" pitchFamily="-110" charset="0"/>
+                <a:ea typeface="ＭＳ Ｐゴシック" pitchFamily="-110" charset="-128"/>
+                <a:cs typeface="ＭＳ Ｐゴシック" pitchFamily="-110" charset="-128"/>
+              </a:rPr>
+              <a:t>the secret key is used as either only a prefix or only a suffix, the scheme is less secure.</a:t>
+            </a:r>
+          </a:p>
+          <a:p>
+            <a:r>
+              <a:rPr lang="en-US" dirty="0">
+                <a:latin typeface="Arial" pitchFamily="-110" charset="0"/>
+                <a:ea typeface="ＭＳ Ｐゴシック" pitchFamily="-110" charset="-128"/>
+                <a:cs typeface="ＭＳ Ｐゴシック" pitchFamily="-110" charset="-128"/>
+              </a:rPr>
+              <a:t>This topic is discussed in Chapter 21. Chapter 21 also describes a scheme known</a:t>
+            </a:r>
+          </a:p>
+          <a:p>
+            <a:r>
+              <a:rPr lang="en-US" dirty="0">
+                <a:latin typeface="Arial" pitchFamily="-110" charset="0"/>
+                <a:ea typeface="ＭＳ Ｐゴシック" pitchFamily="-110" charset="-128"/>
+                <a:cs typeface="ＭＳ Ｐゴシック" pitchFamily="-110" charset="-128"/>
+              </a:rPr>
+              <a:t>as HMAC, which is somewhat more complex than the approach of Figure 2.5c and</a:t>
+            </a:r>
+          </a:p>
+          <a:p>
+            <a:r>
+              <a:rPr lang="en-US" dirty="0">
+                <a:latin typeface="Arial" pitchFamily="-110" charset="0"/>
+                <a:ea typeface="ＭＳ Ｐゴシック" pitchFamily="-110" charset="-128"/>
+                <a:cs typeface="ＭＳ Ｐゴシック" pitchFamily="-110" charset="-128"/>
+              </a:rPr>
+              <a:t>which has become the standard approach for a keyed hash MAC.</a:t>
+            </a:r>
+            <a:endParaRPr lang="en-US" dirty="0">
+              <a:latin typeface="Times New Roman" pitchFamily="-110" charset="0"/>
+              <a:ea typeface="ＭＳ Ｐゴシック" pitchFamily="-110" charset="-128"/>
+              <a:cs typeface="ＭＳ Ｐゴシック" pitchFamily="-110" charset="-128"/>
+            </a:endParaRPr>
+          </a:p>
+        </p:txBody>
+      </p:sp>
+    </p:spTree>
+    <p:extLst>
+      <p:ext uri="{BB962C8B-B14F-4D97-AF65-F5344CB8AC3E}">
+        <p14:creationId xmlns:p14="http://schemas.microsoft.com/office/powerpoint/2010/main" val="3075164779"/>
+      </p:ext>
+    </p:extLst>
+  </p:cSld>
+  <p:clrMapOvr>
+    <a:masterClrMapping/>
+  </p:clrMapOvr>
+</p:notes>
+</file>
+
+<file path=ppt/notesSlides/notesSlide25.xml><?xml version="1.0" encoding="utf-8"?>
 <p:notes xmlns:a="http://schemas.openxmlformats.org/drawingml/2006/main" xmlns:r="http://schemas.openxmlformats.org/officeDocument/2006/relationships" xmlns:p="http://schemas.openxmlformats.org/presentationml/2006/main">
   <p:cSld>
     <p:spTree>
@@ -6750,294 +6942,191 @@
           <a:bodyPr/>
           <a:lstStyle/>
           <a:p>
-            <a:pPr>
-              <a:defRPr/>
-            </a:pPr>
-            <a:r>
-              <a:rPr lang="en-US" b="0" dirty="0"/>
-              <a:t>Traditionally, the concern in the generation of a sequence of</a:t>
-            </a:r>
-          </a:p>
-          <a:p>
-            <a:pPr>
-              <a:defRPr/>
-            </a:pPr>
-            <a:r>
-              <a:rPr lang="en-US" b="0" dirty="0"/>
-              <a:t>allegedly random numbers has been that the sequence of numbers be random in</a:t>
-            </a:r>
-          </a:p>
-          <a:p>
-            <a:pPr>
-              <a:defRPr/>
-            </a:pPr>
-            <a:r>
-              <a:rPr lang="en-US" b="0" dirty="0"/>
-              <a:t>some well-defined statistical sense. The following two criteria are used to validate</a:t>
-            </a:r>
-          </a:p>
-          <a:p>
-            <a:pPr>
-              <a:defRPr/>
-            </a:pPr>
-            <a:r>
-              <a:rPr lang="en-US" b="0" dirty="0"/>
-              <a:t>that a sequence of numbers is random:</a:t>
-            </a:r>
-          </a:p>
-          <a:p>
-            <a:pPr>
-              <a:defRPr/>
-            </a:pPr>
-            <a:endParaRPr lang="en-US" b="0" dirty="0"/>
-          </a:p>
-          <a:p>
-            <a:pPr>
-              <a:defRPr/>
-            </a:pPr>
-            <a:r>
-              <a:rPr lang="en-US" b="0" dirty="0"/>
-              <a:t>• Uniform distribution: The distribution of numbers in the sequence should be</a:t>
-            </a:r>
-          </a:p>
-          <a:p>
-            <a:pPr>
-              <a:defRPr/>
-            </a:pPr>
-            <a:r>
-              <a:rPr lang="en-US" b="0" dirty="0"/>
-              <a:t>uniform; that is, the frequency of occurrence of each of the numbers should be</a:t>
-            </a:r>
-          </a:p>
-          <a:p>
-            <a:pPr>
-              <a:defRPr/>
-            </a:pPr>
-            <a:r>
-              <a:rPr lang="en-US" b="0" dirty="0"/>
-              <a:t>approximately the same.</a:t>
-            </a:r>
-          </a:p>
-          <a:p>
-            <a:pPr>
-              <a:defRPr/>
-            </a:pPr>
-            <a:endParaRPr lang="en-US" b="0" dirty="0"/>
-          </a:p>
-          <a:p>
-            <a:pPr>
-              <a:defRPr/>
-            </a:pPr>
-            <a:r>
-              <a:rPr lang="en-US" b="0" dirty="0"/>
-              <a:t>• Independence: No one value in the sequence can be inferred from the others.</a:t>
-            </a:r>
-          </a:p>
-          <a:p>
-            <a:pPr>
-              <a:defRPr/>
-            </a:pPr>
-            <a:endParaRPr lang="en-US" b="0" dirty="0"/>
-          </a:p>
-          <a:p>
-            <a:pPr>
-              <a:defRPr/>
-            </a:pPr>
-            <a:r>
-              <a:rPr lang="en-US" b="0" dirty="0"/>
-              <a:t>Although there are well-defined tests for determining that a sequence of numbers</a:t>
-            </a:r>
-          </a:p>
-          <a:p>
-            <a:pPr>
-              <a:defRPr/>
-            </a:pPr>
-            <a:r>
-              <a:rPr lang="en-US" b="0" dirty="0"/>
-              <a:t>matches a particular distribution, such as the uniform distribution, there is no such</a:t>
-            </a:r>
-          </a:p>
-          <a:p>
-            <a:pPr>
-              <a:defRPr/>
-            </a:pPr>
-            <a:r>
-              <a:rPr lang="en-US" b="0" dirty="0"/>
-              <a:t>test to “prove” independence. Rather, a number of tests can be applied to demonstrate</a:t>
-            </a:r>
-          </a:p>
-          <a:p>
-            <a:pPr>
-              <a:defRPr/>
-            </a:pPr>
-            <a:r>
-              <a:rPr lang="en-US" b="0" dirty="0"/>
-              <a:t>if a sequence does not exhibit independence. The general strategy is to apply a number</a:t>
-            </a:r>
-          </a:p>
-          <a:p>
-            <a:pPr>
-              <a:defRPr/>
-            </a:pPr>
-            <a:r>
-              <a:rPr lang="en-US" b="0" dirty="0"/>
-              <a:t>of such tests until the confidence that independence exists is sufficiently strong.</a:t>
-            </a:r>
-          </a:p>
-          <a:p>
-            <a:pPr>
-              <a:defRPr/>
-            </a:pPr>
-            <a:endParaRPr lang="en-US" b="0" dirty="0"/>
-          </a:p>
-          <a:p>
-            <a:pPr>
-              <a:defRPr/>
-            </a:pPr>
-            <a:r>
-              <a:rPr lang="en-US" b="0" dirty="0"/>
-              <a:t>In the context of our discussion, the use of a sequence of numbers that appear</a:t>
-            </a:r>
-          </a:p>
-          <a:p>
-            <a:pPr>
-              <a:defRPr/>
-            </a:pPr>
-            <a:r>
-              <a:rPr lang="en-US" b="0" dirty="0"/>
-              <a:t>statistically random often occurs in the design of algorithms related to cryptography.</a:t>
-            </a:r>
-          </a:p>
-          <a:p>
-            <a:pPr>
-              <a:defRPr/>
-            </a:pPr>
-            <a:r>
-              <a:rPr lang="en-US" b="0" dirty="0"/>
-              <a:t>In essence, if a</a:t>
-            </a:r>
-            <a:r>
-              <a:rPr lang="en-US" b="0" baseline="0" dirty="0"/>
-              <a:t> </a:t>
-            </a:r>
-            <a:r>
-              <a:rPr lang="en-US" b="0" dirty="0"/>
-              <a:t>problem is too hard or time-consuming to solve exactly, a simpler, shorter approach</a:t>
-            </a:r>
-          </a:p>
-          <a:p>
-            <a:pPr>
-              <a:defRPr/>
-            </a:pPr>
-            <a:r>
-              <a:rPr lang="en-US" b="0" dirty="0"/>
-              <a:t>based on randomization is used to provide an answer with any desired level of</a:t>
-            </a:r>
-          </a:p>
-          <a:p>
-            <a:pPr>
-              <a:defRPr/>
-            </a:pPr>
-            <a:r>
-              <a:rPr lang="en-US" b="0" dirty="0"/>
-              <a:t>confidence.</a:t>
-            </a:r>
-          </a:p>
-          <a:p>
-            <a:pPr>
-              <a:defRPr/>
-            </a:pPr>
-            <a:endParaRPr lang="en-US" b="0" i="1" dirty="0"/>
-          </a:p>
-          <a:p>
-            <a:pPr>
-              <a:defRPr/>
-            </a:pPr>
-            <a:r>
-              <a:rPr lang="en-US" b="0" i="1" dirty="0"/>
-              <a:t>UNPREDICTABILITY </a:t>
-            </a:r>
-          </a:p>
-          <a:p>
-            <a:pPr>
-              <a:defRPr/>
-            </a:pPr>
-            <a:r>
-              <a:rPr lang="en-US" b="0" i="1" dirty="0"/>
-              <a:t>In applications such as reciprocal authentication and session key</a:t>
-            </a:r>
-          </a:p>
-          <a:p>
-            <a:pPr>
-              <a:defRPr/>
-            </a:pPr>
-            <a:r>
-              <a:rPr lang="en-US" b="0" dirty="0"/>
-              <a:t>generation, the requirement is not so much that the sequence of numbers be statistically</a:t>
-            </a:r>
-          </a:p>
-          <a:p>
-            <a:pPr>
-              <a:defRPr/>
-            </a:pPr>
-            <a:r>
-              <a:rPr lang="en-US" b="0" dirty="0"/>
-              <a:t>random but that the successive members of the sequence are unpredictable. With</a:t>
-            </a:r>
-          </a:p>
-          <a:p>
-            <a:pPr>
-              <a:defRPr/>
-            </a:pPr>
-            <a:r>
-              <a:rPr lang="en-US" b="0" dirty="0"/>
-              <a:t>“true” random sequences, each number is statistically independent of other numbers</a:t>
-            </a:r>
-          </a:p>
-          <a:p>
-            <a:pPr>
-              <a:defRPr/>
-            </a:pPr>
-            <a:r>
-              <a:rPr lang="en-US" b="0" dirty="0"/>
-              <a:t>in the sequence and therefore unpredictable. However, as is discussed shortly, true</a:t>
-            </a:r>
-          </a:p>
-          <a:p>
-            <a:pPr>
-              <a:defRPr/>
-            </a:pPr>
-            <a:r>
-              <a:rPr lang="en-US" b="0" dirty="0"/>
-              <a:t>random numbers are not always used; rather, sequences of numbers that appear to</a:t>
-            </a:r>
-          </a:p>
-          <a:p>
-            <a:pPr>
-              <a:defRPr/>
-            </a:pPr>
-            <a:r>
-              <a:rPr lang="en-US" b="0" dirty="0"/>
-              <a:t>be random are generated by some algorithm. In this latter case, care must be taken</a:t>
-            </a:r>
-          </a:p>
-          <a:p>
-            <a:pPr>
-              <a:defRPr/>
-            </a:pPr>
-            <a:r>
-              <a:rPr lang="en-US" b="0" dirty="0"/>
-              <a:t>that an opponent not be able to predict future elements of the sequence on the basis</a:t>
-            </a:r>
-          </a:p>
-          <a:p>
-            <a:pPr>
-              <a:defRPr/>
-            </a:pPr>
-            <a:r>
-              <a:rPr lang="en-US" b="0" dirty="0"/>
-              <a:t>of earlier elements.</a:t>
-            </a:r>
+            <a:r>
+              <a:rPr lang="en-US" dirty="0">
+                <a:latin typeface="Arial" pitchFamily="-110" charset="0"/>
+                <a:ea typeface="ＭＳ Ｐゴシック" pitchFamily="-110" charset="-128"/>
+                <a:cs typeface="ＭＳ Ｐゴシック" pitchFamily="-110" charset="-128"/>
+              </a:rPr>
+              <a:t>A number of network security algorithms based on cryptography make use of</a:t>
+            </a:r>
+          </a:p>
+          <a:p>
+            <a:r>
+              <a:rPr lang="en-US" dirty="0">
+                <a:latin typeface="Arial" pitchFamily="-110" charset="0"/>
+                <a:ea typeface="ＭＳ Ｐゴシック" pitchFamily="-110" charset="-128"/>
+                <a:cs typeface="ＭＳ Ｐゴシック" pitchFamily="-110" charset="-128"/>
+              </a:rPr>
+              <a:t>random numbers. For example,</a:t>
+            </a:r>
+          </a:p>
+          <a:p>
+            <a:endParaRPr lang="en-US" dirty="0">
+              <a:latin typeface="Arial" pitchFamily="-110" charset="0"/>
+              <a:ea typeface="ＭＳ Ｐゴシック" pitchFamily="-110" charset="-128"/>
+              <a:cs typeface="ＭＳ Ｐゴシック" pitchFamily="-110" charset="-128"/>
+            </a:endParaRPr>
+          </a:p>
+          <a:p>
+            <a:r>
+              <a:rPr lang="en-US" dirty="0">
+                <a:latin typeface="Arial" pitchFamily="-110" charset="0"/>
+                <a:ea typeface="ＭＳ Ｐゴシック" pitchFamily="-110" charset="-128"/>
+                <a:cs typeface="ＭＳ Ｐゴシック" pitchFamily="-110" charset="-128"/>
+              </a:rPr>
+              <a:t>• Generation of keys for the RSA public-key encryption algorithm (described</a:t>
+            </a:r>
+          </a:p>
+          <a:p>
+            <a:r>
+              <a:rPr lang="en-US" dirty="0">
+                <a:latin typeface="Arial" pitchFamily="-110" charset="0"/>
+                <a:ea typeface="ＭＳ Ｐゴシック" pitchFamily="-110" charset="-128"/>
+                <a:cs typeface="ＭＳ Ｐゴシック" pitchFamily="-110" charset="-128"/>
+              </a:rPr>
+              <a:t>in Chapter 21) and other public-key algorithms.</a:t>
+            </a:r>
+          </a:p>
+          <a:p>
+            <a:endParaRPr lang="en-US" dirty="0">
+              <a:latin typeface="Arial" pitchFamily="-110" charset="0"/>
+              <a:ea typeface="ＭＳ Ｐゴシック" pitchFamily="-110" charset="-128"/>
+              <a:cs typeface="ＭＳ Ｐゴシック" pitchFamily="-110" charset="-128"/>
+            </a:endParaRPr>
+          </a:p>
+          <a:p>
+            <a:r>
+              <a:rPr lang="en-US" dirty="0">
+                <a:latin typeface="Arial" pitchFamily="-110" charset="0"/>
+                <a:ea typeface="ＭＳ Ｐゴシック" pitchFamily="-110" charset="-128"/>
+                <a:cs typeface="ＭＳ Ｐゴシック" pitchFamily="-110" charset="-128"/>
+              </a:rPr>
+              <a:t>• Generation of a stream key for symmetric stream cipher.</a:t>
+            </a:r>
+          </a:p>
+          <a:p>
+            <a:endParaRPr lang="en-US" dirty="0">
+              <a:latin typeface="Arial" pitchFamily="-110" charset="0"/>
+              <a:ea typeface="ＭＳ Ｐゴシック" pitchFamily="-110" charset="-128"/>
+              <a:cs typeface="ＭＳ Ｐゴシック" pitchFamily="-110" charset="-128"/>
+            </a:endParaRPr>
+          </a:p>
+          <a:p>
+            <a:r>
+              <a:rPr lang="en-US" dirty="0">
+                <a:latin typeface="Arial" pitchFamily="-110" charset="0"/>
+                <a:ea typeface="ＭＳ Ｐゴシック" pitchFamily="-110" charset="-128"/>
+                <a:cs typeface="ＭＳ Ｐゴシック" pitchFamily="-110" charset="-128"/>
+              </a:rPr>
+              <a:t>• Generation of a symmetric key for use as a temporary session key or in creating</a:t>
+            </a:r>
+          </a:p>
+          <a:p>
+            <a:r>
+              <a:rPr lang="en-US" dirty="0">
+                <a:latin typeface="Arial" pitchFamily="-110" charset="0"/>
+                <a:ea typeface="ＭＳ Ｐゴシック" pitchFamily="-110" charset="-128"/>
+                <a:cs typeface="ＭＳ Ｐゴシック" pitchFamily="-110" charset="-128"/>
+              </a:rPr>
+              <a:t>a digital envelope.</a:t>
+            </a:r>
+          </a:p>
+          <a:p>
+            <a:endParaRPr lang="en-US" dirty="0">
+              <a:latin typeface="Arial" pitchFamily="-110" charset="0"/>
+              <a:ea typeface="ＭＳ Ｐゴシック" pitchFamily="-110" charset="-128"/>
+              <a:cs typeface="ＭＳ Ｐゴシック" pitchFamily="-110" charset="-128"/>
+            </a:endParaRPr>
+          </a:p>
+          <a:p>
+            <a:r>
+              <a:rPr lang="en-US" dirty="0">
+                <a:latin typeface="Arial" pitchFamily="-110" charset="0"/>
+                <a:ea typeface="ＭＳ Ｐゴシック" pitchFamily="-110" charset="-128"/>
+                <a:cs typeface="ＭＳ Ｐゴシック" pitchFamily="-110" charset="-128"/>
+              </a:rPr>
+              <a:t>• In a number of key distribution scenarios, such as Kerberos (described in</a:t>
+            </a:r>
+          </a:p>
+          <a:p>
+            <a:r>
+              <a:rPr lang="en-US" dirty="0">
+                <a:latin typeface="Arial" pitchFamily="-110" charset="0"/>
+                <a:ea typeface="ＭＳ Ｐゴシック" pitchFamily="-110" charset="-128"/>
+                <a:cs typeface="ＭＳ Ｐゴシック" pitchFamily="-110" charset="-128"/>
+              </a:rPr>
+              <a:t>Chapter 23), random numbers are used for handshaking to prevent replay</a:t>
+            </a:r>
+          </a:p>
+          <a:p>
+            <a:r>
+              <a:rPr lang="en-US" dirty="0">
+                <a:latin typeface="Arial" pitchFamily="-110" charset="0"/>
+                <a:ea typeface="ＭＳ Ｐゴシック" pitchFamily="-110" charset="-128"/>
+                <a:cs typeface="ＭＳ Ｐゴシック" pitchFamily="-110" charset="-128"/>
+              </a:rPr>
+              <a:t>attacks.</a:t>
+            </a:r>
+          </a:p>
+          <a:p>
+            <a:endParaRPr lang="en-US" dirty="0">
+              <a:latin typeface="Arial" pitchFamily="-110" charset="0"/>
+              <a:ea typeface="ＭＳ Ｐゴシック" pitchFamily="-110" charset="-128"/>
+              <a:cs typeface="ＭＳ Ｐゴシック" pitchFamily="-110" charset="-128"/>
+            </a:endParaRPr>
+          </a:p>
+          <a:p>
+            <a:r>
+              <a:rPr lang="en-US" dirty="0">
+                <a:latin typeface="Arial" pitchFamily="-110" charset="0"/>
+                <a:ea typeface="ＭＳ Ｐゴシック" pitchFamily="-110" charset="-128"/>
+                <a:cs typeface="ＭＳ Ｐゴシック" pitchFamily="-110" charset="-128"/>
+              </a:rPr>
+              <a:t>• Session key generation, whether done by a key distribution center or by one of</a:t>
+            </a:r>
+          </a:p>
+          <a:p>
+            <a:r>
+              <a:rPr lang="en-US" dirty="0">
+                <a:latin typeface="Arial" pitchFamily="-110" charset="0"/>
+                <a:ea typeface="ＭＳ Ｐゴシック" pitchFamily="-110" charset="-128"/>
+                <a:cs typeface="ＭＳ Ｐゴシック" pitchFamily="-110" charset="-128"/>
+              </a:rPr>
+              <a:t>the principals.</a:t>
+            </a:r>
+          </a:p>
+          <a:p>
+            <a:endParaRPr lang="en-US" dirty="0">
+              <a:latin typeface="Arial" pitchFamily="-110" charset="0"/>
+              <a:ea typeface="ＭＳ Ｐゴシック" pitchFamily="-110" charset="-128"/>
+              <a:cs typeface="ＭＳ Ｐゴシック" pitchFamily="-110" charset="-128"/>
+            </a:endParaRPr>
+          </a:p>
+          <a:p>
+            <a:r>
+              <a:rPr lang="en-US" dirty="0">
+                <a:latin typeface="Arial" pitchFamily="-110" charset="0"/>
+                <a:ea typeface="ＭＳ Ｐゴシック" pitchFamily="-110" charset="-128"/>
+                <a:cs typeface="ＭＳ Ｐゴシック" pitchFamily="-110" charset="-128"/>
+              </a:rPr>
+              <a:t>These applications give rise to two distinct and not necessarily compatible</a:t>
+            </a:r>
+          </a:p>
+          <a:p>
+            <a:r>
+              <a:rPr lang="en-US" dirty="0">
+                <a:latin typeface="Arial" pitchFamily="-110" charset="0"/>
+                <a:ea typeface="ＭＳ Ｐゴシック" pitchFamily="-110" charset="-128"/>
+                <a:cs typeface="ＭＳ Ｐゴシック" pitchFamily="-110" charset="-128"/>
+              </a:rPr>
+              <a:t>requirements for a sequence of random numbers: randomness and unpredictability.</a:t>
+            </a:r>
+            <a:endParaRPr lang="en-US" dirty="0">
+              <a:latin typeface="Times New Roman" pitchFamily="-110" charset="0"/>
+              <a:ea typeface="ＭＳ Ｐゴシック" pitchFamily="-110" charset="-128"/>
+              <a:cs typeface="ＭＳ Ｐゴシック" pitchFamily="-110" charset="-128"/>
+            </a:endParaRPr>
           </a:p>
           <a:p>
             <a:endParaRPr lang="en-SE" dirty="0"/>
@@ -7062,7 +7151,382 @@
             <a:fld id="{F8560DBF-F109-8946-ADF0-EE66B221E988}" type="slidenum">
               <a:rPr lang="en-AU" smtClean="0"/>
               <a:pPr/>
-              <a:t>27</a:t>
+              <a:t>28</a:t>
+            </a:fld>
+            <a:endParaRPr lang="en-AU" dirty="0"/>
+          </a:p>
+        </p:txBody>
+      </p:sp>
+    </p:spTree>
+    <p:extLst>
+      <p:ext uri="{BB962C8B-B14F-4D97-AF65-F5344CB8AC3E}">
+        <p14:creationId xmlns:p14="http://schemas.microsoft.com/office/powerpoint/2010/main" val="2470898976"/>
+      </p:ext>
+    </p:extLst>
+  </p:cSld>
+  <p:clrMapOvr>
+    <a:masterClrMapping/>
+  </p:clrMapOvr>
+</p:notes>
+</file>
+
+<file path=ppt/notesSlides/notesSlide26.xml><?xml version="1.0" encoding="utf-8"?>
+<p:notes xmlns:a="http://schemas.openxmlformats.org/drawingml/2006/main" xmlns:r="http://schemas.openxmlformats.org/officeDocument/2006/relationships" xmlns:p="http://schemas.openxmlformats.org/presentationml/2006/main">
+  <p:cSld>
+    <p:spTree>
+      <p:nvGrpSpPr>
+        <p:cNvPr id="1" name=""/>
+        <p:cNvGrpSpPr/>
+        <p:nvPr/>
+      </p:nvGrpSpPr>
+      <p:grpSpPr>
+        <a:xfrm>
+          <a:off x="0" y="0"/>
+          <a:ext cx="0" cy="0"/>
+          <a:chOff x="0" y="0"/>
+          <a:chExt cx="0" cy="0"/>
+        </a:xfrm>
+      </p:grpSpPr>
+      <p:sp>
+        <p:nvSpPr>
+          <p:cNvPr id="2" name="Slide Image Placeholder 1"/>
+          <p:cNvSpPr>
+            <a:spLocks noGrp="1" noRot="1" noChangeAspect="1"/>
+          </p:cNvSpPr>
+          <p:nvPr>
+            <p:ph type="sldImg"/>
+          </p:nvPr>
+        </p:nvSpPr>
+        <p:spPr/>
+      </p:sp>
+      <p:sp>
+        <p:nvSpPr>
+          <p:cNvPr id="3" name="Notes Placeholder 2"/>
+          <p:cNvSpPr>
+            <a:spLocks noGrp="1"/>
+          </p:cNvSpPr>
+          <p:nvPr>
+            <p:ph type="body" idx="1"/>
+          </p:nvPr>
+        </p:nvSpPr>
+        <p:spPr/>
+        <p:txBody>
+          <a:bodyPr/>
+          <a:lstStyle/>
+          <a:p>
+            <a:pPr>
+              <a:defRPr/>
+            </a:pPr>
+            <a:r>
+              <a:rPr lang="en-US" b="0" dirty="0"/>
+              <a:t>Traditionally, the concern in the generation of a sequence of</a:t>
+            </a:r>
+          </a:p>
+          <a:p>
+            <a:pPr>
+              <a:defRPr/>
+            </a:pPr>
+            <a:r>
+              <a:rPr lang="en-US" b="0" dirty="0"/>
+              <a:t>allegedly random numbers has been that the sequence of numbers be random in</a:t>
+            </a:r>
+          </a:p>
+          <a:p>
+            <a:pPr>
+              <a:defRPr/>
+            </a:pPr>
+            <a:r>
+              <a:rPr lang="en-US" b="0" dirty="0"/>
+              <a:t>some well-defined statistical sense. The following two criteria are used to validate</a:t>
+            </a:r>
+          </a:p>
+          <a:p>
+            <a:pPr>
+              <a:defRPr/>
+            </a:pPr>
+            <a:r>
+              <a:rPr lang="en-US" b="0" dirty="0"/>
+              <a:t>that a sequence of numbers is random:</a:t>
+            </a:r>
+          </a:p>
+          <a:p>
+            <a:pPr>
+              <a:defRPr/>
+            </a:pPr>
+            <a:endParaRPr lang="en-US" b="0" dirty="0"/>
+          </a:p>
+          <a:p>
+            <a:pPr>
+              <a:defRPr/>
+            </a:pPr>
+            <a:r>
+              <a:rPr lang="en-US" b="0" dirty="0"/>
+              <a:t>• Uniform distribution: The distribution of numbers in the sequence should be</a:t>
+            </a:r>
+          </a:p>
+          <a:p>
+            <a:pPr>
+              <a:defRPr/>
+            </a:pPr>
+            <a:r>
+              <a:rPr lang="en-US" b="0" dirty="0"/>
+              <a:t>uniform; that is, the frequency of occurrence of each of the numbers should be</a:t>
+            </a:r>
+          </a:p>
+          <a:p>
+            <a:pPr>
+              <a:defRPr/>
+            </a:pPr>
+            <a:r>
+              <a:rPr lang="en-US" b="0" dirty="0"/>
+              <a:t>approximately the same.</a:t>
+            </a:r>
+          </a:p>
+          <a:p>
+            <a:pPr>
+              <a:defRPr/>
+            </a:pPr>
+            <a:endParaRPr lang="en-US" b="0" dirty="0"/>
+          </a:p>
+          <a:p>
+            <a:pPr>
+              <a:defRPr/>
+            </a:pPr>
+            <a:r>
+              <a:rPr lang="en-US" b="0" dirty="0"/>
+              <a:t>• Independence: No one value in the sequence can be inferred from the others.</a:t>
+            </a:r>
+          </a:p>
+          <a:p>
+            <a:pPr>
+              <a:defRPr/>
+            </a:pPr>
+            <a:endParaRPr lang="en-US" b="0" dirty="0"/>
+          </a:p>
+          <a:p>
+            <a:pPr>
+              <a:defRPr/>
+            </a:pPr>
+            <a:r>
+              <a:rPr lang="en-US" b="0" dirty="0"/>
+              <a:t>Although there are well-defined tests for determining that a sequence of numbers</a:t>
+            </a:r>
+          </a:p>
+          <a:p>
+            <a:pPr>
+              <a:defRPr/>
+            </a:pPr>
+            <a:r>
+              <a:rPr lang="en-US" b="0" dirty="0"/>
+              <a:t>matches a particular distribution, such as the uniform distribution, there is no such</a:t>
+            </a:r>
+          </a:p>
+          <a:p>
+            <a:pPr>
+              <a:defRPr/>
+            </a:pPr>
+            <a:r>
+              <a:rPr lang="en-US" b="0" dirty="0"/>
+              <a:t>test to “prove” independence. Rather, a number of tests can be applied to demonstrate</a:t>
+            </a:r>
+          </a:p>
+          <a:p>
+            <a:pPr>
+              <a:defRPr/>
+            </a:pPr>
+            <a:r>
+              <a:rPr lang="en-US" b="0" dirty="0"/>
+              <a:t>if a sequence does not exhibit independence. The general strategy is to apply a number</a:t>
+            </a:r>
+          </a:p>
+          <a:p>
+            <a:pPr>
+              <a:defRPr/>
+            </a:pPr>
+            <a:r>
+              <a:rPr lang="en-US" b="0" dirty="0"/>
+              <a:t>of such tests until the confidence that independence exists is sufficiently strong.</a:t>
+            </a:r>
+          </a:p>
+          <a:p>
+            <a:pPr>
+              <a:defRPr/>
+            </a:pPr>
+            <a:endParaRPr lang="en-US" b="0" dirty="0"/>
+          </a:p>
+          <a:p>
+            <a:pPr>
+              <a:defRPr/>
+            </a:pPr>
+            <a:r>
+              <a:rPr lang="en-US" b="0" dirty="0"/>
+              <a:t>In the context of our discussion, the use of a sequence of numbers that appear</a:t>
+            </a:r>
+          </a:p>
+          <a:p>
+            <a:pPr>
+              <a:defRPr/>
+            </a:pPr>
+            <a:r>
+              <a:rPr lang="en-US" b="0" dirty="0"/>
+              <a:t>statistically random often occurs in the design of algorithms related to cryptography.</a:t>
+            </a:r>
+          </a:p>
+          <a:p>
+            <a:pPr>
+              <a:defRPr/>
+            </a:pPr>
+            <a:r>
+              <a:rPr lang="en-US" b="0" dirty="0"/>
+              <a:t>In essence, if a</a:t>
+            </a:r>
+            <a:r>
+              <a:rPr lang="en-US" b="0" baseline="0" dirty="0"/>
+              <a:t> </a:t>
+            </a:r>
+            <a:r>
+              <a:rPr lang="en-US" b="0" dirty="0"/>
+              <a:t>problem is too hard or time-consuming to solve exactly, a simpler, shorter approach</a:t>
+            </a:r>
+          </a:p>
+          <a:p>
+            <a:pPr>
+              <a:defRPr/>
+            </a:pPr>
+            <a:r>
+              <a:rPr lang="en-US" b="0" dirty="0"/>
+              <a:t>based on randomization is used to provide an answer with any desired level of</a:t>
+            </a:r>
+          </a:p>
+          <a:p>
+            <a:pPr>
+              <a:defRPr/>
+            </a:pPr>
+            <a:r>
+              <a:rPr lang="en-US" b="0" dirty="0"/>
+              <a:t>confidence.</a:t>
+            </a:r>
+          </a:p>
+          <a:p>
+            <a:pPr>
+              <a:defRPr/>
+            </a:pPr>
+            <a:endParaRPr lang="en-US" b="0" i="1" dirty="0"/>
+          </a:p>
+          <a:p>
+            <a:pPr>
+              <a:defRPr/>
+            </a:pPr>
+            <a:r>
+              <a:rPr lang="en-US" b="0" i="1" dirty="0"/>
+              <a:t>UNPREDICTABILITY </a:t>
+            </a:r>
+          </a:p>
+          <a:p>
+            <a:pPr>
+              <a:defRPr/>
+            </a:pPr>
+            <a:r>
+              <a:rPr lang="en-US" b="0" i="1" dirty="0"/>
+              <a:t>In applications such as reciprocal authentication and session key</a:t>
+            </a:r>
+          </a:p>
+          <a:p>
+            <a:pPr>
+              <a:defRPr/>
+            </a:pPr>
+            <a:r>
+              <a:rPr lang="en-US" b="0" dirty="0"/>
+              <a:t>generation, the requirement is not so much that the sequence of numbers be statistically</a:t>
+            </a:r>
+          </a:p>
+          <a:p>
+            <a:pPr>
+              <a:defRPr/>
+            </a:pPr>
+            <a:r>
+              <a:rPr lang="en-US" b="0" dirty="0"/>
+              <a:t>random but that the successive members of the sequence are unpredictable. With</a:t>
+            </a:r>
+          </a:p>
+          <a:p>
+            <a:pPr>
+              <a:defRPr/>
+            </a:pPr>
+            <a:r>
+              <a:rPr lang="en-US" b="0" dirty="0"/>
+              <a:t>“true” random sequences, each number is statistically independent of other numbers</a:t>
+            </a:r>
+          </a:p>
+          <a:p>
+            <a:pPr>
+              <a:defRPr/>
+            </a:pPr>
+            <a:r>
+              <a:rPr lang="en-US" b="0" dirty="0"/>
+              <a:t>in the sequence and therefore unpredictable. However, as is discussed shortly, true</a:t>
+            </a:r>
+          </a:p>
+          <a:p>
+            <a:pPr>
+              <a:defRPr/>
+            </a:pPr>
+            <a:r>
+              <a:rPr lang="en-US" b="0" dirty="0"/>
+              <a:t>random numbers are not always used; rather, sequences of numbers that appear to</a:t>
+            </a:r>
+          </a:p>
+          <a:p>
+            <a:pPr>
+              <a:defRPr/>
+            </a:pPr>
+            <a:r>
+              <a:rPr lang="en-US" b="0" dirty="0"/>
+              <a:t>be random are generated by some algorithm. In this latter case, care must be taken</a:t>
+            </a:r>
+          </a:p>
+          <a:p>
+            <a:pPr>
+              <a:defRPr/>
+            </a:pPr>
+            <a:r>
+              <a:rPr lang="en-US" b="0" dirty="0"/>
+              <a:t>that an opponent not be able to predict future elements of the sequence on the basis</a:t>
+            </a:r>
+          </a:p>
+          <a:p>
+            <a:pPr>
+              <a:defRPr/>
+            </a:pPr>
+            <a:r>
+              <a:rPr lang="en-US" b="0" dirty="0"/>
+              <a:t>of earlier elements.</a:t>
+            </a:r>
+          </a:p>
+          <a:p>
+            <a:endParaRPr lang="en-SE" dirty="0"/>
+          </a:p>
+        </p:txBody>
+      </p:sp>
+      <p:sp>
+        <p:nvSpPr>
+          <p:cNvPr id="4" name="Slide Number Placeholder 3"/>
+          <p:cNvSpPr>
+            <a:spLocks noGrp="1"/>
+          </p:cNvSpPr>
+          <p:nvPr>
+            <p:ph type="sldNum" sz="quarter" idx="5"/>
+          </p:nvPr>
+        </p:nvSpPr>
+        <p:spPr/>
+        <p:txBody>
+          <a:bodyPr/>
+          <a:lstStyle/>
+          <a:p>
+            <a:fld id="{F8560DBF-F109-8946-ADF0-EE66B221E988}" type="slidenum">
+              <a:rPr lang="en-AU" smtClean="0"/>
+              <a:pPr/>
+              <a:t>29</a:t>
             </a:fld>
             <a:endParaRPr lang="en-AU" dirty="0"/>
           </a:p>
@@ -7081,7 +7545,7 @@
 </p:notes>
 </file>
 
-<file path=ppt/notesSlides/notesSlide25.xml><?xml version="1.0" encoding="utf-8"?>
+<file path=ppt/notesSlides/notesSlide27.xml><?xml version="1.0" encoding="utf-8"?>
 <p:notes xmlns:a="http://schemas.openxmlformats.org/drawingml/2006/main" xmlns:r="http://schemas.openxmlformats.org/officeDocument/2006/relationships" xmlns:p="http://schemas.openxmlformats.org/presentationml/2006/main">
   <p:cSld>
     <p:spTree>
@@ -7120,7 +7584,7 @@
                 <a:latin typeface="Arial" pitchFamily="-110" charset="0"/>
               </a:rPr>
               <a:pPr/>
-              <a:t>28</a:t>
+              <a:t>30</a:t>
             </a:fld>
             <a:endParaRPr lang="en-AU">
               <a:latin typeface="Arial" pitchFamily="-110" charset="0"/>
@@ -14323,30 +14787,6 @@
           <a:chExt cx="0" cy="0"/>
         </a:xfrm>
       </p:grpSpPr>
-      <p:pic>
-        <p:nvPicPr>
-          <p:cNvPr id="3" name="Picture 2"/>
-          <p:cNvPicPr>
-            <a:picLocks noChangeAspect="1"/>
-          </p:cNvPicPr>
-          <p:nvPr/>
-        </p:nvPicPr>
-        <p:blipFill>
-          <a:blip r:embed="rId3"/>
-          <a:stretch>
-            <a:fillRect/>
-          </a:stretch>
-        </p:blipFill>
-        <p:spPr>
-          <a:xfrm>
-            <a:off x="-455918" y="2492896"/>
-            <a:ext cx="10055835" cy="2755888"/>
-          </a:xfrm>
-          <a:prstGeom prst="rect">
-            <a:avLst/>
-          </a:prstGeom>
-        </p:spPr>
-      </p:pic>
       <p:sp>
         <p:nvSpPr>
           <p:cNvPr id="4" name="Title 3">
@@ -14370,7 +14810,7 @@
           <a:p>
             <a:r>
               <a:rPr lang="en-US" dirty="0"/>
-              <a:t>Public-Key Cryptosystems</a:t>
+              <a:t>Public-Key Crypto Algorithms and Protocols</a:t>
             </a:r>
             <a:endParaRPr lang="en-SE" dirty="0"/>
           </a:p>
@@ -14394,10 +14834,60 @@
         </p:nvSpPr>
         <p:spPr/>
         <p:txBody>
-          <a:bodyPr/>
+          <a:bodyPr>
+            <a:normAutofit/>
+          </a:bodyPr>
           <a:lstStyle/>
           <a:p>
-            <a:endParaRPr lang="en-SE" dirty="0"/>
+            <a:r>
+              <a:rPr lang="en-US" dirty="0"/>
+              <a:t>RSA (</a:t>
+            </a:r>
+            <a:r>
+              <a:rPr lang="en-US" dirty="0" err="1"/>
+              <a:t>Rivest</a:t>
+            </a:r>
+            <a:r>
+              <a:rPr lang="en-US" dirty="0"/>
+              <a:t>-Shamir-Adelman)</a:t>
+            </a:r>
+          </a:p>
+          <a:p>
+            <a:pPr lvl="1"/>
+            <a:r>
+              <a:rPr lang="en-US" dirty="0"/>
+              <a:t>Key generation, encryption, decryption</a:t>
+            </a:r>
+          </a:p>
+          <a:p>
+            <a:r>
+              <a:rPr lang="en-US" dirty="0"/>
+              <a:t>Elliptic Curve Cryptography (ECC)</a:t>
+            </a:r>
+          </a:p>
+          <a:p>
+            <a:pPr lvl="1"/>
+            <a:r>
+              <a:rPr lang="en-US" dirty="0"/>
+              <a:t>Lightweight public key algorithm for embedded and IoT devices</a:t>
+            </a:r>
+          </a:p>
+          <a:p>
+            <a:r>
+              <a:rPr lang="en-US" dirty="0"/>
+              <a:t>Diffie-Hellman</a:t>
+            </a:r>
+          </a:p>
+          <a:p>
+            <a:pPr lvl="1"/>
+            <a:r>
+              <a:rPr lang="en-US" dirty="0"/>
+              <a:t>Key exchange protocol used to establish a shared secret between two parties, e.g., a secret key for symmetric encryption </a:t>
+            </a:r>
+          </a:p>
+          <a:p>
+            <a:pPr lvl="1"/>
+            <a:endParaRPr lang="en-US" dirty="0"/>
           </a:p>
         </p:txBody>
       </p:sp>
@@ -14453,8 +14943,8 @@
         </p:nvSpPr>
         <p:spPr>
           <a:xfrm>
-            <a:off x="27285" y="5017951"/>
-            <a:ext cx="4790094" cy="461665"/>
+            <a:off x="27285" y="7240290"/>
+            <a:ext cx="184731" cy="461665"/>
           </a:xfrm>
           <a:prstGeom prst="rect">
             <a:avLst/>
@@ -14467,10 +14957,6 @@
           </a:bodyPr>
           <a:lstStyle/>
           <a:p>
-            <a:r>
-              <a:rPr lang="en-US" altLang="zh-CN" sz="2400" dirty="0"/>
-              <a:t>(DSS: Digital Signature Standard)</a:t>
-            </a:r>
             <a:endParaRPr lang="zh-CN" altLang="en-US" sz="2400" dirty="0"/>
           </a:p>
         </p:txBody>
@@ -14505,9 +14991,15 @@
       </p:grpSpPr>
       <p:sp>
         <p:nvSpPr>
-          <p:cNvPr id="243714" name="Rectangle 2"/>
+          <p:cNvPr id="2" name="Title 1">
+            <a:extLst>
+              <a:ext uri="{FF2B5EF4-FFF2-40B4-BE49-F238E27FC236}">
+                <a16:creationId xmlns:a16="http://schemas.microsoft.com/office/drawing/2014/main" id="{2237A1AE-8A26-4C74-B778-1F8D399AB692}"/>
+              </a:ext>
+            </a:extLst>
+          </p:cNvPr>
           <p:cNvSpPr>
-            <a:spLocks noGrp="1" noChangeArrowheads="1"/>
+            <a:spLocks noGrp="1"/>
           </p:cNvSpPr>
           <p:nvPr>
             <p:ph type="title"/>
@@ -14515,27 +15007,854 @@
         </p:nvSpPr>
         <p:spPr/>
         <p:txBody>
-          <a:bodyPr>
-            <a:normAutofit/>
-          </a:bodyPr>
+          <a:bodyPr/>
           <a:lstStyle/>
           <a:p>
-            <a:pPr eaLnBrk="1" fontAlgn="auto" hangingPunct="1">
-              <a:spcAft>
-                <a:spcPts val="0"/>
-              </a:spcAft>
-              <a:defRPr/>
-            </a:pPr>
-            <a:r>
-              <a:rPr lang="en-US" altLang="en-US" dirty="0"/>
-              <a:t>Requirements for Public-Key Crypto</a:t>
-            </a:r>
+            <a:r>
+              <a:rPr lang="en-US" dirty="0"/>
+              <a:t>Diffie-Hellman</a:t>
+            </a:r>
+            <a:endParaRPr lang="en-SE" dirty="0"/>
           </a:p>
         </p:txBody>
       </p:sp>
+      <mc:AlternateContent xmlns:mc="http://schemas.openxmlformats.org/markup-compatibility/2006">
+        <mc:Choice xmlns:a14="http://schemas.microsoft.com/office/drawing/2010/main" Requires="a14">
+          <p:sp>
+            <p:nvSpPr>
+              <p:cNvPr id="3" name="Content Placeholder 2">
+                <a:extLst>
+                  <a:ext uri="{FF2B5EF4-FFF2-40B4-BE49-F238E27FC236}">
+                    <a16:creationId xmlns:a16="http://schemas.microsoft.com/office/drawing/2014/main" id="{A117534F-EF67-47AE-8880-60896F685211}"/>
+                  </a:ext>
+                </a:extLst>
+              </p:cNvPr>
+              <p:cNvSpPr>
+                <a:spLocks noGrp="1"/>
+              </p:cNvSpPr>
+              <p:nvPr>
+                <p:ph idx="1"/>
+              </p:nvPr>
+            </p:nvSpPr>
+            <p:spPr>
+              <a:xfrm>
+                <a:off x="323528" y="1196753"/>
+                <a:ext cx="8568952" cy="5591168"/>
+              </a:xfrm>
+            </p:spPr>
+            <p:txBody>
+              <a:bodyPr>
+                <a:normAutofit fontScale="77500" lnSpcReduction="20000"/>
+              </a:bodyPr>
+              <a:lstStyle/>
+              <a:p>
+                <a:r>
+                  <a:rPr lang="en-US" dirty="0"/>
+                  <a:t>Alice and Bob agree on:</a:t>
+                </a:r>
+              </a:p>
+              <a:p>
+                <a:pPr lvl="1"/>
+                <a:r>
+                  <a:rPr lang="en-US" dirty="0"/>
+                  <a:t>A sufficiently large prime number </a:t>
+                </a:r>
+                <a14:m>
+                  <m:oMath xmlns:m="http://schemas.openxmlformats.org/officeDocument/2006/math">
+                    <m:r>
+                      <a:rPr lang="en-US" b="0" i="1" smtClean="0">
+                        <a:latin typeface="Cambria Math" panose="02040503050406030204" pitchFamily="18" charset="0"/>
+                      </a:rPr>
+                      <m:t>𝑝</m:t>
+                    </m:r>
+                  </m:oMath>
+                </a14:m>
+                <a:endParaRPr lang="en-US" dirty="0"/>
+              </a:p>
+              <a:p>
+                <a:pPr lvl="1"/>
+                <a:r>
+                  <a:rPr lang="en-US" dirty="0"/>
+                  <a:t>A base number </a:t>
+                </a:r>
+                <a14:m>
+                  <m:oMath xmlns:m="http://schemas.openxmlformats.org/officeDocument/2006/math">
+                    <m:r>
+                      <a:rPr lang="en-US" b="0" i="1" smtClean="0">
+                        <a:latin typeface="Cambria Math" panose="02040503050406030204" pitchFamily="18" charset="0"/>
+                      </a:rPr>
+                      <m:t>𝑔</m:t>
+                    </m:r>
+                    <m:r>
+                      <a:rPr lang="en-US" b="0" i="1" smtClean="0">
+                        <a:latin typeface="Cambria Math" panose="02040503050406030204" pitchFamily="18" charset="0"/>
+                      </a:rPr>
+                      <m:t>&lt;</m:t>
+                    </m:r>
+                    <m:r>
+                      <a:rPr lang="en-US" b="0" i="1" smtClean="0">
+                        <a:latin typeface="Cambria Math" panose="02040503050406030204" pitchFamily="18" charset="0"/>
+                      </a:rPr>
+                      <m:t>𝑝</m:t>
+                    </m:r>
+                  </m:oMath>
+                </a14:m>
+                <a:endParaRPr lang="en-US" dirty="0"/>
+              </a:p>
+              <a:p>
+                <a:r>
+                  <a:rPr lang="en-US" dirty="0"/>
+                  <a:t>Alice chooses a secret number </a:t>
+                </a:r>
+                <a14:m>
+                  <m:oMath xmlns:m="http://schemas.openxmlformats.org/officeDocument/2006/math">
+                    <m:r>
+                      <a:rPr lang="en-US" b="0" i="1" smtClean="0">
+                        <a:latin typeface="Cambria Math" panose="02040503050406030204" pitchFamily="18" charset="0"/>
+                      </a:rPr>
+                      <m:t>𝑎</m:t>
+                    </m:r>
+                  </m:oMath>
+                </a14:m>
+                <a:r>
+                  <a:rPr lang="en-US" dirty="0"/>
+                  <a:t> and sends to Bob </a:t>
+                </a:r>
+              </a:p>
+              <a:p>
+                <a:pPr lvl="1"/>
+                <a14:m>
+                  <m:oMath xmlns:m="http://schemas.openxmlformats.org/officeDocument/2006/math">
+                    <m:r>
+                      <a:rPr lang="en-US" b="0" i="1" smtClean="0">
+                        <a:latin typeface="Cambria Math" panose="02040503050406030204" pitchFamily="18" charset="0"/>
+                      </a:rPr>
+                      <m:t>𝐴</m:t>
+                    </m:r>
+                    <m:r>
+                      <a:rPr lang="en-US" b="0" i="1" smtClean="0">
+                        <a:latin typeface="Cambria Math" panose="02040503050406030204" pitchFamily="18" charset="0"/>
+                      </a:rPr>
+                      <m:t>=</m:t>
+                    </m:r>
+                    <m:sSup>
+                      <m:sSupPr>
+                        <m:ctrlPr>
+                          <a:rPr lang="en-US" b="0" i="1" smtClean="0">
+                            <a:latin typeface="Cambria Math" panose="02040503050406030204" pitchFamily="18" charset="0"/>
+                          </a:rPr>
+                        </m:ctrlPr>
+                      </m:sSupPr>
+                      <m:e>
+                        <m:r>
+                          <a:rPr lang="en-US" b="0" i="1" smtClean="0">
+                            <a:latin typeface="Cambria Math" panose="02040503050406030204" pitchFamily="18" charset="0"/>
+                          </a:rPr>
+                          <m:t>𝑔</m:t>
+                        </m:r>
+                      </m:e>
+                      <m:sup>
+                        <m:r>
+                          <a:rPr lang="en-US" b="0" i="1" smtClean="0">
+                            <a:latin typeface="Cambria Math" panose="02040503050406030204" pitchFamily="18" charset="0"/>
+                          </a:rPr>
+                          <m:t>𝑎</m:t>
+                        </m:r>
+                      </m:sup>
+                    </m:sSup>
+                    <m:r>
+                      <a:rPr lang="en-US" b="0" i="1" smtClean="0">
+                        <a:latin typeface="Cambria Math" panose="02040503050406030204" pitchFamily="18" charset="0"/>
+                      </a:rPr>
+                      <m:t> </m:t>
+                    </m:r>
+                    <m:r>
+                      <m:rPr>
+                        <m:sty m:val="p"/>
+                      </m:rPr>
+                      <a:rPr lang="en-US" b="0" i="0" smtClean="0">
+                        <a:latin typeface="Cambria Math" panose="02040503050406030204" pitchFamily="18" charset="0"/>
+                      </a:rPr>
+                      <m:t>mod</m:t>
+                    </m:r>
+                    <m:r>
+                      <a:rPr lang="en-US" b="0" i="1" smtClean="0">
+                        <a:latin typeface="Cambria Math" panose="02040503050406030204" pitchFamily="18" charset="0"/>
+                      </a:rPr>
+                      <m:t> </m:t>
+                    </m:r>
+                    <m:r>
+                      <a:rPr lang="en-US" b="0" i="1" smtClean="0">
+                        <a:latin typeface="Cambria Math" panose="02040503050406030204" pitchFamily="18" charset="0"/>
+                      </a:rPr>
+                      <m:t>𝑝</m:t>
+                    </m:r>
+                    <m:r>
+                      <a:rPr lang="en-US" b="0" i="1" smtClean="0">
+                        <a:latin typeface="Cambria Math" panose="02040503050406030204" pitchFamily="18" charset="0"/>
+                      </a:rPr>
+                      <m:t> </m:t>
+                    </m:r>
+                  </m:oMath>
+                </a14:m>
+                <a:endParaRPr lang="en-US" dirty="0"/>
+              </a:p>
+              <a:p>
+                <a:r>
+                  <a:rPr lang="en-US" dirty="0"/>
+                  <a:t>Bob chooses a secret number </a:t>
+                </a:r>
+                <a14:m>
+                  <m:oMath xmlns:m="http://schemas.openxmlformats.org/officeDocument/2006/math">
+                    <m:r>
+                      <a:rPr lang="en-US" b="0" i="1" smtClean="0">
+                        <a:latin typeface="Cambria Math" panose="02040503050406030204" pitchFamily="18" charset="0"/>
+                      </a:rPr>
+                      <m:t>𝑏</m:t>
+                    </m:r>
+                  </m:oMath>
+                </a14:m>
+                <a:r>
+                  <a:rPr lang="en-US" dirty="0"/>
+                  <a:t> and sends to Alice </a:t>
+                </a:r>
+              </a:p>
+              <a:p>
+                <a:pPr lvl="1"/>
+                <a14:m>
+                  <m:oMath xmlns:m="http://schemas.openxmlformats.org/officeDocument/2006/math">
+                    <m:r>
+                      <a:rPr lang="en-US" b="0" i="1" smtClean="0">
+                        <a:latin typeface="Cambria Math" panose="02040503050406030204" pitchFamily="18" charset="0"/>
+                      </a:rPr>
+                      <m:t>𝐵</m:t>
+                    </m:r>
+                    <m:r>
+                      <a:rPr lang="en-US" i="1">
+                        <a:latin typeface="Cambria Math" panose="02040503050406030204" pitchFamily="18" charset="0"/>
+                      </a:rPr>
+                      <m:t>=</m:t>
+                    </m:r>
+                    <m:sSup>
+                      <m:sSupPr>
+                        <m:ctrlPr>
+                          <a:rPr lang="en-US" i="1">
+                            <a:latin typeface="Cambria Math" panose="02040503050406030204" pitchFamily="18" charset="0"/>
+                          </a:rPr>
+                        </m:ctrlPr>
+                      </m:sSupPr>
+                      <m:e>
+                        <m:r>
+                          <a:rPr lang="en-US" i="1">
+                            <a:latin typeface="Cambria Math" panose="02040503050406030204" pitchFamily="18" charset="0"/>
+                          </a:rPr>
+                          <m:t>𝑔</m:t>
+                        </m:r>
+                      </m:e>
+                      <m:sup>
+                        <m:r>
+                          <a:rPr lang="en-US" b="0" i="1" smtClean="0">
+                            <a:latin typeface="Cambria Math" panose="02040503050406030204" pitchFamily="18" charset="0"/>
+                          </a:rPr>
+                          <m:t>𝑏</m:t>
+                        </m:r>
+                      </m:sup>
+                    </m:sSup>
+                    <m:r>
+                      <a:rPr lang="en-US" i="1">
+                        <a:latin typeface="Cambria Math" panose="02040503050406030204" pitchFamily="18" charset="0"/>
+                      </a:rPr>
+                      <m:t> </m:t>
+                    </m:r>
+                    <m:r>
+                      <m:rPr>
+                        <m:sty m:val="p"/>
+                      </m:rPr>
+                      <a:rPr lang="en-US">
+                        <a:latin typeface="Cambria Math" panose="02040503050406030204" pitchFamily="18" charset="0"/>
+                      </a:rPr>
+                      <m:t>mod</m:t>
+                    </m:r>
+                    <m:r>
+                      <a:rPr lang="en-US" i="1">
+                        <a:latin typeface="Cambria Math" panose="02040503050406030204" pitchFamily="18" charset="0"/>
+                      </a:rPr>
+                      <m:t> </m:t>
+                    </m:r>
+                    <m:r>
+                      <a:rPr lang="en-US" i="1">
+                        <a:latin typeface="Cambria Math" panose="02040503050406030204" pitchFamily="18" charset="0"/>
+                      </a:rPr>
+                      <m:t>𝑝</m:t>
+                    </m:r>
+                    <m:r>
+                      <a:rPr lang="en-US" i="1">
+                        <a:latin typeface="Cambria Math" panose="02040503050406030204" pitchFamily="18" charset="0"/>
+                      </a:rPr>
+                      <m:t> </m:t>
+                    </m:r>
+                  </m:oMath>
+                </a14:m>
+                <a:endParaRPr lang="en-US" dirty="0"/>
+              </a:p>
+              <a:p>
+                <a:r>
+                  <a:rPr lang="en-US" dirty="0"/>
+                  <a:t>Alice computes </a:t>
+                </a:r>
+                <a14:m>
+                  <m:oMath xmlns:m="http://schemas.openxmlformats.org/officeDocument/2006/math">
+                    <m:sSub>
+                      <m:sSubPr>
+                        <m:ctrlPr>
+                          <a:rPr lang="en-US" i="1">
+                            <a:latin typeface="Cambria Math" panose="02040503050406030204" pitchFamily="18" charset="0"/>
+                          </a:rPr>
+                        </m:ctrlPr>
+                      </m:sSubPr>
+                      <m:e>
+                        <m:r>
+                          <a:rPr lang="en-US" i="1">
+                            <a:latin typeface="Cambria Math" panose="02040503050406030204" pitchFamily="18" charset="0"/>
+                          </a:rPr>
+                          <m:t>𝑆</m:t>
+                        </m:r>
+                      </m:e>
+                      <m:sub>
+                        <m:r>
+                          <a:rPr lang="en-US" i="1">
+                            <a:latin typeface="Cambria Math" panose="02040503050406030204" pitchFamily="18" charset="0"/>
+                          </a:rPr>
+                          <m:t>1</m:t>
+                        </m:r>
+                      </m:sub>
+                    </m:sSub>
+                    <m:r>
+                      <a:rPr lang="en-US" i="1">
+                        <a:latin typeface="Cambria Math" panose="02040503050406030204" pitchFamily="18" charset="0"/>
+                      </a:rPr>
+                      <m:t>=</m:t>
+                    </m:r>
+                    <m:sSup>
+                      <m:sSupPr>
+                        <m:ctrlPr>
+                          <a:rPr lang="en-US" i="1">
+                            <a:latin typeface="Cambria Math" panose="02040503050406030204" pitchFamily="18" charset="0"/>
+                          </a:rPr>
+                        </m:ctrlPr>
+                      </m:sSupPr>
+                      <m:e>
+                        <m:r>
+                          <a:rPr lang="en-US" i="1">
+                            <a:latin typeface="Cambria Math" panose="02040503050406030204" pitchFamily="18" charset="0"/>
+                          </a:rPr>
+                          <m:t>𝐵</m:t>
+                        </m:r>
+                      </m:e>
+                      <m:sup>
+                        <m:r>
+                          <a:rPr lang="en-US" i="1">
+                            <a:latin typeface="Cambria Math" panose="02040503050406030204" pitchFamily="18" charset="0"/>
+                          </a:rPr>
+                          <m:t>𝑎</m:t>
+                        </m:r>
+                      </m:sup>
+                    </m:sSup>
+                    <m:r>
+                      <a:rPr lang="en-US" i="1">
+                        <a:latin typeface="Cambria Math" panose="02040503050406030204" pitchFamily="18" charset="0"/>
+                      </a:rPr>
+                      <m:t> </m:t>
+                    </m:r>
+                    <m:r>
+                      <m:rPr>
+                        <m:sty m:val="p"/>
+                      </m:rPr>
+                      <a:rPr lang="en-US">
+                        <a:latin typeface="Cambria Math" panose="02040503050406030204" pitchFamily="18" charset="0"/>
+                      </a:rPr>
+                      <m:t>mod</m:t>
+                    </m:r>
+                    <m:r>
+                      <a:rPr lang="en-US" i="1">
+                        <a:latin typeface="Cambria Math" panose="02040503050406030204" pitchFamily="18" charset="0"/>
+                      </a:rPr>
+                      <m:t> </m:t>
+                    </m:r>
+                    <m:r>
+                      <a:rPr lang="en-US" i="1">
+                        <a:latin typeface="Cambria Math" panose="02040503050406030204" pitchFamily="18" charset="0"/>
+                      </a:rPr>
+                      <m:t>𝑝</m:t>
+                    </m:r>
+                  </m:oMath>
+                </a14:m>
+                <a:endParaRPr lang="en-US" dirty="0"/>
+              </a:p>
+              <a:p>
+                <a:r>
+                  <a:rPr lang="en-US" dirty="0"/>
+                  <a:t>Bob also computes </a:t>
+                </a:r>
+                <a14:m>
+                  <m:oMath xmlns:m="http://schemas.openxmlformats.org/officeDocument/2006/math">
+                    <m:sSub>
+                      <m:sSubPr>
+                        <m:ctrlPr>
+                          <a:rPr lang="en-US" i="1">
+                            <a:latin typeface="Cambria Math" panose="02040503050406030204" pitchFamily="18" charset="0"/>
+                          </a:rPr>
+                        </m:ctrlPr>
+                      </m:sSubPr>
+                      <m:e>
+                        <m:r>
+                          <a:rPr lang="en-US" i="1">
+                            <a:latin typeface="Cambria Math" panose="02040503050406030204" pitchFamily="18" charset="0"/>
+                          </a:rPr>
+                          <m:t>𝑆</m:t>
+                        </m:r>
+                      </m:e>
+                      <m:sub>
+                        <m:r>
+                          <a:rPr lang="en-US" i="1">
+                            <a:latin typeface="Cambria Math" panose="02040503050406030204" pitchFamily="18" charset="0"/>
+                          </a:rPr>
+                          <m:t>2</m:t>
+                        </m:r>
+                      </m:sub>
+                    </m:sSub>
+                    <m:r>
+                      <a:rPr lang="en-US" i="1">
+                        <a:latin typeface="Cambria Math" panose="02040503050406030204" pitchFamily="18" charset="0"/>
+                      </a:rPr>
+                      <m:t>=</m:t>
+                    </m:r>
+                    <m:sSup>
+                      <m:sSupPr>
+                        <m:ctrlPr>
+                          <a:rPr lang="en-US" i="1">
+                            <a:latin typeface="Cambria Math" panose="02040503050406030204" pitchFamily="18" charset="0"/>
+                          </a:rPr>
+                        </m:ctrlPr>
+                      </m:sSupPr>
+                      <m:e>
+                        <m:r>
+                          <a:rPr lang="en-US" i="1">
+                            <a:latin typeface="Cambria Math" panose="02040503050406030204" pitchFamily="18" charset="0"/>
+                          </a:rPr>
+                          <m:t>𝐴</m:t>
+                        </m:r>
+                      </m:e>
+                      <m:sup>
+                        <m:r>
+                          <a:rPr lang="en-US" i="1">
+                            <a:latin typeface="Cambria Math" panose="02040503050406030204" pitchFamily="18" charset="0"/>
+                          </a:rPr>
+                          <m:t>𝑏</m:t>
+                        </m:r>
+                      </m:sup>
+                    </m:sSup>
+                    <m:r>
+                      <a:rPr lang="en-US" i="1">
+                        <a:latin typeface="Cambria Math" panose="02040503050406030204" pitchFamily="18" charset="0"/>
+                      </a:rPr>
+                      <m:t> </m:t>
+                    </m:r>
+                    <m:r>
+                      <m:rPr>
+                        <m:sty m:val="p"/>
+                      </m:rPr>
+                      <a:rPr lang="en-US">
+                        <a:latin typeface="Cambria Math" panose="02040503050406030204" pitchFamily="18" charset="0"/>
+                      </a:rPr>
+                      <m:t>mod</m:t>
+                    </m:r>
+                    <m:r>
+                      <a:rPr lang="en-US" i="1">
+                        <a:latin typeface="Cambria Math" panose="02040503050406030204" pitchFamily="18" charset="0"/>
+                      </a:rPr>
+                      <m:t> </m:t>
+                    </m:r>
+                    <m:r>
+                      <a:rPr lang="en-US" i="1">
+                        <a:latin typeface="Cambria Math" panose="02040503050406030204" pitchFamily="18" charset="0"/>
+                      </a:rPr>
+                      <m:t>𝑝</m:t>
+                    </m:r>
+                  </m:oMath>
+                </a14:m>
+                <a:endParaRPr lang="en-US" dirty="0"/>
+              </a:p>
+              <a:p>
+                <a:r>
+                  <a:rPr lang="en-US" dirty="0"/>
+                  <a:t>We can easily show that </a:t>
+                </a:r>
+                <a14:m>
+                  <m:oMath xmlns:m="http://schemas.openxmlformats.org/officeDocument/2006/math">
+                    <m:sSub>
+                      <m:sSubPr>
+                        <m:ctrlPr>
+                          <a:rPr lang="en-US" i="1">
+                            <a:latin typeface="Cambria Math" panose="02040503050406030204" pitchFamily="18" charset="0"/>
+                          </a:rPr>
+                        </m:ctrlPr>
+                      </m:sSubPr>
+                      <m:e>
+                        <m:r>
+                          <a:rPr lang="en-US" i="1">
+                            <a:latin typeface="Cambria Math" panose="02040503050406030204" pitchFamily="18" charset="0"/>
+                          </a:rPr>
+                          <m:t>𝑆</m:t>
+                        </m:r>
+                      </m:e>
+                      <m:sub>
+                        <m:r>
+                          <a:rPr lang="en-US" i="1">
+                            <a:latin typeface="Cambria Math" panose="02040503050406030204" pitchFamily="18" charset="0"/>
+                          </a:rPr>
+                          <m:t>1</m:t>
+                        </m:r>
+                      </m:sub>
+                    </m:sSub>
+                    <m:r>
+                      <a:rPr lang="en-US" i="1">
+                        <a:latin typeface="Cambria Math" panose="02040503050406030204" pitchFamily="18" charset="0"/>
+                      </a:rPr>
+                      <m:t>=</m:t>
+                    </m:r>
+                    <m:sSub>
+                      <m:sSubPr>
+                        <m:ctrlPr>
+                          <a:rPr lang="en-US" i="1">
+                            <a:latin typeface="Cambria Math" panose="02040503050406030204" pitchFamily="18" charset="0"/>
+                          </a:rPr>
+                        </m:ctrlPr>
+                      </m:sSubPr>
+                      <m:e>
+                        <m:r>
+                          <a:rPr lang="en-US" i="1">
+                            <a:latin typeface="Cambria Math" panose="02040503050406030204" pitchFamily="18" charset="0"/>
+                          </a:rPr>
+                          <m:t>𝑆</m:t>
+                        </m:r>
+                      </m:e>
+                      <m:sub>
+                        <m:r>
+                          <a:rPr lang="en-US" i="1">
+                            <a:latin typeface="Cambria Math" panose="02040503050406030204" pitchFamily="18" charset="0"/>
+                          </a:rPr>
+                          <m:t>2</m:t>
+                        </m:r>
+                      </m:sub>
+                    </m:sSub>
+                  </m:oMath>
+                </a14:m>
+                <a:r>
+                  <a:rPr lang="en-US" dirty="0"/>
+                  <a:t>, and this is their shared secret key</a:t>
+                </a:r>
+              </a:p>
+              <a:p>
+                <a:pPr lvl="1"/>
+                <a14:m>
+                  <m:oMath xmlns:m="http://schemas.openxmlformats.org/officeDocument/2006/math">
+                    <m:sSub>
+                      <m:sSubPr>
+                        <m:ctrlPr>
+                          <a:rPr lang="en-US" i="1">
+                            <a:latin typeface="Cambria Math" panose="02040503050406030204" pitchFamily="18" charset="0"/>
+                          </a:rPr>
+                        </m:ctrlPr>
+                      </m:sSubPr>
+                      <m:e>
+                        <m:r>
+                          <a:rPr lang="en-US" i="1">
+                            <a:latin typeface="Cambria Math" panose="02040503050406030204" pitchFamily="18" charset="0"/>
+                          </a:rPr>
+                          <m:t>𝑆</m:t>
+                        </m:r>
+                      </m:e>
+                      <m:sub>
+                        <m:r>
+                          <a:rPr lang="en-US" i="1">
+                            <a:latin typeface="Cambria Math" panose="02040503050406030204" pitchFamily="18" charset="0"/>
+                          </a:rPr>
+                          <m:t>1</m:t>
+                        </m:r>
+                      </m:sub>
+                    </m:sSub>
+                    <m:r>
+                      <a:rPr lang="en-US" i="1">
+                        <a:latin typeface="Cambria Math" panose="02040503050406030204" pitchFamily="18" charset="0"/>
+                      </a:rPr>
+                      <m:t>=</m:t>
+                    </m:r>
+                    <m:sSup>
+                      <m:sSupPr>
+                        <m:ctrlPr>
+                          <a:rPr lang="en-US" i="1">
+                            <a:latin typeface="Cambria Math" panose="02040503050406030204" pitchFamily="18" charset="0"/>
+                          </a:rPr>
+                        </m:ctrlPr>
+                      </m:sSupPr>
+                      <m:e>
+                        <m:r>
+                          <a:rPr lang="en-US" i="1">
+                            <a:latin typeface="Cambria Math" panose="02040503050406030204" pitchFamily="18" charset="0"/>
+                          </a:rPr>
+                          <m:t>𝐵</m:t>
+                        </m:r>
+                      </m:e>
+                      <m:sup>
+                        <m:r>
+                          <a:rPr lang="en-US" i="1">
+                            <a:latin typeface="Cambria Math" panose="02040503050406030204" pitchFamily="18" charset="0"/>
+                          </a:rPr>
+                          <m:t>𝑎</m:t>
+                        </m:r>
+                      </m:sup>
+                    </m:sSup>
+                    <m:r>
+                      <a:rPr lang="en-US" i="1">
+                        <a:latin typeface="Cambria Math" panose="02040503050406030204" pitchFamily="18" charset="0"/>
+                      </a:rPr>
+                      <m:t> </m:t>
+                    </m:r>
+                    <m:r>
+                      <m:rPr>
+                        <m:sty m:val="p"/>
+                      </m:rPr>
+                      <a:rPr lang="en-US">
+                        <a:latin typeface="Cambria Math" panose="02040503050406030204" pitchFamily="18" charset="0"/>
+                      </a:rPr>
+                      <m:t>mod</m:t>
+                    </m:r>
+                    <m:r>
+                      <a:rPr lang="en-US" i="1">
+                        <a:latin typeface="Cambria Math" panose="02040503050406030204" pitchFamily="18" charset="0"/>
+                      </a:rPr>
+                      <m:t> </m:t>
+                    </m:r>
+                    <m:r>
+                      <a:rPr lang="en-US" i="1">
+                        <a:latin typeface="Cambria Math" panose="02040503050406030204" pitchFamily="18" charset="0"/>
+                      </a:rPr>
+                      <m:t>𝑝</m:t>
+                    </m:r>
+                    <m:r>
+                      <a:rPr lang="en-US" i="1">
+                        <a:latin typeface="Cambria Math" panose="02040503050406030204" pitchFamily="18" charset="0"/>
+                      </a:rPr>
+                      <m:t>=</m:t>
+                    </m:r>
+                    <m:sSup>
+                      <m:sSupPr>
+                        <m:ctrlPr>
+                          <a:rPr lang="en-US" i="1">
+                            <a:latin typeface="Cambria Math" panose="02040503050406030204" pitchFamily="18" charset="0"/>
+                          </a:rPr>
+                        </m:ctrlPr>
+                      </m:sSupPr>
+                      <m:e>
+                        <m:r>
+                          <a:rPr lang="en-US" i="1">
+                            <a:latin typeface="Cambria Math" panose="02040503050406030204" pitchFamily="18" charset="0"/>
+                          </a:rPr>
+                          <m:t>𝑔</m:t>
+                        </m:r>
+                      </m:e>
+                      <m:sup>
+                        <m:r>
+                          <a:rPr lang="en-US" i="1">
+                            <a:latin typeface="Cambria Math" panose="02040503050406030204" pitchFamily="18" charset="0"/>
+                          </a:rPr>
+                          <m:t>𝑎</m:t>
+                        </m:r>
+                        <m:r>
+                          <a:rPr lang="en-US" i="1">
+                            <a:latin typeface="Cambria Math" panose="02040503050406030204" pitchFamily="18" charset="0"/>
+                          </a:rPr>
+                          <m:t>𝑏</m:t>
+                        </m:r>
+                      </m:sup>
+                    </m:sSup>
+                    <m:r>
+                      <a:rPr lang="en-US" i="1">
+                        <a:latin typeface="Cambria Math" panose="02040503050406030204" pitchFamily="18" charset="0"/>
+                      </a:rPr>
+                      <m:t> </m:t>
+                    </m:r>
+                    <m:r>
+                      <m:rPr>
+                        <m:sty m:val="p"/>
+                      </m:rPr>
+                      <a:rPr lang="en-US">
+                        <a:latin typeface="Cambria Math" panose="02040503050406030204" pitchFamily="18" charset="0"/>
+                      </a:rPr>
+                      <m:t>mod</m:t>
+                    </m:r>
+                    <m:r>
+                      <a:rPr lang="en-US" i="1">
+                        <a:latin typeface="Cambria Math" panose="02040503050406030204" pitchFamily="18" charset="0"/>
+                      </a:rPr>
+                      <m:t> </m:t>
+                    </m:r>
+                    <m:r>
+                      <a:rPr lang="en-US" i="1">
+                        <a:latin typeface="Cambria Math" panose="02040503050406030204" pitchFamily="18" charset="0"/>
+                      </a:rPr>
+                      <m:t>𝑝</m:t>
+                    </m:r>
+                    <m:r>
+                      <a:rPr lang="en-US" i="1">
+                        <a:latin typeface="Cambria Math" panose="02040503050406030204" pitchFamily="18" charset="0"/>
+                      </a:rPr>
+                      <m:t>=</m:t>
+                    </m:r>
+                    <m:sSup>
+                      <m:sSupPr>
+                        <m:ctrlPr>
+                          <a:rPr lang="en-US" i="1">
+                            <a:latin typeface="Cambria Math" panose="02040503050406030204" pitchFamily="18" charset="0"/>
+                          </a:rPr>
+                        </m:ctrlPr>
+                      </m:sSupPr>
+                      <m:e>
+                        <m:r>
+                          <a:rPr lang="en-US" i="1">
+                            <a:latin typeface="Cambria Math" panose="02040503050406030204" pitchFamily="18" charset="0"/>
+                          </a:rPr>
+                          <m:t>𝐴</m:t>
+                        </m:r>
+                      </m:e>
+                      <m:sup>
+                        <m:r>
+                          <a:rPr lang="en-US" i="1">
+                            <a:latin typeface="Cambria Math" panose="02040503050406030204" pitchFamily="18" charset="0"/>
+                          </a:rPr>
+                          <m:t>𝑏</m:t>
+                        </m:r>
+                      </m:sup>
+                    </m:sSup>
+                    <m:r>
+                      <a:rPr lang="en-US" i="1">
+                        <a:latin typeface="Cambria Math" panose="02040503050406030204" pitchFamily="18" charset="0"/>
+                      </a:rPr>
+                      <m:t> </m:t>
+                    </m:r>
+                    <m:r>
+                      <m:rPr>
+                        <m:sty m:val="p"/>
+                      </m:rPr>
+                      <a:rPr lang="en-US">
+                        <a:latin typeface="Cambria Math" panose="02040503050406030204" pitchFamily="18" charset="0"/>
+                      </a:rPr>
+                      <m:t>mod</m:t>
+                    </m:r>
+                    <m:r>
+                      <a:rPr lang="en-US" i="1">
+                        <a:latin typeface="Cambria Math" panose="02040503050406030204" pitchFamily="18" charset="0"/>
+                      </a:rPr>
+                      <m:t> </m:t>
+                    </m:r>
+                    <m:r>
+                      <a:rPr lang="en-US" i="1">
+                        <a:latin typeface="Cambria Math" panose="02040503050406030204" pitchFamily="18" charset="0"/>
+                      </a:rPr>
+                      <m:t>𝑝</m:t>
+                    </m:r>
+                    <m:r>
+                      <a:rPr lang="en-US" i="1">
+                        <a:latin typeface="Cambria Math" panose="02040503050406030204" pitchFamily="18" charset="0"/>
+                      </a:rPr>
+                      <m:t>=</m:t>
+                    </m:r>
+                    <m:sSub>
+                      <m:sSubPr>
+                        <m:ctrlPr>
+                          <a:rPr lang="en-US" i="1">
+                            <a:latin typeface="Cambria Math" panose="02040503050406030204" pitchFamily="18" charset="0"/>
+                          </a:rPr>
+                        </m:ctrlPr>
+                      </m:sSubPr>
+                      <m:e>
+                        <m:r>
+                          <a:rPr lang="en-US" i="1">
+                            <a:latin typeface="Cambria Math" panose="02040503050406030204" pitchFamily="18" charset="0"/>
+                          </a:rPr>
+                          <m:t>𝑆</m:t>
+                        </m:r>
+                      </m:e>
+                      <m:sub>
+                        <m:r>
+                          <a:rPr lang="en-US" i="1">
+                            <a:latin typeface="Cambria Math" panose="02040503050406030204" pitchFamily="18" charset="0"/>
+                          </a:rPr>
+                          <m:t>2</m:t>
+                        </m:r>
+                      </m:sub>
+                    </m:sSub>
+                  </m:oMath>
+                </a14:m>
+                <a:endParaRPr lang="en-US" dirty="0"/>
+              </a:p>
+            </p:txBody>
+          </p:sp>
+        </mc:Choice>
+        <mc:Fallback>
+          <p:sp>
+            <p:nvSpPr>
+              <p:cNvPr id="3" name="Content Placeholder 2">
+                <a:extLst>
+                  <a:ext uri="{FF2B5EF4-FFF2-40B4-BE49-F238E27FC236}">
+                    <a16:creationId xmlns:a16="http://schemas.microsoft.com/office/drawing/2014/main" id="{A117534F-EF67-47AE-8880-60896F685211}"/>
+                  </a:ext>
+                </a:extLst>
+              </p:cNvPr>
+              <p:cNvSpPr>
+                <a:spLocks noGrp="1" noRot="1" noChangeAspect="1" noMove="1" noResize="1" noEditPoints="1" noAdjustHandles="1" noChangeArrowheads="1" noChangeShapeType="1" noTextEdit="1"/>
+              </p:cNvSpPr>
+              <p:nvPr>
+                <p:ph idx="1"/>
+              </p:nvPr>
+            </p:nvSpPr>
+            <p:spPr>
+              <a:xfrm>
+                <a:off x="323528" y="1196753"/>
+                <a:ext cx="8568952" cy="5591168"/>
+              </a:xfrm>
+              <a:blipFill>
+                <a:blip r:embed="rId3"/>
+                <a:stretch>
+                  <a:fillRect l="-1280" t="-2614" r="-2560"/>
+                </a:stretch>
+              </a:blipFill>
+            </p:spPr>
+            <p:txBody>
+              <a:bodyPr/>
+              <a:lstStyle/>
+              <a:p>
+                <a:r>
+                  <a:rPr lang="en-SE">
+                    <a:noFill/>
+                  </a:rPr>
+                  <a:t> </a:t>
+                </a:r>
+              </a:p>
+            </p:txBody>
+          </p:sp>
+        </mc:Fallback>
+      </mc:AlternateContent>
       <p:sp>
         <p:nvSpPr>
-          <p:cNvPr id="2" name="灯片编号占位符 1"/>
+          <p:cNvPr id="4" name="Slide Number Placeholder 3">
+            <a:extLst>
+              <a:ext uri="{FF2B5EF4-FFF2-40B4-BE49-F238E27FC236}">
+                <a16:creationId xmlns:a16="http://schemas.microsoft.com/office/drawing/2014/main" id="{7F43BD77-84CA-42DA-9401-7AC8EFE28D92}"/>
+              </a:ext>
+            </a:extLst>
+          </p:cNvPr>
           <p:cNvSpPr>
             <a:spLocks noGrp="1"/>
           </p:cNvSpPr>
@@ -14548,115 +15867,26 @@
           <a:bodyPr/>
           <a:lstStyle/>
           <a:p>
-            <a:fld id="{5F36C9FC-DA22-1F47-8722-58727A1D436E}" type="slidenum">
-              <a:rPr lang="en-US" smtClean="0">
-                <a:solidFill>
-                  <a:prstClr val="white">
-                    <a:lumMod val="65000"/>
-                    <a:lumOff val="35000"/>
-                  </a:prstClr>
-                </a:solidFill>
-              </a:rPr>
-              <a:pPr/>
+            <a:pPr>
+              <a:defRPr/>
+            </a:pPr>
+            <a:fld id="{F57F456A-00AF-44E6-8D70-638C0D0130FF}" type="slidenum">
+              <a:rPr lang="en-US" altLang="zh-CN" smtClean="0"/>
+              <a:pPr>
+                <a:defRPr/>
+              </a:pPr>
               <a:t>19</a:t>
             </a:fld>
-            <a:endParaRPr lang="en-US" dirty="0">
-              <a:solidFill>
-                <a:prstClr val="white">
-                  <a:lumMod val="65000"/>
-                  <a:lumOff val="35000"/>
-                </a:prstClr>
-              </a:solidFill>
-            </a:endParaRPr>
-          </a:p>
-        </p:txBody>
-      </p:sp>
-      <p:sp>
-        <p:nvSpPr>
-          <p:cNvPr id="3" name="Content Placeholder 2">
-            <a:extLst>
-              <a:ext uri="{FF2B5EF4-FFF2-40B4-BE49-F238E27FC236}">
-                <a16:creationId xmlns:a16="http://schemas.microsoft.com/office/drawing/2014/main" id="{002368F2-5F91-4C19-A68D-69030E00F73A}"/>
-              </a:ext>
-            </a:extLst>
-          </p:cNvPr>
-          <p:cNvSpPr>
-            <a:spLocks noGrp="1"/>
-          </p:cNvSpPr>
-          <p:nvPr>
-            <p:ph idx="1"/>
-          </p:nvPr>
-        </p:nvSpPr>
-        <p:spPr/>
-        <p:txBody>
-          <a:bodyPr/>
-          <a:lstStyle/>
-          <a:p>
-            <a:pPr lvl="0" rtl="0"/>
-            <a:r>
-              <a:rPr lang="en-US" sz="2800" b="0" dirty="0">
-                <a:latin typeface="+mj-lt"/>
-              </a:rPr>
-              <a:t>Computationally easy to </a:t>
-            </a:r>
-          </a:p>
-          <a:p>
-            <a:pPr lvl="1"/>
-            <a:r>
-              <a:rPr lang="en-US" sz="2400" b="0" dirty="0">
-                <a:latin typeface="+mj-lt"/>
-              </a:rPr>
-              <a:t>create key pairs</a:t>
-            </a:r>
-          </a:p>
-          <a:p>
-            <a:pPr lvl="1"/>
-            <a:r>
-              <a:rPr lang="en-US" sz="2400" b="0" dirty="0">
-                <a:latin typeface="+mj-lt"/>
-              </a:rPr>
-              <a:t>encrypt/decrypt messages using either public or private key</a:t>
-            </a:r>
-          </a:p>
-          <a:p>
-            <a:pPr lvl="0" rtl="0"/>
-            <a:r>
-              <a:rPr lang="en-US" sz="2800" b="0" dirty="0">
-                <a:latin typeface="+mj-lt"/>
-              </a:rPr>
-              <a:t>Computationally infeasible to </a:t>
-            </a:r>
-          </a:p>
-          <a:p>
-            <a:pPr lvl="1"/>
-            <a:r>
-              <a:rPr lang="en-US" sz="2400" b="0" dirty="0">
-                <a:latin typeface="+mj-lt"/>
-              </a:rPr>
-              <a:t>determine private key from public key</a:t>
-            </a:r>
-          </a:p>
-          <a:p>
-            <a:pPr lvl="1"/>
-            <a:r>
-              <a:rPr lang="en-US" sz="2400" b="0" dirty="0">
-                <a:latin typeface="+mj-lt"/>
-              </a:rPr>
-              <a:t>recover cleartext without key</a:t>
-            </a:r>
-          </a:p>
-          <a:p>
-            <a:pPr lvl="0" rtl="0"/>
-            <a:r>
-              <a:rPr lang="en-US" sz="2800" b="0" dirty="0">
-                <a:latin typeface="+mj-lt"/>
-              </a:rPr>
-              <a:t>Either key can be used for each role (public/private key)</a:t>
-            </a:r>
+            <a:endParaRPr lang="en-US" altLang="zh-CN" dirty="0"/>
           </a:p>
         </p:txBody>
       </p:sp>
     </p:spTree>
+    <p:extLst>
+      <p:ext uri="{BB962C8B-B14F-4D97-AF65-F5344CB8AC3E}">
+        <p14:creationId xmlns:p14="http://schemas.microsoft.com/office/powerpoint/2010/main" val="955175271"/>
+      </p:ext>
+    </p:extLst>
   </p:cSld>
   <p:clrMapOvr>
     <a:masterClrMapping/>
@@ -14836,7 +16066,7 @@
       </p:grpSpPr>
       <p:sp>
         <p:nvSpPr>
-          <p:cNvPr id="229378" name="Rectangle 2"/>
+          <p:cNvPr id="243714" name="Rectangle 2"/>
           <p:cNvSpPr>
             <a:spLocks noGrp="1" noChangeArrowheads="1"/>
           </p:cNvSpPr>
@@ -14846,7 +16076,9 @@
         </p:nvSpPr>
         <p:spPr/>
         <p:txBody>
-          <a:bodyPr/>
+          <a:bodyPr>
+            <a:normAutofit/>
+          </a:bodyPr>
           <a:lstStyle/>
           <a:p>
             <a:pPr eaLnBrk="1" fontAlgn="auto" hangingPunct="1">
@@ -14856,8 +16088,8 @@
               <a:defRPr/>
             </a:pPr>
             <a:r>
-              <a:rPr lang="en-US" altLang="en-US" sz="4400" dirty="0"/>
-              <a:t>Message Authentication</a:t>
+              <a:rPr lang="en-US" altLang="en-US" dirty="0"/>
+              <a:t>Requirements for Public-Key Crypto</a:t>
             </a:r>
           </a:p>
         </p:txBody>
@@ -14888,6 +16120,182 @@
               </a:rPr>
               <a:pPr/>
               <a:t>20</a:t>
+            </a:fld>
+            <a:endParaRPr lang="en-US" dirty="0">
+              <a:solidFill>
+                <a:prstClr val="white">
+                  <a:lumMod val="65000"/>
+                  <a:lumOff val="35000"/>
+                </a:prstClr>
+              </a:solidFill>
+            </a:endParaRPr>
+          </a:p>
+        </p:txBody>
+      </p:sp>
+      <p:sp>
+        <p:nvSpPr>
+          <p:cNvPr id="3" name="Content Placeholder 2">
+            <a:extLst>
+              <a:ext uri="{FF2B5EF4-FFF2-40B4-BE49-F238E27FC236}">
+                <a16:creationId xmlns:a16="http://schemas.microsoft.com/office/drawing/2014/main" id="{002368F2-5F91-4C19-A68D-69030E00F73A}"/>
+              </a:ext>
+            </a:extLst>
+          </p:cNvPr>
+          <p:cNvSpPr>
+            <a:spLocks noGrp="1"/>
+          </p:cNvSpPr>
+          <p:nvPr>
+            <p:ph idx="1"/>
+          </p:nvPr>
+        </p:nvSpPr>
+        <p:spPr/>
+        <p:txBody>
+          <a:bodyPr/>
+          <a:lstStyle/>
+          <a:p>
+            <a:pPr lvl="0" rtl="0"/>
+            <a:r>
+              <a:rPr lang="en-US" sz="2800" b="0" dirty="0">
+                <a:latin typeface="+mj-lt"/>
+              </a:rPr>
+              <a:t>Computationally easy to </a:t>
+            </a:r>
+          </a:p>
+          <a:p>
+            <a:pPr lvl="1"/>
+            <a:r>
+              <a:rPr lang="en-US" sz="2400" b="0" dirty="0">
+                <a:latin typeface="+mj-lt"/>
+              </a:rPr>
+              <a:t>create key pairs</a:t>
+            </a:r>
+          </a:p>
+          <a:p>
+            <a:pPr lvl="1"/>
+            <a:r>
+              <a:rPr lang="en-US" sz="2400" b="0" dirty="0">
+                <a:latin typeface="+mj-lt"/>
+              </a:rPr>
+              <a:t>encrypt/decrypt messages using either public or private key</a:t>
+            </a:r>
+          </a:p>
+          <a:p>
+            <a:pPr lvl="0" rtl="0"/>
+            <a:r>
+              <a:rPr lang="en-US" sz="2800" b="0" dirty="0">
+                <a:latin typeface="+mj-lt"/>
+              </a:rPr>
+              <a:t>Computationally infeasible to </a:t>
+            </a:r>
+          </a:p>
+          <a:p>
+            <a:pPr lvl="1"/>
+            <a:r>
+              <a:rPr lang="en-US" sz="2400" b="0" dirty="0">
+                <a:latin typeface="+mj-lt"/>
+              </a:rPr>
+              <a:t>determine private key from public key</a:t>
+            </a:r>
+          </a:p>
+          <a:p>
+            <a:pPr lvl="1"/>
+            <a:r>
+              <a:rPr lang="en-US" sz="2400" b="0" dirty="0">
+                <a:latin typeface="+mj-lt"/>
+              </a:rPr>
+              <a:t>recover cleartext without key</a:t>
+            </a:r>
+          </a:p>
+          <a:p>
+            <a:pPr lvl="0" rtl="0"/>
+            <a:r>
+              <a:rPr lang="en-US" sz="2800" b="0" dirty="0">
+                <a:latin typeface="+mj-lt"/>
+              </a:rPr>
+              <a:t>Either key can be used for each role (public/private key)</a:t>
+            </a:r>
+          </a:p>
+        </p:txBody>
+      </p:sp>
+    </p:spTree>
+  </p:cSld>
+  <p:clrMapOvr>
+    <a:masterClrMapping/>
+  </p:clrMapOvr>
+</p:sld>
+</file>
+
+<file path=ppt/slides/slide21.xml><?xml version="1.0" encoding="utf-8"?>
+<p:sld xmlns:a="http://schemas.openxmlformats.org/drawingml/2006/main" xmlns:r="http://schemas.openxmlformats.org/officeDocument/2006/relationships" xmlns:p="http://schemas.openxmlformats.org/presentationml/2006/main">
+  <p:cSld>
+    <p:spTree>
+      <p:nvGrpSpPr>
+        <p:cNvPr id="1" name=""/>
+        <p:cNvGrpSpPr/>
+        <p:nvPr/>
+      </p:nvGrpSpPr>
+      <p:grpSpPr>
+        <a:xfrm>
+          <a:off x="0" y="0"/>
+          <a:ext cx="0" cy="0"/>
+          <a:chOff x="0" y="0"/>
+          <a:chExt cx="0" cy="0"/>
+        </a:xfrm>
+      </p:grpSpPr>
+      <p:sp>
+        <p:nvSpPr>
+          <p:cNvPr id="229378" name="Rectangle 2"/>
+          <p:cNvSpPr>
+            <a:spLocks noGrp="1" noChangeArrowheads="1"/>
+          </p:cNvSpPr>
+          <p:nvPr>
+            <p:ph type="title"/>
+          </p:nvPr>
+        </p:nvSpPr>
+        <p:spPr/>
+        <p:txBody>
+          <a:bodyPr/>
+          <a:lstStyle/>
+          <a:p>
+            <a:pPr eaLnBrk="1" fontAlgn="auto" hangingPunct="1">
+              <a:spcAft>
+                <a:spcPts val="0"/>
+              </a:spcAft>
+              <a:defRPr/>
+            </a:pPr>
+            <a:r>
+              <a:rPr lang="en-US" altLang="en-US" sz="4400" dirty="0"/>
+              <a:t>Message Authentication</a:t>
+            </a:r>
+          </a:p>
+        </p:txBody>
+      </p:sp>
+      <p:sp>
+        <p:nvSpPr>
+          <p:cNvPr id="2" name="灯片编号占位符 1"/>
+          <p:cNvSpPr>
+            <a:spLocks noGrp="1"/>
+          </p:cNvSpPr>
+          <p:nvPr>
+            <p:ph type="sldNum" sz="quarter" idx="12"/>
+          </p:nvPr>
+        </p:nvSpPr>
+        <p:spPr/>
+        <p:txBody>
+          <a:bodyPr/>
+          <a:lstStyle/>
+          <a:p>
+            <a:fld id="{5F36C9FC-DA22-1F47-8722-58727A1D436E}" type="slidenum">
+              <a:rPr lang="en-US" smtClean="0">
+                <a:solidFill>
+                  <a:prstClr val="white">
+                    <a:lumMod val="65000"/>
+                    <a:lumOff val="35000"/>
+                  </a:prstClr>
+                </a:solidFill>
+              </a:rPr>
+              <a:pPr/>
+              <a:t>21</a:t>
             </a:fld>
             <a:endParaRPr lang="en-US" dirty="0">
               <a:solidFill>
@@ -14992,7 +16400,7 @@
 </p:sld>
 </file>
 
-<file path=ppt/slides/slide21.xml><?xml version="1.0" encoding="utf-8"?>
+<file path=ppt/slides/slide22.xml><?xml version="1.0" encoding="utf-8"?>
 <p:sld xmlns:a="http://schemas.openxmlformats.org/drawingml/2006/main" xmlns:r="http://schemas.openxmlformats.org/officeDocument/2006/relationships" xmlns:p="http://schemas.openxmlformats.org/presentationml/2006/main">
   <p:cSld>
     <p:spTree>
@@ -15038,8 +16446,8 @@
           </a:p>
         </p:txBody>
       </p:sp>
-      <mc:AlternateContent xmlns:mc="http://schemas.openxmlformats.org/markup-compatibility/2006" xmlns:a14="http://schemas.microsoft.com/office/drawing/2010/main">
-        <mc:Choice Requires="a14">
+      <mc:AlternateContent xmlns:mc="http://schemas.openxmlformats.org/markup-compatibility/2006">
+        <mc:Choice xmlns:a14="http://schemas.microsoft.com/office/drawing/2010/main" Requires="a14">
           <p:sp>
             <p:nvSpPr>
               <p:cNvPr id="3" name="内容占位符 2">
@@ -15059,7 +16467,7 @@
             <p:spPr/>
             <p:txBody>
               <a:bodyPr>
-                <a:normAutofit/>
+                <a:normAutofit fontScale="92500" lnSpcReduction="10000"/>
               </a:bodyPr>
               <a:lstStyle/>
               <a:p>
@@ -15182,7 +16590,7 @@
                 <a:pPr lvl="1"/>
                 <a:r>
                   <a:rPr lang="en-US" dirty="0"/>
-                  <a:t>One-way Hash Function</a:t>
+                  <a:t>Cryptography Hash Function</a:t>
                 </a:r>
               </a:p>
               <a:p>
@@ -15206,10 +16614,10 @@
                       <m:t>(</m:t>
                     </m:r>
                     <m:r>
-                      <a:rPr lang="en-US" i="1" dirty="0" smtClean="0">
+                      <a:rPr lang="en-US" b="0" i="1" dirty="0" smtClean="0">
                         <a:latin typeface="Cambria Math" panose="02040503050406030204" pitchFamily="18" charset="0"/>
                       </a:rPr>
-                      <m:t>𝑥</m:t>
+                      <m:t>𝑀</m:t>
                     </m:r>
                     <m:r>
                       <a:rPr lang="en-US" i="1" dirty="0" smtClean="0">
@@ -15237,6 +16645,38 @@
                   <a:rPr lang="en-US" dirty="0"/>
                   <a:t> of any size, with fixed-length output (e.g., 128-512 bits)</a:t>
                 </a:r>
+              </a:p>
+              <a:p>
+                <a:pPr lvl="2"/>
+                <a:r>
+                  <a:rPr lang="en-US" dirty="0"/>
+                  <a:t>Also called one-way hash</a:t>
+                </a:r>
+              </a:p>
+              <a:p>
+                <a:r>
+                  <a:rPr lang="en-US" dirty="0"/>
+                  <a:t>MAC needs a shared secret key </a:t>
+                </a:r>
+                <a14:m>
+                  <m:oMath xmlns:m="http://schemas.openxmlformats.org/officeDocument/2006/math">
+                    <m:r>
+                      <a:rPr lang="en-US" altLang="zh-CN" i="1" dirty="0">
+                        <a:latin typeface="Cambria Math" panose="02040503050406030204" pitchFamily="18" charset="0"/>
+                      </a:rPr>
+                      <m:t>𝐾</m:t>
+                    </m:r>
+                  </m:oMath>
+                </a14:m>
+                <a:r>
+                  <a:rPr lang="en-US" dirty="0"/>
+                  <a:t>; crypto hash </a:t>
+                </a:r>
+                <a:r>
+                  <a:rPr lang="en-US" altLang="zh-CN" dirty="0"/>
+                  <a:t>does not.</a:t>
+                </a:r>
+                <a:endParaRPr lang="en-US" dirty="0"/>
               </a:p>
               <a:p>
                 <a:pPr lvl="1"/>
@@ -15267,7 +16707,7 @@
             </p:txBody>
           </p:sp>
         </mc:Choice>
-        <mc:Fallback xmlns="">
+        <mc:Fallback>
           <p:sp>
             <p:nvSpPr>
               <p:cNvPr id="3" name="内容占位符 2">
@@ -15288,7 +16728,7 @@
               <a:blipFill>
                 <a:blip r:embed="rId2"/>
                 <a:stretch>
-                  <a:fillRect l="-1920" t="-1738" r="-2134"/>
+                  <a:fillRect l="-1707" t="-2433"/>
                 </a:stretch>
               </a:blipFill>
             </p:spPr>
@@ -15338,7 +16778,7 @@
                 </a:solidFill>
               </a:rPr>
               <a:pPr/>
-              <a:t>21</a:t>
+              <a:t>22</a:t>
             </a:fld>
             <a:endParaRPr lang="en-US" dirty="0">
               <a:solidFill>
@@ -15364,7 +16804,7 @@
 </p:sld>
 </file>
 
-<file path=ppt/slides/slide22.xml><?xml version="1.0" encoding="utf-8"?>
+<file path=ppt/slides/slide23.xml><?xml version="1.0" encoding="utf-8"?>
 <p:sld xmlns:a="http://schemas.openxmlformats.org/drawingml/2006/main" xmlns:r="http://schemas.openxmlformats.org/officeDocument/2006/relationships" xmlns:p="http://schemas.openxmlformats.org/presentationml/2006/main">
   <p:cSld>
     <p:spTree>
@@ -15704,7 +17144,7 @@
                 </a:solidFill>
               </a:rPr>
               <a:pPr/>
-              <a:t>22</a:t>
+              <a:t>23</a:t>
             </a:fld>
             <a:endParaRPr lang="en-US" dirty="0">
               <a:solidFill>
@@ -16043,7 +17483,272 @@
 </p:sld>
 </file>
 
-<file path=ppt/slides/slide23.xml><?xml version="1.0" encoding="utf-8"?>
+<file path=ppt/slides/slide24.xml><?xml version="1.0" encoding="utf-8"?>
+<p:sld xmlns:a="http://schemas.openxmlformats.org/drawingml/2006/main" xmlns:r="http://schemas.openxmlformats.org/officeDocument/2006/relationships" xmlns:p="http://schemas.openxmlformats.org/presentationml/2006/main">
+  <p:cSld>
+    <p:spTree>
+      <p:nvGrpSpPr>
+        <p:cNvPr id="1" name=""/>
+        <p:cNvGrpSpPr/>
+        <p:nvPr/>
+      </p:nvGrpSpPr>
+      <p:grpSpPr>
+        <a:xfrm>
+          <a:off x="0" y="0"/>
+          <a:ext cx="0" cy="0"/>
+          <a:chOff x="0" y="0"/>
+          <a:chExt cx="0" cy="0"/>
+        </a:xfrm>
+      </p:grpSpPr>
+      <p:sp>
+        <p:nvSpPr>
+          <p:cNvPr id="2" name="Title 1">
+            <a:extLst>
+              <a:ext uri="{FF2B5EF4-FFF2-40B4-BE49-F238E27FC236}">
+                <a16:creationId xmlns:a16="http://schemas.microsoft.com/office/drawing/2014/main" id="{AF18793D-7F6F-4E11-B2B5-0693E0487BC8}"/>
+              </a:ext>
+            </a:extLst>
+          </p:cNvPr>
+          <p:cNvSpPr>
+            <a:spLocks noGrp="1"/>
+          </p:cNvSpPr>
+          <p:nvPr>
+            <p:ph type="title"/>
+          </p:nvPr>
+        </p:nvSpPr>
+        <p:spPr/>
+        <p:txBody>
+          <a:bodyPr/>
+          <a:lstStyle/>
+          <a:p>
+            <a:r>
+              <a:rPr lang="en-US" dirty="0"/>
+              <a:t>Crypto Hash Function</a:t>
+            </a:r>
+            <a:endParaRPr lang="en-SE" dirty="0"/>
+          </a:p>
+        </p:txBody>
+      </p:sp>
+      <mc:AlternateContent xmlns:mc="http://schemas.openxmlformats.org/markup-compatibility/2006">
+        <mc:Choice xmlns:a14="http://schemas.microsoft.com/office/drawing/2010/main" Requires="a14">
+          <p:sp>
+            <p:nvSpPr>
+              <p:cNvPr id="3" name="Content Placeholder 2">
+                <a:extLst>
+                  <a:ext uri="{FF2B5EF4-FFF2-40B4-BE49-F238E27FC236}">
+                    <a16:creationId xmlns:a16="http://schemas.microsoft.com/office/drawing/2014/main" id="{8DCF7888-C095-497F-AD90-9CA73357DBD1}"/>
+                  </a:ext>
+                </a:extLst>
+              </p:cNvPr>
+              <p:cNvSpPr>
+                <a:spLocks noGrp="1"/>
+              </p:cNvSpPr>
+              <p:nvPr>
+                <p:ph idx="1"/>
+              </p:nvPr>
+            </p:nvSpPr>
+            <p:spPr>
+              <a:xfrm>
+                <a:off x="323528" y="1196753"/>
+                <a:ext cx="8568952" cy="1148414"/>
+              </a:xfrm>
+            </p:spPr>
+            <p:txBody>
+              <a:bodyPr>
+                <a:normAutofit fontScale="70000" lnSpcReduction="20000"/>
+              </a:bodyPr>
+              <a:lstStyle/>
+              <a:p>
+                <a:r>
+                  <a:rPr lang="en-US" dirty="0"/>
+                  <a:t>The crypto hash function accepts a variable-size message </a:t>
+                </a:r>
+                <a14:m>
+                  <m:oMath xmlns:m="http://schemas.openxmlformats.org/officeDocument/2006/math">
+                    <m:r>
+                      <a:rPr lang="en-US" i="1" dirty="0" smtClean="0">
+                        <a:latin typeface="Cambria Math" panose="02040503050406030204" pitchFamily="18" charset="0"/>
+                      </a:rPr>
+                      <m:t>𝑀</m:t>
+                    </m:r>
+                  </m:oMath>
+                </a14:m>
+                <a:r>
+                  <a:rPr lang="en-US" i="1" dirty="0"/>
+                  <a:t> </a:t>
+                </a:r>
+                <a:r>
+                  <a:rPr lang="en-US" dirty="0"/>
+                  <a:t>as input and produces a fixed-size has</a:t>
+                </a:r>
+                <a:r>
+                  <a:rPr lang="en-US" altLang="zh-CN" dirty="0"/>
+                  <a:t>h</a:t>
+                </a:r>
+                <a:r>
+                  <a:rPr lang="en-US" dirty="0"/>
+                  <a:t> value, also called message digest, </a:t>
+                </a:r>
+                <a14:m>
+                  <m:oMath xmlns:m="http://schemas.openxmlformats.org/officeDocument/2006/math">
+                    <m:r>
+                      <a:rPr lang="en-US" i="1" dirty="0" smtClean="0">
+                        <a:latin typeface="Cambria Math" panose="02040503050406030204" pitchFamily="18" charset="0"/>
+                      </a:rPr>
+                      <m:t>𝐻</m:t>
+                    </m:r>
+                    <m:r>
+                      <a:rPr lang="en-US" i="1" dirty="0">
+                        <a:latin typeface="Cambria Math" panose="02040503050406030204" pitchFamily="18" charset="0"/>
+                      </a:rPr>
+                      <m:t>(</m:t>
+                    </m:r>
+                    <m:r>
+                      <a:rPr lang="en-US" i="1" dirty="0">
+                        <a:latin typeface="Cambria Math" panose="02040503050406030204" pitchFamily="18" charset="0"/>
+                      </a:rPr>
+                      <m:t>𝑀</m:t>
+                    </m:r>
+                    <m:r>
+                      <a:rPr lang="en-US" i="1" dirty="0">
+                        <a:latin typeface="Cambria Math" panose="02040503050406030204" pitchFamily="18" charset="0"/>
+                      </a:rPr>
+                      <m:t>)</m:t>
+                    </m:r>
+                  </m:oMath>
+                </a14:m>
+                <a:r>
+                  <a:rPr lang="en-US" dirty="0"/>
+                  <a:t> as output.</a:t>
+                </a:r>
+                <a:endParaRPr lang="en-SE" dirty="0"/>
+              </a:p>
+            </p:txBody>
+          </p:sp>
+        </mc:Choice>
+        <mc:Fallback>
+          <p:sp>
+            <p:nvSpPr>
+              <p:cNvPr id="3" name="Content Placeholder 2">
+                <a:extLst>
+                  <a:ext uri="{FF2B5EF4-FFF2-40B4-BE49-F238E27FC236}">
+                    <a16:creationId xmlns:a16="http://schemas.microsoft.com/office/drawing/2014/main" id="{8DCF7888-C095-497F-AD90-9CA73357DBD1}"/>
+                  </a:ext>
+                </a:extLst>
+              </p:cNvPr>
+              <p:cNvSpPr>
+                <a:spLocks noGrp="1" noRot="1" noChangeAspect="1" noMove="1" noResize="1" noEditPoints="1" noAdjustHandles="1" noChangeArrowheads="1" noChangeShapeType="1" noTextEdit="1"/>
+              </p:cNvSpPr>
+              <p:nvPr>
+                <p:ph idx="1"/>
+              </p:nvPr>
+            </p:nvSpPr>
+            <p:spPr>
+              <a:xfrm>
+                <a:off x="323528" y="1196753"/>
+                <a:ext cx="8568952" cy="1148414"/>
+              </a:xfrm>
+              <a:blipFill>
+                <a:blip r:embed="rId2"/>
+                <a:stretch>
+                  <a:fillRect l="-996" t="-10582"/>
+                </a:stretch>
+              </a:blipFill>
+            </p:spPr>
+            <p:txBody>
+              <a:bodyPr/>
+              <a:lstStyle/>
+              <a:p>
+                <a:r>
+                  <a:rPr lang="en-SE">
+                    <a:noFill/>
+                  </a:rPr>
+                  <a:t> </a:t>
+                </a:r>
+              </a:p>
+            </p:txBody>
+          </p:sp>
+        </mc:Fallback>
+      </mc:AlternateContent>
+      <p:sp>
+        <p:nvSpPr>
+          <p:cNvPr id="4" name="Slide Number Placeholder 3">
+            <a:extLst>
+              <a:ext uri="{FF2B5EF4-FFF2-40B4-BE49-F238E27FC236}">
+                <a16:creationId xmlns:a16="http://schemas.microsoft.com/office/drawing/2014/main" id="{CED1E6EB-FFD4-4AE2-B722-FA2762E969BA}"/>
+              </a:ext>
+            </a:extLst>
+          </p:cNvPr>
+          <p:cNvSpPr>
+            <a:spLocks noGrp="1"/>
+          </p:cNvSpPr>
+          <p:nvPr>
+            <p:ph type="sldNum" sz="quarter" idx="12"/>
+          </p:nvPr>
+        </p:nvSpPr>
+        <p:spPr/>
+        <p:txBody>
+          <a:bodyPr/>
+          <a:lstStyle/>
+          <a:p>
+            <a:pPr>
+              <a:defRPr/>
+            </a:pPr>
+            <a:fld id="{F57F456A-00AF-44E6-8D70-638C0D0130FF}" type="slidenum">
+              <a:rPr lang="en-US" altLang="zh-CN" smtClean="0"/>
+              <a:pPr>
+                <a:defRPr/>
+              </a:pPr>
+              <a:t>24</a:t>
+            </a:fld>
+            <a:endParaRPr lang="en-US" altLang="zh-CN" dirty="0"/>
+          </a:p>
+        </p:txBody>
+      </p:sp>
+      <p:pic>
+        <p:nvPicPr>
+          <p:cNvPr id="5" name="Picture 4">
+            <a:extLst>
+              <a:ext uri="{FF2B5EF4-FFF2-40B4-BE49-F238E27FC236}">
+                <a16:creationId xmlns:a16="http://schemas.microsoft.com/office/drawing/2014/main" id="{2557F17F-36DA-422B-A279-BE11C1290D67}"/>
+              </a:ext>
+            </a:extLst>
+          </p:cNvPr>
+          <p:cNvPicPr>
+            <a:picLocks noChangeAspect="1"/>
+          </p:cNvPicPr>
+          <p:nvPr/>
+        </p:nvPicPr>
+        <p:blipFill>
+          <a:blip r:embed="rId3"/>
+          <a:stretch>
+            <a:fillRect/>
+          </a:stretch>
+        </p:blipFill>
+        <p:spPr>
+          <a:xfrm>
+            <a:off x="2075803" y="2259106"/>
+            <a:ext cx="4992393" cy="4528815"/>
+          </a:xfrm>
+          <a:prstGeom prst="rect">
+            <a:avLst/>
+          </a:prstGeom>
+        </p:spPr>
+      </p:pic>
+    </p:spTree>
+    <p:extLst>
+      <p:ext uri="{BB962C8B-B14F-4D97-AF65-F5344CB8AC3E}">
+        <p14:creationId xmlns:p14="http://schemas.microsoft.com/office/powerpoint/2010/main" val="484846572"/>
+      </p:ext>
+    </p:extLst>
+  </p:cSld>
+  <p:clrMapOvr>
+    <a:masterClrMapping/>
+  </p:clrMapOvr>
+</p:sld>
+</file>
+
+<file path=ppt/slides/slide25.xml><?xml version="1.0" encoding="utf-8"?>
 <p:sld xmlns:a="http://schemas.openxmlformats.org/drawingml/2006/main" xmlns:r="http://schemas.openxmlformats.org/officeDocument/2006/relationships" xmlns:p="http://schemas.openxmlformats.org/presentationml/2006/main">
   <p:cSld>
     <p:spTree>
@@ -16076,37 +17781,17 @@
             <p:ph type="title"/>
           </p:nvPr>
         </p:nvSpPr>
-        <p:spPr/>
+        <p:spPr>
+          <a:xfrm>
+            <a:off x="4765638" y="188640"/>
+            <a:ext cx="4126842" cy="868362"/>
+          </a:xfrm>
+        </p:spPr>
         <p:txBody>
           <a:bodyPr/>
           <a:lstStyle/>
           <a:p>
-            <a:endParaRPr lang="en-SE"/>
-          </a:p>
-        </p:txBody>
-      </p:sp>
-      <p:sp>
-        <p:nvSpPr>
-          <p:cNvPr id="5" name="Content Placeholder 4">
-            <a:extLst>
-              <a:ext uri="{FF2B5EF4-FFF2-40B4-BE49-F238E27FC236}">
-                <a16:creationId xmlns:a16="http://schemas.microsoft.com/office/drawing/2014/main" id="{E6CA8AFF-EBD0-4213-9338-5D14798051C2}"/>
-              </a:ext>
-            </a:extLst>
-          </p:cNvPr>
-          <p:cNvSpPr>
-            <a:spLocks noGrp="1"/>
-          </p:cNvSpPr>
-          <p:nvPr>
-            <p:ph idx="1"/>
-          </p:nvPr>
-        </p:nvSpPr>
-        <p:spPr/>
-        <p:txBody>
-          <a:bodyPr/>
-          <a:lstStyle/>
-          <a:p>
-            <a:endParaRPr lang="en-SE"/>
+            <a:endParaRPr lang="en-SE" dirty="0"/>
           </a:p>
         </p:txBody>
       </p:sp>
@@ -16141,7 +17826,7 @@
                 </a:solidFill>
               </a:rPr>
               <a:pPr/>
-              <a:t>23</a:t>
+              <a:t>25</a:t>
             </a:fld>
             <a:endParaRPr lang="en-US" dirty="0">
               <a:solidFill>
@@ -16169,14 +17854,14 @@
           <p:nvPr/>
         </p:nvPicPr>
         <p:blipFill>
-          <a:blip r:embed="rId2"/>
+          <a:blip r:embed="rId3"/>
           <a:stretch>
             <a:fillRect/>
           </a:stretch>
         </p:blipFill>
         <p:spPr>
           <a:xfrm>
-            <a:off x="4236439" y="70079"/>
+            <a:off x="4236439" y="0"/>
             <a:ext cx="4831361" cy="6857999"/>
           </a:xfrm>
           <a:prstGeom prst="rect">
@@ -16184,8 +17869,8 @@
           </a:prstGeom>
         </p:spPr>
       </p:pic>
-      <mc:AlternateContent xmlns:mc="http://schemas.openxmlformats.org/markup-compatibility/2006" xmlns:a14="http://schemas.microsoft.com/office/drawing/2010/main">
-        <mc:Choice Requires="a14">
+      <mc:AlternateContent xmlns:mc="http://schemas.openxmlformats.org/markup-compatibility/2006">
+        <mc:Choice xmlns:a14="http://schemas.microsoft.com/office/drawing/2010/main" Requires="a14">
           <p:sp>
             <p:nvSpPr>
               <p:cNvPr id="7" name="Content Placeholder 16">
@@ -16202,8 +17887,8 @@
             </p:nvSpPr>
             <p:spPr>
               <a:xfrm>
-                <a:off x="-40086" y="622821"/>
-                <a:ext cx="4101205" cy="6857999"/>
+                <a:off x="156308" y="85970"/>
+                <a:ext cx="3904811" cy="7982392"/>
               </a:xfrm>
               <a:prstGeom prst="rect">
                 <a:avLst/>
@@ -16376,13 +18061,12 @@
                 </a:lvl9pPr>
               </a:lstStyle>
               <a:p>
-                <a:pPr fontAlgn="auto">
+                <a:pPr marL="0" indent="0" fontAlgn="auto">
                   <a:spcAft>
                     <a:spcPts val="0"/>
                   </a:spcAft>
                   <a:buSzPct val="70000"/>
-                  <a:buFont typeface="Wingdings" pitchFamily="33" charset="2"/>
-                  <a:buChar char=""/>
+                  <a:buNone/>
                   <a:defRPr/>
                 </a:pPr>
                 <a:r>
@@ -16391,31 +18075,7 @@
                       <a:schemeClr val="tx1"/>
                     </a:solidFill>
                   </a:rPr>
-                  <a:t>How can we perform message authentication with one-way hash function, without a secret key?</a:t>
-                </a:r>
-                <a:endParaRPr lang="en-US" altLang="zh-CN" sz="800" dirty="0">
-                  <a:solidFill>
-                    <a:schemeClr val="tx1"/>
-                  </a:solidFill>
-                </a:endParaRPr>
-              </a:p>
-              <a:p>
-                <a:pPr fontAlgn="auto">
-                  <a:spcAft>
-                    <a:spcPts val="0"/>
-                  </a:spcAft>
-                  <a:buSzPct val="70000"/>
-                  <a:buFont typeface="Wingdings" pitchFamily="33" charset="2"/>
-                  <a:buChar char=""/>
-                  <a:defRPr/>
-                </a:pPr>
-                <a:r>
-                  <a:rPr lang="en-US" altLang="zh-CN" sz="1600" dirty="0">
-                    <a:solidFill>
-                      <a:schemeClr val="tx1"/>
-                    </a:solidFill>
-                  </a:rPr>
-                  <a:t>Apply hash function H() to generate Message Digest </a:t>
+                  <a:t>Apply crypto hash function to generate hash value </a:t>
                 </a:r>
                 <a14:m>
                   <m:oMath xmlns:m="http://schemas.openxmlformats.org/officeDocument/2006/math">
@@ -16668,13 +18328,12 @@
                 </a:endParaRPr>
               </a:p>
               <a:p>
-                <a:pPr fontAlgn="auto">
+                <a:pPr marL="0" indent="0" fontAlgn="auto">
                   <a:spcAft>
                     <a:spcPts val="0"/>
                   </a:spcAft>
                   <a:buSzPct val="70000"/>
-                  <a:buFont typeface="Wingdings" pitchFamily="33" charset="2"/>
-                  <a:buChar char=""/>
+                  <a:buNone/>
                   <a:defRPr/>
                 </a:pPr>
                 <a:r>
@@ -16942,13 +18601,12 @@
                 </a:r>
               </a:p>
               <a:p>
-                <a:pPr fontAlgn="auto">
+                <a:pPr marL="0" indent="0" fontAlgn="auto">
                   <a:spcAft>
                     <a:spcPts val="0"/>
                   </a:spcAft>
                   <a:buSzPct val="70000"/>
-                  <a:buFont typeface="Wingdings" pitchFamily="33" charset="2"/>
-                  <a:buChar char=""/>
+                  <a:buNone/>
                   <a:defRPr/>
                 </a:pPr>
                 <a:r>
@@ -16957,19 +18615,50 @@
                       <a:schemeClr val="tx1"/>
                     </a:solidFill>
                   </a:rPr>
-                  <a:t>It is efficient since no encryption/decryption is used.</a:t>
+                  <a:t>(a)(b) are more efficient than MAC approach, since encryption/decryption is applied to the hash, not the entire message. </a:t>
+                </a:r>
+                <a:r>
+                  <a:rPr lang="en-US" sz="1600" dirty="0">
+                    <a:solidFill>
+                      <a:schemeClr val="tx1"/>
+                    </a:solidFill>
+                  </a:rPr>
+                  <a:t>(c) avoids </a:t>
+                </a:r>
+                <a:r>
+                  <a:rPr lang="en-US" altLang="zh-CN" sz="1600" dirty="0">
+                    <a:solidFill>
+                      <a:schemeClr val="tx1"/>
+                    </a:solidFill>
+                  </a:rPr>
+                  <a:t>encryption/decryption altogether.</a:t>
                 </a:r>
               </a:p>
               <a:p>
-                <a:pPr fontAlgn="auto">
+                <a:pPr marL="0" indent="0" fontAlgn="auto">
                   <a:spcAft>
                     <a:spcPts val="0"/>
                   </a:spcAft>
                   <a:buSzPct val="70000"/>
-                  <a:buFont typeface="Wingdings" pitchFamily="33" charset="2"/>
-                  <a:buChar char=""/>
+                  <a:buNone/>
                   <a:defRPr/>
                 </a:pPr>
+                <a:r>
+                  <a:rPr lang="en-US" sz="1600" dirty="0">
+                    <a:solidFill>
+                      <a:schemeClr val="tx1"/>
+                    </a:solidFill>
+                  </a:rPr>
+                  <a:t>In (b), the encrypted hash is called the </a:t>
+                </a:r>
+                <a:r>
+                  <a:rPr lang="en-US" sz="1600">
+                    <a:solidFill>
+                      <a:schemeClr val="tx1"/>
+                    </a:solidFill>
+                  </a:rPr>
+                  <a:t>digital signature.</a:t>
+                </a:r>
                 <a:endParaRPr lang="en-US" sz="1600" dirty="0">
                   <a:solidFill>
                     <a:schemeClr val="tx1"/>
@@ -16979,7 +18668,7 @@
             </p:txBody>
           </p:sp>
         </mc:Choice>
-        <mc:Fallback xmlns="">
+        <mc:Fallback>
           <p:sp>
             <p:nvSpPr>
               <p:cNvPr id="7" name="Content Placeholder 16">
@@ -16996,16 +18685,16 @@
             </p:nvSpPr>
             <p:spPr>
               <a:xfrm>
-                <a:off x="-40086" y="622821"/>
-                <a:ext cx="4101205" cy="6857999"/>
+                <a:off x="156308" y="85970"/>
+                <a:ext cx="3904811" cy="7982392"/>
               </a:xfrm>
               <a:prstGeom prst="rect">
                 <a:avLst/>
               </a:prstGeom>
               <a:blipFill>
-                <a:blip r:embed="rId3"/>
+                <a:blip r:embed="rId4"/>
                 <a:stretch>
-                  <a:fillRect t="-267" r="-1932"/>
+                  <a:fillRect l="-938" t="-229" r="-1250"/>
                 </a:stretch>
               </a:blipFill>
             </p:spPr>
@@ -17037,7 +18726,7 @@
 </p:sld>
 </file>
 
-<file path=ppt/slides/slide24.xml><?xml version="1.0" encoding="utf-8"?>
+<file path=ppt/slides/slide26.xml><?xml version="1.0" encoding="utf-8"?>
 <p:sld xmlns:a="http://schemas.openxmlformats.org/drawingml/2006/main" xmlns:r="http://schemas.openxmlformats.org/officeDocument/2006/relationships" xmlns:p="http://schemas.openxmlformats.org/presentationml/2006/main">
   <p:cSld>
     <p:spTree>
@@ -17077,7 +18766,7 @@
           <a:p>
             <a:r>
               <a:rPr lang="en-US" dirty="0"/>
-              <a:t>One-way Hash Function Requirements</a:t>
+              <a:t>Crypto Hash Function Requirements</a:t>
             </a:r>
             <a:endParaRPr lang="en-SE" dirty="0"/>
           </a:p>
@@ -17771,7 +19460,7 @@
                 </a:solidFill>
               </a:rPr>
               <a:pPr/>
-              <a:t>24</a:t>
+              <a:t>26</a:t>
             </a:fld>
             <a:endParaRPr lang="en-US" dirty="0">
               <a:solidFill>
@@ -17863,7 +19552,7 @@
 </p:sld>
 </file>
 
-<file path=ppt/slides/slide25.xml><?xml version="1.0" encoding="utf-8"?>
+<file path=ppt/slides/slide27.xml><?xml version="1.0" encoding="utf-8"?>
 <p:sld xmlns:a="http://schemas.openxmlformats.org/drawingml/2006/main" xmlns:r="http://schemas.openxmlformats.org/officeDocument/2006/relationships" xmlns:p="http://schemas.openxmlformats.org/presentationml/2006/main">
   <p:cSld>
     <p:spTree>
@@ -18091,7 +19780,7 @@
                 </a:solidFill>
               </a:rPr>
               <a:pPr/>
-              <a:t>25</a:t>
+              <a:t>27</a:t>
             </a:fld>
             <a:endParaRPr lang="en-US" dirty="0">
               <a:solidFill>
@@ -18240,7 +19929,7 @@
 </p:sld>
 </file>
 
-<file path=ppt/slides/slide26.xml><?xml version="1.0" encoding="utf-8"?>
+<file path=ppt/slides/slide28.xml><?xml version="1.0" encoding="utf-8"?>
 <p:sld xmlns:a="http://schemas.openxmlformats.org/drawingml/2006/main" xmlns:r="http://schemas.openxmlformats.org/officeDocument/2006/relationships" xmlns:p="http://schemas.openxmlformats.org/presentationml/2006/main">
   <p:cSld>
     <p:spTree>
@@ -18382,7 +20071,7 @@
               <a:pPr>
                 <a:defRPr/>
               </a:pPr>
-              <a:t>26</a:t>
+              <a:t>28</a:t>
             </a:fld>
             <a:endParaRPr lang="en-US" altLang="zh-CN" dirty="0"/>
           </a:p>
@@ -18401,7 +20090,7 @@
 </p:sld>
 </file>
 
-<file path=ppt/slides/slide27.xml><?xml version="1.0" encoding="utf-8"?>
+<file path=ppt/slides/slide29.xml><?xml version="1.0" encoding="utf-8"?>
 <p:sld xmlns:a="http://schemas.openxmlformats.org/drawingml/2006/main" xmlns:r="http://schemas.openxmlformats.org/officeDocument/2006/relationships" xmlns:p="http://schemas.openxmlformats.org/presentationml/2006/main">
   <p:cSld>
     <p:spTree>
@@ -18556,7 +20245,7 @@
               <a:pPr>
                 <a:defRPr/>
               </a:pPr>
-              <a:t>27</a:t>
+              <a:t>29</a:t>
             </a:fld>
             <a:endParaRPr lang="en-US" altLang="zh-CN" dirty="0"/>
           </a:p>
@@ -18568,182 +20257,6 @@
         <p14:creationId xmlns:p14="http://schemas.microsoft.com/office/powerpoint/2010/main" val="1296695914"/>
       </p:ext>
     </p:extLst>
-  </p:cSld>
-  <p:clrMapOvr>
-    <a:masterClrMapping/>
-  </p:clrMapOvr>
-</p:sld>
-</file>
-
-<file path=ppt/slides/slide28.xml><?xml version="1.0" encoding="utf-8"?>
-<p:sld xmlns:a="http://schemas.openxmlformats.org/drawingml/2006/main" xmlns:r="http://schemas.openxmlformats.org/officeDocument/2006/relationships" xmlns:p="http://schemas.openxmlformats.org/presentationml/2006/main">
-  <p:cSld>
-    <p:spTree>
-      <p:nvGrpSpPr>
-        <p:cNvPr id="1" name=""/>
-        <p:cNvGrpSpPr/>
-        <p:nvPr/>
-      </p:nvGrpSpPr>
-      <p:grpSpPr>
-        <a:xfrm>
-          <a:off x="0" y="0"/>
-          <a:ext cx="0" cy="0"/>
-          <a:chOff x="0" y="0"/>
-          <a:chExt cx="0" cy="0"/>
-        </a:xfrm>
-      </p:grpSpPr>
-      <p:sp>
-        <p:nvSpPr>
-          <p:cNvPr id="251906" name="Rectangle 2"/>
-          <p:cNvSpPr>
-            <a:spLocks noGrp="1" noChangeArrowheads="1"/>
-          </p:cNvSpPr>
-          <p:nvPr>
-            <p:ph type="title"/>
-          </p:nvPr>
-        </p:nvSpPr>
-        <p:spPr/>
-        <p:txBody>
-          <a:bodyPr/>
-          <a:lstStyle/>
-          <a:p>
-            <a:pPr fontAlgn="auto">
-              <a:spcAft>
-                <a:spcPts val="0"/>
-              </a:spcAft>
-              <a:defRPr/>
-            </a:pPr>
-            <a:r>
-              <a:rPr lang="en-US" altLang="en-US" dirty="0"/>
-              <a:t>Pseudorandom vs. Random Numbers</a:t>
-            </a:r>
-          </a:p>
-        </p:txBody>
-      </p:sp>
-      <p:sp>
-        <p:nvSpPr>
-          <p:cNvPr id="2" name="灯片编号占位符 1"/>
-          <p:cNvSpPr>
-            <a:spLocks noGrp="1"/>
-          </p:cNvSpPr>
-          <p:nvPr>
-            <p:ph type="sldNum" sz="quarter" idx="12"/>
-          </p:nvPr>
-        </p:nvSpPr>
-        <p:spPr/>
-        <p:txBody>
-          <a:bodyPr/>
-          <a:lstStyle/>
-          <a:p>
-            <a:fld id="{5F36C9FC-DA22-1F47-8722-58727A1D436E}" type="slidenum">
-              <a:rPr lang="en-US" smtClean="0">
-                <a:solidFill>
-                  <a:prstClr val="white">
-                    <a:lumMod val="65000"/>
-                    <a:lumOff val="35000"/>
-                  </a:prstClr>
-                </a:solidFill>
-              </a:rPr>
-              <a:pPr/>
-              <a:t>28</a:t>
-            </a:fld>
-            <a:endParaRPr lang="en-US" dirty="0">
-              <a:solidFill>
-                <a:prstClr val="white">
-                  <a:lumMod val="65000"/>
-                  <a:lumOff val="35000"/>
-                </a:prstClr>
-              </a:solidFill>
-            </a:endParaRPr>
-          </a:p>
-        </p:txBody>
-      </p:sp>
-      <p:sp>
-        <p:nvSpPr>
-          <p:cNvPr id="3" name="Content Placeholder 2">
-            <a:extLst>
-              <a:ext uri="{FF2B5EF4-FFF2-40B4-BE49-F238E27FC236}">
-                <a16:creationId xmlns:a16="http://schemas.microsoft.com/office/drawing/2014/main" id="{0CD9B914-F45F-4811-AA7F-70B9B5CCBE89}"/>
-              </a:ext>
-            </a:extLst>
-          </p:cNvPr>
-          <p:cNvSpPr>
-            <a:spLocks noGrp="1"/>
-          </p:cNvSpPr>
-          <p:nvPr>
-            <p:ph idx="1"/>
-          </p:nvPr>
-        </p:nvSpPr>
-        <p:spPr>
-          <a:xfrm>
-            <a:off x="323528" y="1196753"/>
-            <a:ext cx="8568952" cy="5591168"/>
-          </a:xfrm>
-        </p:spPr>
-        <p:txBody>
-          <a:bodyPr/>
-          <a:lstStyle/>
-          <a:p>
-            <a:pPr lvl="0"/>
-            <a:r>
-              <a:rPr lang="en-US" sz="2400" dirty="0"/>
-              <a:t>Pseudorandom numbers are generated with deterministic algorithms with random seeds:</a:t>
-            </a:r>
-          </a:p>
-          <a:p>
-            <a:pPr lvl="1"/>
-            <a:r>
-              <a:rPr lang="en-US" sz="1800" dirty="0"/>
-              <a:t>The same seed results in the same sequence of random numbers</a:t>
-            </a:r>
-          </a:p>
-          <a:p>
-            <a:pPr lvl="1"/>
-            <a:r>
-              <a:rPr lang="en-US" sz="1800" dirty="0"/>
-              <a:t>The sequence produced are not truly statistically random, but may pass </a:t>
-            </a:r>
-            <a:r>
-              <a:rPr lang="en-US" sz="1800" dirty="0">
-                <a:latin typeface="Arial" pitchFamily="-110" charset="0"/>
-                <a:ea typeface="ＭＳ Ｐゴシック" pitchFamily="-110" charset="-128"/>
-                <a:cs typeface="ＭＳ Ｐゴシック" pitchFamily="-110" charset="-128"/>
-              </a:rPr>
-              <a:t>many reasonable tests of randomness</a:t>
-            </a:r>
-            <a:endParaRPr lang="en-US" sz="1800" dirty="0"/>
-          </a:p>
-          <a:p>
-            <a:pPr lvl="0" rtl="0"/>
-            <a:r>
-              <a:rPr lang="en-US" sz="2400" dirty="0"/>
-              <a:t>True random number generator (TRNG):</a:t>
-            </a:r>
-          </a:p>
-          <a:p>
-            <a:pPr lvl="1" rtl="0"/>
-            <a:r>
-              <a:rPr lang="en-US" sz="1800" dirty="0"/>
-              <a:t>Uses a nondeterministic source to produce randomness</a:t>
-            </a:r>
-          </a:p>
-          <a:p>
-            <a:pPr lvl="1" rtl="0"/>
-            <a:r>
-              <a:rPr lang="en-US" sz="1800" dirty="0"/>
-              <a:t>Most operate by measuring unpredictable natural processes</a:t>
-            </a:r>
-          </a:p>
-          <a:p>
-            <a:pPr lvl="2" rtl="0"/>
-            <a:r>
-              <a:rPr lang="en-US" sz="1800" dirty="0"/>
-              <a:t>e.g. radiation, gas discharge, leaky capacitors</a:t>
-            </a:r>
-          </a:p>
-        </p:txBody>
-      </p:sp>
-    </p:spTree>
   </p:cSld>
   <p:clrMapOvr>
     <a:masterClrMapping/>
@@ -18911,6 +20424,182 @@
         <p14:creationId xmlns:p14="http://schemas.microsoft.com/office/powerpoint/2010/main" val="2226536547"/>
       </p:ext>
     </p:extLst>
+  </p:cSld>
+  <p:clrMapOvr>
+    <a:masterClrMapping/>
+  </p:clrMapOvr>
+</p:sld>
+</file>
+
+<file path=ppt/slides/slide30.xml><?xml version="1.0" encoding="utf-8"?>
+<p:sld xmlns:a="http://schemas.openxmlformats.org/drawingml/2006/main" xmlns:r="http://schemas.openxmlformats.org/officeDocument/2006/relationships" xmlns:p="http://schemas.openxmlformats.org/presentationml/2006/main">
+  <p:cSld>
+    <p:spTree>
+      <p:nvGrpSpPr>
+        <p:cNvPr id="1" name=""/>
+        <p:cNvGrpSpPr/>
+        <p:nvPr/>
+      </p:nvGrpSpPr>
+      <p:grpSpPr>
+        <a:xfrm>
+          <a:off x="0" y="0"/>
+          <a:ext cx="0" cy="0"/>
+          <a:chOff x="0" y="0"/>
+          <a:chExt cx="0" cy="0"/>
+        </a:xfrm>
+      </p:grpSpPr>
+      <p:sp>
+        <p:nvSpPr>
+          <p:cNvPr id="251906" name="Rectangle 2"/>
+          <p:cNvSpPr>
+            <a:spLocks noGrp="1" noChangeArrowheads="1"/>
+          </p:cNvSpPr>
+          <p:nvPr>
+            <p:ph type="title"/>
+          </p:nvPr>
+        </p:nvSpPr>
+        <p:spPr/>
+        <p:txBody>
+          <a:bodyPr/>
+          <a:lstStyle/>
+          <a:p>
+            <a:pPr fontAlgn="auto">
+              <a:spcAft>
+                <a:spcPts val="0"/>
+              </a:spcAft>
+              <a:defRPr/>
+            </a:pPr>
+            <a:r>
+              <a:rPr lang="en-US" altLang="en-US" dirty="0"/>
+              <a:t>Pseudorandom vs. Random Numbers</a:t>
+            </a:r>
+          </a:p>
+        </p:txBody>
+      </p:sp>
+      <p:sp>
+        <p:nvSpPr>
+          <p:cNvPr id="2" name="灯片编号占位符 1"/>
+          <p:cNvSpPr>
+            <a:spLocks noGrp="1"/>
+          </p:cNvSpPr>
+          <p:nvPr>
+            <p:ph type="sldNum" sz="quarter" idx="12"/>
+          </p:nvPr>
+        </p:nvSpPr>
+        <p:spPr/>
+        <p:txBody>
+          <a:bodyPr/>
+          <a:lstStyle/>
+          <a:p>
+            <a:fld id="{5F36C9FC-DA22-1F47-8722-58727A1D436E}" type="slidenum">
+              <a:rPr lang="en-US" smtClean="0">
+                <a:solidFill>
+                  <a:prstClr val="white">
+                    <a:lumMod val="65000"/>
+                    <a:lumOff val="35000"/>
+                  </a:prstClr>
+                </a:solidFill>
+              </a:rPr>
+              <a:pPr/>
+              <a:t>30</a:t>
+            </a:fld>
+            <a:endParaRPr lang="en-US" dirty="0">
+              <a:solidFill>
+                <a:prstClr val="white">
+                  <a:lumMod val="65000"/>
+                  <a:lumOff val="35000"/>
+                </a:prstClr>
+              </a:solidFill>
+            </a:endParaRPr>
+          </a:p>
+        </p:txBody>
+      </p:sp>
+      <p:sp>
+        <p:nvSpPr>
+          <p:cNvPr id="3" name="Content Placeholder 2">
+            <a:extLst>
+              <a:ext uri="{FF2B5EF4-FFF2-40B4-BE49-F238E27FC236}">
+                <a16:creationId xmlns:a16="http://schemas.microsoft.com/office/drawing/2014/main" id="{0CD9B914-F45F-4811-AA7F-70B9B5CCBE89}"/>
+              </a:ext>
+            </a:extLst>
+          </p:cNvPr>
+          <p:cNvSpPr>
+            <a:spLocks noGrp="1"/>
+          </p:cNvSpPr>
+          <p:nvPr>
+            <p:ph idx="1"/>
+          </p:nvPr>
+        </p:nvSpPr>
+        <p:spPr>
+          <a:xfrm>
+            <a:off x="323528" y="1196753"/>
+            <a:ext cx="8568952" cy="5591168"/>
+          </a:xfrm>
+        </p:spPr>
+        <p:txBody>
+          <a:bodyPr/>
+          <a:lstStyle/>
+          <a:p>
+            <a:pPr lvl="0"/>
+            <a:r>
+              <a:rPr lang="en-US" sz="2400" dirty="0"/>
+              <a:t>Pseudorandom numbers are generated with deterministic algorithms with random seeds:</a:t>
+            </a:r>
+          </a:p>
+          <a:p>
+            <a:pPr lvl="1"/>
+            <a:r>
+              <a:rPr lang="en-US" sz="1800" dirty="0"/>
+              <a:t>The same seed results in the same sequence of random numbers</a:t>
+            </a:r>
+          </a:p>
+          <a:p>
+            <a:pPr lvl="1"/>
+            <a:r>
+              <a:rPr lang="en-US" sz="1800" dirty="0"/>
+              <a:t>The sequence produced are not truly statistically random, but may pass </a:t>
+            </a:r>
+            <a:r>
+              <a:rPr lang="en-US" sz="1800" dirty="0">
+                <a:latin typeface="Arial" pitchFamily="-110" charset="0"/>
+                <a:ea typeface="ＭＳ Ｐゴシック" pitchFamily="-110" charset="-128"/>
+                <a:cs typeface="ＭＳ Ｐゴシック" pitchFamily="-110" charset="-128"/>
+              </a:rPr>
+              <a:t>many reasonable tests of randomness</a:t>
+            </a:r>
+            <a:endParaRPr lang="en-US" sz="1800" dirty="0"/>
+          </a:p>
+          <a:p>
+            <a:pPr lvl="0" rtl="0"/>
+            <a:r>
+              <a:rPr lang="en-US" sz="2400" dirty="0"/>
+              <a:t>True random number generator (TRNG):</a:t>
+            </a:r>
+          </a:p>
+          <a:p>
+            <a:pPr lvl="1" rtl="0"/>
+            <a:r>
+              <a:rPr lang="en-US" sz="1800" dirty="0"/>
+              <a:t>Uses a nondeterministic source to produce randomness</a:t>
+            </a:r>
+          </a:p>
+          <a:p>
+            <a:pPr lvl="1" rtl="0"/>
+            <a:r>
+              <a:rPr lang="en-US" sz="1800" dirty="0"/>
+              <a:t>Most operate by measuring unpredictable natural processes</a:t>
+            </a:r>
+          </a:p>
+          <a:p>
+            <a:pPr lvl="2" rtl="0"/>
+            <a:r>
+              <a:rPr lang="en-US" sz="1800" dirty="0"/>
+              <a:t>e.g. radiation, gas discharge, leaky capacitors</a:t>
+            </a:r>
+          </a:p>
+        </p:txBody>
+      </p:sp>
+    </p:spTree>
   </p:cSld>
   <p:clrMapOvr>
     <a:masterClrMapping/>

--- a/InfoSec/PPTs/L2-CH02-Cryptograpic Tools.pptx
+++ b/InfoSec/PPTs/L2-CH02-Cryptograpic Tools.pptx
@@ -5,10 +5,10 @@
     <p:sldMasterId id="2147483878" r:id="rId1"/>
   </p:sldMasterIdLst>
   <p:notesMasterIdLst>
-    <p:notesMasterId r:id="rId32"/>
+    <p:notesMasterId r:id="rId33"/>
   </p:notesMasterIdLst>
   <p:handoutMasterIdLst>
-    <p:handoutMasterId r:id="rId33"/>
+    <p:handoutMasterId r:id="rId34"/>
   </p:handoutMasterIdLst>
   <p:sldIdLst>
     <p:sldId id="384" r:id="rId2"/>
@@ -23,8 +23,8 @@
     <p:sldId id="365" r:id="rId11"/>
     <p:sldId id="445" r:id="rId12"/>
     <p:sldId id="446" r:id="rId13"/>
-    <p:sldId id="392" r:id="rId14"/>
-    <p:sldId id="447" r:id="rId15"/>
+    <p:sldId id="447" r:id="rId14"/>
+    <p:sldId id="392" r:id="rId15"/>
     <p:sldId id="448" r:id="rId16"/>
     <p:sldId id="371" r:id="rId17"/>
     <p:sldId id="372" r:id="rId18"/>
@@ -34,13 +34,14 @@
     <p:sldId id="409" r:id="rId22"/>
     <p:sldId id="422" r:id="rId23"/>
     <p:sldId id="410" r:id="rId24"/>
-    <p:sldId id="453" r:id="rId25"/>
-    <p:sldId id="421" r:id="rId26"/>
-    <p:sldId id="419" r:id="rId27"/>
-    <p:sldId id="423" r:id="rId28"/>
-    <p:sldId id="449" r:id="rId29"/>
-    <p:sldId id="450" r:id="rId30"/>
-    <p:sldId id="385" r:id="rId31"/>
+    <p:sldId id="454" r:id="rId25"/>
+    <p:sldId id="453" r:id="rId26"/>
+    <p:sldId id="421" r:id="rId27"/>
+    <p:sldId id="419" r:id="rId28"/>
+    <p:sldId id="423" r:id="rId29"/>
+    <p:sldId id="449" r:id="rId30"/>
+    <p:sldId id="450" r:id="rId31"/>
+    <p:sldId id="385" r:id="rId32"/>
   </p:sldIdLst>
   <p:sldSz cx="9144000" cy="6858000" type="screen4x3"/>
   <p:notesSz cx="6858000" cy="9144000"/>
@@ -186,8 +187,8 @@
             <p14:sldId id="365"/>
             <p14:sldId id="445"/>
             <p14:sldId id="446"/>
+            <p14:sldId id="447"/>
             <p14:sldId id="392"/>
-            <p14:sldId id="447"/>
             <p14:sldId id="448"/>
             <p14:sldId id="371"/>
             <p14:sldId id="372"/>
@@ -197,6 +198,7 @@
             <p14:sldId id="409"/>
             <p14:sldId id="422"/>
             <p14:sldId id="410"/>
+            <p14:sldId id="454"/>
             <p14:sldId id="453"/>
             <p14:sldId id="421"/>
             <p14:sldId id="419"/>
@@ -335,7 +337,7 @@
             <a:fld id="{999DDEF9-8F79-3F4A-8C1A-CB2E900DCD92}" type="datetimeFigureOut">
               <a:rPr lang="en-US" smtClean="0"/>
               <a:pPr/>
-              <a:t>4/22/2020</a:t>
+              <a:t>4/23/2020</a:t>
             </a:fld>
             <a:endParaRPr lang="en-US"/>
           </a:p>
@@ -2246,6 +2248,252 @@
       </p:grpSpPr>
       <p:sp>
         <p:nvSpPr>
+          <p:cNvPr id="2" name="Slide Image Placeholder 1"/>
+          <p:cNvSpPr>
+            <a:spLocks noGrp="1" noRot="1" noChangeAspect="1"/>
+          </p:cNvSpPr>
+          <p:nvPr>
+            <p:ph type="sldImg"/>
+          </p:nvPr>
+        </p:nvSpPr>
+        <p:spPr/>
+      </p:sp>
+      <p:sp>
+        <p:nvSpPr>
+          <p:cNvPr id="3" name="Notes Placeholder 2"/>
+          <p:cNvSpPr>
+            <a:spLocks noGrp="1"/>
+          </p:cNvSpPr>
+          <p:nvPr>
+            <p:ph type="body" idx="1"/>
+          </p:nvPr>
+        </p:nvSpPr>
+        <p:spPr/>
+        <p:txBody>
+          <a:bodyPr/>
+          <a:lstStyle/>
+          <a:p>
+            <a:r>
+              <a:rPr lang="en-US" dirty="0">
+                <a:latin typeface="Arial" pitchFamily="-110" charset="0"/>
+                <a:ea typeface="ＭＳ Ｐゴシック" pitchFamily="-110" charset="-128"/>
+                <a:cs typeface="ＭＳ Ｐゴシック" pitchFamily="-110" charset="-128"/>
+              </a:rPr>
+              <a:t>Because of its drawbacks, 3DES is not a</a:t>
+            </a:r>
+          </a:p>
+          <a:p>
+            <a:r>
+              <a:rPr lang="en-US" dirty="0">
+                <a:latin typeface="Arial" pitchFamily="-110" charset="0"/>
+                <a:ea typeface="ＭＳ Ｐゴシック" pitchFamily="-110" charset="-128"/>
+                <a:cs typeface="ＭＳ Ｐゴシック" pitchFamily="-110" charset="-128"/>
+              </a:rPr>
+              <a:t>reasonable candidate for long-term use. As a replacement, NIST in 1997 issued a</a:t>
+            </a:r>
+          </a:p>
+          <a:p>
+            <a:r>
+              <a:rPr lang="en-US" dirty="0">
+                <a:latin typeface="Arial" pitchFamily="-110" charset="0"/>
+                <a:ea typeface="ＭＳ Ｐゴシック" pitchFamily="-110" charset="-128"/>
+                <a:cs typeface="ＭＳ Ｐゴシック" pitchFamily="-110" charset="-128"/>
+              </a:rPr>
+              <a:t>call for proposals for a new Advanced Encryption Standard (AES), which should</a:t>
+            </a:r>
+          </a:p>
+          <a:p>
+            <a:r>
+              <a:rPr lang="en-US" dirty="0">
+                <a:latin typeface="Arial" pitchFamily="-110" charset="0"/>
+                <a:ea typeface="ＭＳ Ｐゴシック" pitchFamily="-110" charset="-128"/>
+                <a:cs typeface="ＭＳ Ｐゴシック" pitchFamily="-110" charset="-128"/>
+              </a:rPr>
+              <a:t>have a security strength equal to or better than 3DES and significantly improved</a:t>
+            </a:r>
+          </a:p>
+          <a:p>
+            <a:r>
+              <a:rPr lang="en-US" dirty="0">
+                <a:latin typeface="Arial" pitchFamily="-110" charset="0"/>
+                <a:ea typeface="ＭＳ Ｐゴシック" pitchFamily="-110" charset="-128"/>
+                <a:cs typeface="ＭＳ Ｐゴシック" pitchFamily="-110" charset="-128"/>
+              </a:rPr>
+              <a:t>efficiency. In addition to these general requirements, NIST specified that AES must</a:t>
+            </a:r>
+          </a:p>
+          <a:p>
+            <a:r>
+              <a:rPr lang="en-US" dirty="0">
+                <a:latin typeface="Arial" pitchFamily="-110" charset="0"/>
+                <a:ea typeface="ＭＳ Ｐゴシック" pitchFamily="-110" charset="-128"/>
+                <a:cs typeface="ＭＳ Ｐゴシック" pitchFamily="-110" charset="-128"/>
+              </a:rPr>
+              <a:t>be a symmetric block cipher with a block length of 128 bits and support for key</a:t>
+            </a:r>
+          </a:p>
+          <a:p>
+            <a:r>
+              <a:rPr lang="en-US" dirty="0">
+                <a:latin typeface="Arial" pitchFamily="-110" charset="0"/>
+                <a:ea typeface="ＭＳ Ｐゴシック" pitchFamily="-110" charset="-128"/>
+                <a:cs typeface="ＭＳ Ｐゴシック" pitchFamily="-110" charset="-128"/>
+              </a:rPr>
+              <a:t>lengths of 128, 192, and 256 bits. Evaluation criteria included security, computational</a:t>
+            </a:r>
+          </a:p>
+          <a:p>
+            <a:r>
+              <a:rPr lang="en-US" dirty="0">
+                <a:latin typeface="Arial" pitchFamily="-110" charset="0"/>
+                <a:ea typeface="ＭＳ Ｐゴシック" pitchFamily="-110" charset="-128"/>
+                <a:cs typeface="ＭＳ Ｐゴシック" pitchFamily="-110" charset="-128"/>
+              </a:rPr>
+              <a:t>efficiency, memory requirements, hardware and software suitability, and flexibility.</a:t>
+            </a:r>
+          </a:p>
+          <a:p>
+            <a:endParaRPr lang="en-US" dirty="0">
+              <a:latin typeface="Arial" pitchFamily="-110" charset="0"/>
+              <a:ea typeface="ＭＳ Ｐゴシック" pitchFamily="-110" charset="-128"/>
+              <a:cs typeface="ＭＳ Ｐゴシック" pitchFamily="-110" charset="-128"/>
+            </a:endParaRPr>
+          </a:p>
+          <a:p>
+            <a:r>
+              <a:rPr lang="en-US" dirty="0">
+                <a:latin typeface="Arial" pitchFamily="-110" charset="0"/>
+                <a:ea typeface="ＭＳ Ｐゴシック" pitchFamily="-110" charset="-128"/>
+                <a:cs typeface="ＭＳ Ｐゴシック" pitchFamily="-110" charset="-128"/>
+              </a:rPr>
+              <a:t>In a first round of evaluation, 15 proposed algorithms were accepted. A</a:t>
+            </a:r>
+          </a:p>
+          <a:p>
+            <a:r>
+              <a:rPr lang="en-US" dirty="0">
+                <a:latin typeface="Arial" pitchFamily="-110" charset="0"/>
+                <a:ea typeface="ＭＳ Ｐゴシック" pitchFamily="-110" charset="-128"/>
+                <a:cs typeface="ＭＳ Ｐゴシック" pitchFamily="-110" charset="-128"/>
+              </a:rPr>
+              <a:t>second round narrowed the field to 5 algorithms. NIST completed its evaluation</a:t>
+            </a:r>
+          </a:p>
+          <a:p>
+            <a:r>
+              <a:rPr lang="en-US" dirty="0">
+                <a:latin typeface="Arial" pitchFamily="-110" charset="0"/>
+                <a:ea typeface="ＭＳ Ｐゴシック" pitchFamily="-110" charset="-128"/>
+                <a:cs typeface="ＭＳ Ｐゴシック" pitchFamily="-110" charset="-128"/>
+              </a:rPr>
+              <a:t>process and published a final standard (FIPS PUB 197) in November of 2001. NIST</a:t>
+            </a:r>
+          </a:p>
+          <a:p>
+            <a:r>
+              <a:rPr lang="en-US" dirty="0">
+                <a:latin typeface="Arial" pitchFamily="-110" charset="0"/>
+                <a:ea typeface="ＭＳ Ｐゴシック" pitchFamily="-110" charset="-128"/>
+                <a:cs typeface="ＭＳ Ｐゴシック" pitchFamily="-110" charset="-128"/>
+              </a:rPr>
+              <a:t>selected </a:t>
+            </a:r>
+            <a:r>
+              <a:rPr lang="en-US" dirty="0" err="1">
+                <a:latin typeface="Arial" pitchFamily="-110" charset="0"/>
+                <a:ea typeface="ＭＳ Ｐゴシック" pitchFamily="-110" charset="-128"/>
+                <a:cs typeface="ＭＳ Ｐゴシック" pitchFamily="-110" charset="-128"/>
+              </a:rPr>
+              <a:t>Rijndael</a:t>
+            </a:r>
+            <a:r>
+              <a:rPr lang="en-US" dirty="0">
+                <a:latin typeface="Arial" pitchFamily="-110" charset="0"/>
+                <a:ea typeface="ＭＳ Ｐゴシック" pitchFamily="-110" charset="-128"/>
+                <a:cs typeface="ＭＳ Ｐゴシック" pitchFamily="-110" charset="-128"/>
+              </a:rPr>
+              <a:t> as the proposed AES algorithm. AES is now widely available in</a:t>
+            </a:r>
+          </a:p>
+          <a:p>
+            <a:r>
+              <a:rPr lang="en-US" dirty="0">
+                <a:latin typeface="Arial" pitchFamily="-110" charset="0"/>
+                <a:ea typeface="ＭＳ Ｐゴシック" pitchFamily="-110" charset="-128"/>
+                <a:cs typeface="ＭＳ Ｐゴシック" pitchFamily="-110" charset="-128"/>
+              </a:rPr>
+              <a:t>commercial products. AES is described in detail in Chapter 20.</a:t>
+            </a:r>
+            <a:endParaRPr lang="en-US" dirty="0">
+              <a:solidFill>
+                <a:srgbClr val="000000"/>
+              </a:solidFill>
+              <a:latin typeface="Times New Roman" pitchFamily="-110" charset="0"/>
+              <a:ea typeface="ＭＳ Ｐゴシック" pitchFamily="-110" charset="-128"/>
+              <a:cs typeface="ＭＳ Ｐゴシック" pitchFamily="-110" charset="-128"/>
+            </a:endParaRPr>
+          </a:p>
+          <a:p>
+            <a:endParaRPr lang="en-SE" dirty="0"/>
+          </a:p>
+        </p:txBody>
+      </p:sp>
+      <p:sp>
+        <p:nvSpPr>
+          <p:cNvPr id="4" name="Slide Number Placeholder 3"/>
+          <p:cNvSpPr>
+            <a:spLocks noGrp="1"/>
+          </p:cNvSpPr>
+          <p:nvPr>
+            <p:ph type="sldNum" sz="quarter" idx="5"/>
+          </p:nvPr>
+        </p:nvSpPr>
+        <p:spPr/>
+        <p:txBody>
+          <a:bodyPr/>
+          <a:lstStyle/>
+          <a:p>
+            <a:fld id="{F8560DBF-F109-8946-ADF0-EE66B221E988}" type="slidenum">
+              <a:rPr lang="en-AU" smtClean="0"/>
+              <a:pPr/>
+              <a:t>13</a:t>
+            </a:fld>
+            <a:endParaRPr lang="en-AU" dirty="0"/>
+          </a:p>
+        </p:txBody>
+      </p:sp>
+    </p:spTree>
+    <p:extLst>
+      <p:ext uri="{BB962C8B-B14F-4D97-AF65-F5344CB8AC3E}">
+        <p14:creationId xmlns:p14="http://schemas.microsoft.com/office/powerpoint/2010/main" val="3898323612"/>
+      </p:ext>
+    </p:extLst>
+  </p:cSld>
+  <p:clrMapOvr>
+    <a:masterClrMapping/>
+  </p:clrMapOvr>
+</p:notes>
+</file>
+
+<file path=ppt/notesSlides/notesSlide14.xml><?xml version="1.0" encoding="utf-8"?>
+<p:notes xmlns:a="http://schemas.openxmlformats.org/drawingml/2006/main" xmlns:r="http://schemas.openxmlformats.org/officeDocument/2006/relationships" xmlns:p="http://schemas.openxmlformats.org/presentationml/2006/main">
+  <p:cSld>
+    <p:spTree>
+      <p:nvGrpSpPr>
+        <p:cNvPr id="1" name=""/>
+        <p:cNvGrpSpPr/>
+        <p:nvPr/>
+      </p:nvGrpSpPr>
+      <p:grpSpPr>
+        <a:xfrm>
+          <a:off x="0" y="0"/>
+          <a:ext cx="0" cy="0"/>
+          <a:chOff x="0" y="0"/>
+          <a:chExt cx="0" cy="0"/>
+        </a:xfrm>
+      </p:grpSpPr>
+      <p:sp>
+        <p:nvSpPr>
           <p:cNvPr id="26626" name="Rectangle 7"/>
           <p:cNvSpPr>
             <a:spLocks noGrp="1" noChangeArrowheads="1"/>
@@ -2266,7 +2514,7 @@
                 <a:latin typeface="Arial" pitchFamily="-110" charset="0"/>
               </a:rPr>
               <a:pPr/>
-              <a:t>13</a:t>
+              <a:t>14</a:t>
             </a:fld>
             <a:endParaRPr lang="en-AU">
               <a:latin typeface="Arial" pitchFamily="-110" charset="0"/>
@@ -2446,252 +2694,6 @@
     <p:extLst>
       <p:ext uri="{BB962C8B-B14F-4D97-AF65-F5344CB8AC3E}">
         <p14:creationId xmlns:p14="http://schemas.microsoft.com/office/powerpoint/2010/main" val="360876573"/>
-      </p:ext>
-    </p:extLst>
-  </p:cSld>
-  <p:clrMapOvr>
-    <a:masterClrMapping/>
-  </p:clrMapOvr>
-</p:notes>
-</file>
-
-<file path=ppt/notesSlides/notesSlide14.xml><?xml version="1.0" encoding="utf-8"?>
-<p:notes xmlns:a="http://schemas.openxmlformats.org/drawingml/2006/main" xmlns:r="http://schemas.openxmlformats.org/officeDocument/2006/relationships" xmlns:p="http://schemas.openxmlformats.org/presentationml/2006/main">
-  <p:cSld>
-    <p:spTree>
-      <p:nvGrpSpPr>
-        <p:cNvPr id="1" name=""/>
-        <p:cNvGrpSpPr/>
-        <p:nvPr/>
-      </p:nvGrpSpPr>
-      <p:grpSpPr>
-        <a:xfrm>
-          <a:off x="0" y="0"/>
-          <a:ext cx="0" cy="0"/>
-          <a:chOff x="0" y="0"/>
-          <a:chExt cx="0" cy="0"/>
-        </a:xfrm>
-      </p:grpSpPr>
-      <p:sp>
-        <p:nvSpPr>
-          <p:cNvPr id="2" name="Slide Image Placeholder 1"/>
-          <p:cNvSpPr>
-            <a:spLocks noGrp="1" noRot="1" noChangeAspect="1"/>
-          </p:cNvSpPr>
-          <p:nvPr>
-            <p:ph type="sldImg"/>
-          </p:nvPr>
-        </p:nvSpPr>
-        <p:spPr/>
-      </p:sp>
-      <p:sp>
-        <p:nvSpPr>
-          <p:cNvPr id="3" name="Notes Placeholder 2"/>
-          <p:cNvSpPr>
-            <a:spLocks noGrp="1"/>
-          </p:cNvSpPr>
-          <p:nvPr>
-            <p:ph type="body" idx="1"/>
-          </p:nvPr>
-        </p:nvSpPr>
-        <p:spPr/>
-        <p:txBody>
-          <a:bodyPr/>
-          <a:lstStyle/>
-          <a:p>
-            <a:r>
-              <a:rPr lang="en-US" dirty="0">
-                <a:latin typeface="Arial" pitchFamily="-110" charset="0"/>
-                <a:ea typeface="ＭＳ Ｐゴシック" pitchFamily="-110" charset="-128"/>
-                <a:cs typeface="ＭＳ Ｐゴシック" pitchFamily="-110" charset="-128"/>
-              </a:rPr>
-              <a:t>Because of its drawbacks, 3DES is not a</a:t>
-            </a:r>
-          </a:p>
-          <a:p>
-            <a:r>
-              <a:rPr lang="en-US" dirty="0">
-                <a:latin typeface="Arial" pitchFamily="-110" charset="0"/>
-                <a:ea typeface="ＭＳ Ｐゴシック" pitchFamily="-110" charset="-128"/>
-                <a:cs typeface="ＭＳ Ｐゴシック" pitchFamily="-110" charset="-128"/>
-              </a:rPr>
-              <a:t>reasonable candidate for long-term use. As a replacement, NIST in 1997 issued a</a:t>
-            </a:r>
-          </a:p>
-          <a:p>
-            <a:r>
-              <a:rPr lang="en-US" dirty="0">
-                <a:latin typeface="Arial" pitchFamily="-110" charset="0"/>
-                <a:ea typeface="ＭＳ Ｐゴシック" pitchFamily="-110" charset="-128"/>
-                <a:cs typeface="ＭＳ Ｐゴシック" pitchFamily="-110" charset="-128"/>
-              </a:rPr>
-              <a:t>call for proposals for a new Advanced Encryption Standard (AES), which should</a:t>
-            </a:r>
-          </a:p>
-          <a:p>
-            <a:r>
-              <a:rPr lang="en-US" dirty="0">
-                <a:latin typeface="Arial" pitchFamily="-110" charset="0"/>
-                <a:ea typeface="ＭＳ Ｐゴシック" pitchFamily="-110" charset="-128"/>
-                <a:cs typeface="ＭＳ Ｐゴシック" pitchFamily="-110" charset="-128"/>
-              </a:rPr>
-              <a:t>have a security strength equal to or better than 3DES and significantly improved</a:t>
-            </a:r>
-          </a:p>
-          <a:p>
-            <a:r>
-              <a:rPr lang="en-US" dirty="0">
-                <a:latin typeface="Arial" pitchFamily="-110" charset="0"/>
-                <a:ea typeface="ＭＳ Ｐゴシック" pitchFamily="-110" charset="-128"/>
-                <a:cs typeface="ＭＳ Ｐゴシック" pitchFamily="-110" charset="-128"/>
-              </a:rPr>
-              <a:t>efficiency. In addition to these general requirements, NIST specified that AES must</a:t>
-            </a:r>
-          </a:p>
-          <a:p>
-            <a:r>
-              <a:rPr lang="en-US" dirty="0">
-                <a:latin typeface="Arial" pitchFamily="-110" charset="0"/>
-                <a:ea typeface="ＭＳ Ｐゴシック" pitchFamily="-110" charset="-128"/>
-                <a:cs typeface="ＭＳ Ｐゴシック" pitchFamily="-110" charset="-128"/>
-              </a:rPr>
-              <a:t>be a symmetric block cipher with a block length of 128 bits and support for key</a:t>
-            </a:r>
-          </a:p>
-          <a:p>
-            <a:r>
-              <a:rPr lang="en-US" dirty="0">
-                <a:latin typeface="Arial" pitchFamily="-110" charset="0"/>
-                <a:ea typeface="ＭＳ Ｐゴシック" pitchFamily="-110" charset="-128"/>
-                <a:cs typeface="ＭＳ Ｐゴシック" pitchFamily="-110" charset="-128"/>
-              </a:rPr>
-              <a:t>lengths of 128, 192, and 256 bits. Evaluation criteria included security, computational</a:t>
-            </a:r>
-          </a:p>
-          <a:p>
-            <a:r>
-              <a:rPr lang="en-US" dirty="0">
-                <a:latin typeface="Arial" pitchFamily="-110" charset="0"/>
-                <a:ea typeface="ＭＳ Ｐゴシック" pitchFamily="-110" charset="-128"/>
-                <a:cs typeface="ＭＳ Ｐゴシック" pitchFamily="-110" charset="-128"/>
-              </a:rPr>
-              <a:t>efficiency, memory requirements, hardware and software suitability, and flexibility.</a:t>
-            </a:r>
-          </a:p>
-          <a:p>
-            <a:endParaRPr lang="en-US" dirty="0">
-              <a:latin typeface="Arial" pitchFamily="-110" charset="0"/>
-              <a:ea typeface="ＭＳ Ｐゴシック" pitchFamily="-110" charset="-128"/>
-              <a:cs typeface="ＭＳ Ｐゴシック" pitchFamily="-110" charset="-128"/>
-            </a:endParaRPr>
-          </a:p>
-          <a:p>
-            <a:r>
-              <a:rPr lang="en-US" dirty="0">
-                <a:latin typeface="Arial" pitchFamily="-110" charset="0"/>
-                <a:ea typeface="ＭＳ Ｐゴシック" pitchFamily="-110" charset="-128"/>
-                <a:cs typeface="ＭＳ Ｐゴシック" pitchFamily="-110" charset="-128"/>
-              </a:rPr>
-              <a:t>In a first round of evaluation, 15 proposed algorithms were accepted. A</a:t>
-            </a:r>
-          </a:p>
-          <a:p>
-            <a:r>
-              <a:rPr lang="en-US" dirty="0">
-                <a:latin typeface="Arial" pitchFamily="-110" charset="0"/>
-                <a:ea typeface="ＭＳ Ｐゴシック" pitchFamily="-110" charset="-128"/>
-                <a:cs typeface="ＭＳ Ｐゴシック" pitchFamily="-110" charset="-128"/>
-              </a:rPr>
-              <a:t>second round narrowed the field to 5 algorithms. NIST completed its evaluation</a:t>
-            </a:r>
-          </a:p>
-          <a:p>
-            <a:r>
-              <a:rPr lang="en-US" dirty="0">
-                <a:latin typeface="Arial" pitchFamily="-110" charset="0"/>
-                <a:ea typeface="ＭＳ Ｐゴシック" pitchFamily="-110" charset="-128"/>
-                <a:cs typeface="ＭＳ Ｐゴシック" pitchFamily="-110" charset="-128"/>
-              </a:rPr>
-              <a:t>process and published a final standard (FIPS PUB 197) in November of 2001. NIST</a:t>
-            </a:r>
-          </a:p>
-          <a:p>
-            <a:r>
-              <a:rPr lang="en-US" dirty="0">
-                <a:latin typeface="Arial" pitchFamily="-110" charset="0"/>
-                <a:ea typeface="ＭＳ Ｐゴシック" pitchFamily="-110" charset="-128"/>
-                <a:cs typeface="ＭＳ Ｐゴシック" pitchFamily="-110" charset="-128"/>
-              </a:rPr>
-              <a:t>selected </a:t>
-            </a:r>
-            <a:r>
-              <a:rPr lang="en-US" dirty="0" err="1">
-                <a:latin typeface="Arial" pitchFamily="-110" charset="0"/>
-                <a:ea typeface="ＭＳ Ｐゴシック" pitchFamily="-110" charset="-128"/>
-                <a:cs typeface="ＭＳ Ｐゴシック" pitchFamily="-110" charset="-128"/>
-              </a:rPr>
-              <a:t>Rijndael</a:t>
-            </a:r>
-            <a:r>
-              <a:rPr lang="en-US" dirty="0">
-                <a:latin typeface="Arial" pitchFamily="-110" charset="0"/>
-                <a:ea typeface="ＭＳ Ｐゴシック" pitchFamily="-110" charset="-128"/>
-                <a:cs typeface="ＭＳ Ｐゴシック" pitchFamily="-110" charset="-128"/>
-              </a:rPr>
-              <a:t> as the proposed AES algorithm. AES is now widely available in</a:t>
-            </a:r>
-          </a:p>
-          <a:p>
-            <a:r>
-              <a:rPr lang="en-US" dirty="0">
-                <a:latin typeface="Arial" pitchFamily="-110" charset="0"/>
-                <a:ea typeface="ＭＳ Ｐゴシック" pitchFamily="-110" charset="-128"/>
-                <a:cs typeface="ＭＳ Ｐゴシック" pitchFamily="-110" charset="-128"/>
-              </a:rPr>
-              <a:t>commercial products. AES is described in detail in Chapter 20.</a:t>
-            </a:r>
-            <a:endParaRPr lang="en-US" dirty="0">
-              <a:solidFill>
-                <a:srgbClr val="000000"/>
-              </a:solidFill>
-              <a:latin typeface="Times New Roman" pitchFamily="-110" charset="0"/>
-              <a:ea typeface="ＭＳ Ｐゴシック" pitchFamily="-110" charset="-128"/>
-              <a:cs typeface="ＭＳ Ｐゴシック" pitchFamily="-110" charset="-128"/>
-            </a:endParaRPr>
-          </a:p>
-          <a:p>
-            <a:endParaRPr lang="en-SE" dirty="0"/>
-          </a:p>
-        </p:txBody>
-      </p:sp>
-      <p:sp>
-        <p:nvSpPr>
-          <p:cNvPr id="4" name="Slide Number Placeholder 3"/>
-          <p:cNvSpPr>
-            <a:spLocks noGrp="1"/>
-          </p:cNvSpPr>
-          <p:nvPr>
-            <p:ph type="sldNum" sz="quarter" idx="5"/>
-          </p:nvPr>
-        </p:nvSpPr>
-        <p:spPr/>
-        <p:txBody>
-          <a:bodyPr/>
-          <a:lstStyle/>
-          <a:p>
-            <a:fld id="{F8560DBF-F109-8946-ADF0-EE66B221E988}" type="slidenum">
-              <a:rPr lang="en-AU" smtClean="0"/>
-              <a:pPr/>
-              <a:t>14</a:t>
-            </a:fld>
-            <a:endParaRPr lang="en-AU" dirty="0"/>
-          </a:p>
-        </p:txBody>
-      </p:sp>
-    </p:spTree>
-    <p:extLst>
-      <p:ext uri="{BB962C8B-B14F-4D97-AF65-F5344CB8AC3E}">
-        <p14:creationId xmlns:p14="http://schemas.microsoft.com/office/powerpoint/2010/main" val="3898323612"/>
       </p:ext>
     </p:extLst>
   </p:cSld>
@@ -4266,8 +4268,8 @@
         </p:nvSpPr>
         <p:spPr/>
       </p:sp>
-      <mc:AlternateContent xmlns:mc="http://schemas.openxmlformats.org/markup-compatibility/2006">
-        <mc:Choice xmlns:a14="http://schemas.microsoft.com/office/drawing/2010/main" Requires="a14">
+      <mc:AlternateContent xmlns:mc="http://schemas.openxmlformats.org/markup-compatibility/2006" xmlns:a14="http://schemas.microsoft.com/office/drawing/2010/main">
+        <mc:Choice Requires="a14">
           <p:sp>
             <p:nvSpPr>
               <p:cNvPr id="3" name="Notes Placeholder 2"/>
@@ -4420,7 +4422,7 @@
             </p:txBody>
           </p:sp>
         </mc:Choice>
-        <mc:Fallback>
+        <mc:Fallback xmlns="">
           <p:sp>
             <p:nvSpPr>
               <p:cNvPr id="3" name="Notes Placeholder 2"/>
@@ -6069,7 +6071,7 @@
             <a:fld id="{F8560DBF-F109-8946-ADF0-EE66B221E988}" type="slidenum">
               <a:rPr lang="en-AU" smtClean="0"/>
               <a:pPr/>
-              <a:t>25</a:t>
+              <a:t>26</a:t>
             </a:fld>
             <a:endParaRPr lang="en-AU" dirty="0"/>
           </a:p>
@@ -6127,7 +6129,7 @@
                 <a:latin typeface="Arial" pitchFamily="-110" charset="0"/>
               </a:rPr>
               <a:pPr/>
-              <a:t>26</a:t>
+              <a:t>27</a:t>
             </a:fld>
             <a:endParaRPr lang="en-AU">
               <a:latin typeface="Arial" pitchFamily="-110" charset="0"/>
@@ -7151,7 +7153,7 @@
             <a:fld id="{F8560DBF-F109-8946-ADF0-EE66B221E988}" type="slidenum">
               <a:rPr lang="en-AU" smtClean="0"/>
               <a:pPr/>
-              <a:t>28</a:t>
+              <a:t>29</a:t>
             </a:fld>
             <a:endParaRPr lang="en-AU" dirty="0"/>
           </a:p>
@@ -7526,7 +7528,7 @@
             <a:fld id="{F8560DBF-F109-8946-ADF0-EE66B221E988}" type="slidenum">
               <a:rPr lang="en-AU" smtClean="0"/>
               <a:pPr/>
-              <a:t>29</a:t>
+              <a:t>30</a:t>
             </a:fld>
             <a:endParaRPr lang="en-AU" dirty="0"/>
           </a:p>
@@ -7584,7 +7586,7 @@
                 <a:latin typeface="Arial" pitchFamily="-110" charset="0"/>
               </a:rPr>
               <a:pPr/>
-              <a:t>30</a:t>
+              <a:t>31</a:t>
             </a:fld>
             <a:endParaRPr lang="en-AU">
               <a:latin typeface="Arial" pitchFamily="-110" charset="0"/>
@@ -13274,17 +13276,8 @@
           <a:p>
             <a:r>
               <a:rPr lang="en-US" sz="4400" dirty="0"/>
-              <a:t>CH02 </a:t>
-            </a:r>
-            <a:r>
-              <a:rPr lang="en-US" sz="4400" dirty="0" err="1"/>
-              <a:t>Cryptograpic</a:t>
-            </a:r>
-            <a:r>
-              <a:rPr lang="en-US" sz="4400"/>
-              <a:t> Tools</a:t>
-            </a:r>
-            <a:endParaRPr lang="en-US" sz="4400" dirty="0"/>
+              <a:t>CH02 Cryptographic Tools</a:t>
+            </a:r>
           </a:p>
         </p:txBody>
       </p:sp>
@@ -13558,10 +13551,15 @@
             <p:ph idx="1"/>
           </p:nvPr>
         </p:nvSpPr>
-        <p:spPr/>
+        <p:spPr>
+          <a:xfrm>
+            <a:off x="323528" y="1196753"/>
+            <a:ext cx="8568952" cy="3539370"/>
+          </a:xfrm>
+        </p:spPr>
         <p:txBody>
           <a:bodyPr>
-            <a:normAutofit/>
+            <a:normAutofit lnSpcReduction="10000"/>
           </a:bodyPr>
           <a:lstStyle/>
           <a:p>
@@ -13574,7 +13572,7 @@
             <a:pPr lvl="1"/>
             <a:r>
               <a:rPr lang="en-US" dirty="0"/>
-              <a:t>Key length of 56 bits is too short. </a:t>
+              <a:t>Key length of 56 bits is too short, and subject to brute-force attacks. </a:t>
             </a:r>
           </a:p>
           <a:p>
@@ -13940,155 +13938,6 @@
       </p:grpSpPr>
       <p:sp>
         <p:nvSpPr>
-          <p:cNvPr id="209922" name="Rectangle 2"/>
-          <p:cNvSpPr>
-            <a:spLocks noGrp="1" noChangeArrowheads="1"/>
-          </p:cNvSpPr>
-          <p:nvPr>
-            <p:ph type="title"/>
-          </p:nvPr>
-        </p:nvSpPr>
-        <p:spPr/>
-        <p:txBody>
-          <a:bodyPr>
-            <a:noAutofit/>
-          </a:bodyPr>
-          <a:lstStyle/>
-          <a:p>
-            <a:pPr>
-              <a:defRPr/>
-            </a:pPr>
-            <a:r>
-              <a:rPr lang="en-US" sz="4000" dirty="0">
-                <a:solidFill>
-                  <a:schemeClr val="accent6">
-                    <a:lumMod val="40000"/>
-                    <a:lumOff val="60000"/>
-                  </a:schemeClr>
-                </a:solidFill>
-              </a:rPr>
-              <a:t>Time Required for Brute-Force Attack</a:t>
-            </a:r>
-          </a:p>
-        </p:txBody>
-      </p:sp>
-      <p:sp>
-        <p:nvSpPr>
-          <p:cNvPr id="4" name="Content Placeholder 3">
-            <a:extLst>
-              <a:ext uri="{FF2B5EF4-FFF2-40B4-BE49-F238E27FC236}">
-                <a16:creationId xmlns:a16="http://schemas.microsoft.com/office/drawing/2014/main" id="{0620D220-F9BD-42EE-877E-2EA6BFB94FC0}"/>
-              </a:ext>
-            </a:extLst>
-          </p:cNvPr>
-          <p:cNvSpPr>
-            <a:spLocks noGrp="1"/>
-          </p:cNvSpPr>
-          <p:nvPr>
-            <p:ph idx="1"/>
-          </p:nvPr>
-        </p:nvSpPr>
-        <p:spPr/>
-        <p:txBody>
-          <a:bodyPr/>
-          <a:lstStyle/>
-          <a:p>
-            <a:endParaRPr lang="en-SE"/>
-          </a:p>
-        </p:txBody>
-      </p:sp>
-      <p:sp>
-        <p:nvSpPr>
-          <p:cNvPr id="3" name="灯片编号占位符 2"/>
-          <p:cNvSpPr>
-            <a:spLocks noGrp="1"/>
-          </p:cNvSpPr>
-          <p:nvPr>
-            <p:ph type="sldNum" sz="quarter" idx="12"/>
-          </p:nvPr>
-        </p:nvSpPr>
-        <p:spPr/>
-        <p:txBody>
-          <a:bodyPr/>
-          <a:lstStyle/>
-          <a:p>
-            <a:fld id="{5F36C9FC-DA22-1F47-8722-58727A1D436E}" type="slidenum">
-              <a:rPr lang="en-US" smtClean="0">
-                <a:solidFill>
-                  <a:prstClr val="white">
-                    <a:lumMod val="65000"/>
-                    <a:lumOff val="35000"/>
-                  </a:prstClr>
-                </a:solidFill>
-              </a:rPr>
-              <a:pPr/>
-              <a:t>13</a:t>
-            </a:fld>
-            <a:endParaRPr lang="en-US" dirty="0">
-              <a:solidFill>
-                <a:prstClr val="white">
-                  <a:lumMod val="65000"/>
-                  <a:lumOff val="35000"/>
-                </a:prstClr>
-              </a:solidFill>
-            </a:endParaRPr>
-          </a:p>
-        </p:txBody>
-      </p:sp>
-      <p:pic>
-        <p:nvPicPr>
-          <p:cNvPr id="2" name="Picture 1"/>
-          <p:cNvPicPr>
-            <a:picLocks noChangeAspect="1"/>
-          </p:cNvPicPr>
-          <p:nvPr/>
-        </p:nvPicPr>
-        <p:blipFill>
-          <a:blip r:embed="rId3"/>
-          <a:stretch>
-            <a:fillRect/>
-          </a:stretch>
-        </p:blipFill>
-        <p:spPr>
-          <a:xfrm>
-            <a:off x="165960" y="1673674"/>
-            <a:ext cx="8812079" cy="4157682"/>
-          </a:xfrm>
-          <a:prstGeom prst="rect">
-            <a:avLst/>
-          </a:prstGeom>
-        </p:spPr>
-      </p:pic>
-    </p:spTree>
-  </p:cSld>
-  <p:clrMapOvr>
-    <a:masterClrMapping/>
-  </p:clrMapOvr>
-  <p:transition spd="slow">
-    <p:wipe/>
-  </p:transition>
-</p:sld>
-</file>
-
-<file path=ppt/slides/slide14.xml><?xml version="1.0" encoding="utf-8"?>
-<p:sld xmlns:a="http://schemas.openxmlformats.org/drawingml/2006/main" xmlns:r="http://schemas.openxmlformats.org/officeDocument/2006/relationships" xmlns:p="http://schemas.openxmlformats.org/presentationml/2006/main">
-  <p:cSld>
-    <p:spTree>
-      <p:nvGrpSpPr>
-        <p:cNvPr id="1" name=""/>
-        <p:cNvGrpSpPr/>
-        <p:nvPr/>
-      </p:nvGrpSpPr>
-      <p:grpSpPr>
-        <a:xfrm>
-          <a:off x="0" y="0"/>
-          <a:ext cx="0" cy="0"/>
-          <a:chOff x="0" y="0"/>
-          <a:chExt cx="0" cy="0"/>
-        </a:xfrm>
-      </p:grpSpPr>
-      <p:sp>
-        <p:nvSpPr>
           <p:cNvPr id="2" name="Title 1">
             <a:extLst>
               <a:ext uri="{FF2B5EF4-FFF2-40B4-BE49-F238E27FC236}">
@@ -14210,7 +14059,7 @@
               <a:pPr>
                 <a:defRPr/>
               </a:pPr>
-              <a:t>14</a:t>
+              <a:t>13</a:t>
             </a:fld>
             <a:endParaRPr lang="en-US" altLang="zh-CN" dirty="0"/>
           </a:p>
@@ -14261,6 +14110,148 @@
   <p:clrMapOvr>
     <a:masterClrMapping/>
   </p:clrMapOvr>
+</p:sld>
+</file>
+
+<file path=ppt/slides/slide14.xml><?xml version="1.0" encoding="utf-8"?>
+<p:sld xmlns:a="http://schemas.openxmlformats.org/drawingml/2006/main" xmlns:r="http://schemas.openxmlformats.org/officeDocument/2006/relationships" xmlns:p="http://schemas.openxmlformats.org/presentationml/2006/main">
+  <p:cSld>
+    <p:spTree>
+      <p:nvGrpSpPr>
+        <p:cNvPr id="1" name=""/>
+        <p:cNvGrpSpPr/>
+        <p:nvPr/>
+      </p:nvGrpSpPr>
+      <p:grpSpPr>
+        <a:xfrm>
+          <a:off x="0" y="0"/>
+          <a:ext cx="0" cy="0"/>
+          <a:chOff x="0" y="0"/>
+          <a:chExt cx="0" cy="0"/>
+        </a:xfrm>
+      </p:grpSpPr>
+      <p:sp>
+        <p:nvSpPr>
+          <p:cNvPr id="209922" name="Rectangle 2"/>
+          <p:cNvSpPr>
+            <a:spLocks noGrp="1" noChangeArrowheads="1"/>
+          </p:cNvSpPr>
+          <p:nvPr>
+            <p:ph type="title"/>
+          </p:nvPr>
+        </p:nvSpPr>
+        <p:spPr/>
+        <p:txBody>
+          <a:bodyPr>
+            <a:noAutofit/>
+          </a:bodyPr>
+          <a:lstStyle/>
+          <a:p>
+            <a:pPr>
+              <a:defRPr/>
+            </a:pPr>
+            <a:r>
+              <a:rPr lang="en-US" altLang="en-US" sz="3600" dirty="0"/>
+              <a:t>Time Required for Brute-Force Attack</a:t>
+            </a:r>
+          </a:p>
+        </p:txBody>
+      </p:sp>
+      <p:sp>
+        <p:nvSpPr>
+          <p:cNvPr id="4" name="Content Placeholder 3">
+            <a:extLst>
+              <a:ext uri="{FF2B5EF4-FFF2-40B4-BE49-F238E27FC236}">
+                <a16:creationId xmlns:a16="http://schemas.microsoft.com/office/drawing/2014/main" id="{0620D220-F9BD-42EE-877E-2EA6BFB94FC0}"/>
+              </a:ext>
+            </a:extLst>
+          </p:cNvPr>
+          <p:cNvSpPr>
+            <a:spLocks noGrp="1"/>
+          </p:cNvSpPr>
+          <p:nvPr>
+            <p:ph idx="1"/>
+          </p:nvPr>
+        </p:nvSpPr>
+        <p:spPr/>
+        <p:txBody>
+          <a:bodyPr/>
+          <a:lstStyle/>
+          <a:p>
+            <a:endParaRPr lang="en-SE"/>
+          </a:p>
+        </p:txBody>
+      </p:sp>
+      <p:sp>
+        <p:nvSpPr>
+          <p:cNvPr id="3" name="灯片编号占位符 2"/>
+          <p:cNvSpPr>
+            <a:spLocks noGrp="1"/>
+          </p:cNvSpPr>
+          <p:nvPr>
+            <p:ph type="sldNum" sz="quarter" idx="12"/>
+          </p:nvPr>
+        </p:nvSpPr>
+        <p:spPr/>
+        <p:txBody>
+          <a:bodyPr/>
+          <a:lstStyle/>
+          <a:p>
+            <a:fld id="{5F36C9FC-DA22-1F47-8722-58727A1D436E}" type="slidenum">
+              <a:rPr lang="en-US" smtClean="0">
+                <a:solidFill>
+                  <a:prstClr val="white">
+                    <a:lumMod val="65000"/>
+                    <a:lumOff val="35000"/>
+                  </a:prstClr>
+                </a:solidFill>
+              </a:rPr>
+              <a:pPr/>
+              <a:t>14</a:t>
+            </a:fld>
+            <a:endParaRPr lang="en-US" dirty="0">
+              <a:solidFill>
+                <a:prstClr val="white">
+                  <a:lumMod val="65000"/>
+                  <a:lumOff val="35000"/>
+                </a:prstClr>
+              </a:solidFill>
+            </a:endParaRPr>
+          </a:p>
+        </p:txBody>
+      </p:sp>
+      <p:pic>
+        <p:nvPicPr>
+          <p:cNvPr id="2" name="Picture 1"/>
+          <p:cNvPicPr>
+            <a:picLocks noChangeAspect="1"/>
+          </p:cNvPicPr>
+          <p:nvPr/>
+        </p:nvPicPr>
+        <p:blipFill>
+          <a:blip r:embed="rId3"/>
+          <a:stretch>
+            <a:fillRect/>
+          </a:stretch>
+        </p:blipFill>
+        <p:spPr>
+          <a:xfrm>
+            <a:off x="165960" y="1673674"/>
+            <a:ext cx="8812079" cy="4157682"/>
+          </a:xfrm>
+          <a:prstGeom prst="rect">
+            <a:avLst/>
+          </a:prstGeom>
+        </p:spPr>
+      </p:pic>
+    </p:spTree>
+  </p:cSld>
+  <p:clrMapOvr>
+    <a:masterClrMapping/>
+  </p:clrMapOvr>
+  <p:transition spd="slow">
+    <p:wipe/>
+  </p:transition>
 </p:sld>
 </file>
 
@@ -14665,13 +14656,13 @@
         </p:nvSpPr>
         <p:spPr>
           <a:xfrm>
-            <a:off x="323528" y="1196753"/>
-            <a:ext cx="8568952" cy="1546447"/>
+            <a:off x="323528" y="962474"/>
+            <a:ext cx="8568952" cy="1671311"/>
           </a:xfrm>
         </p:spPr>
         <p:txBody>
           <a:bodyPr>
-            <a:normAutofit fontScale="77500" lnSpcReduction="20000"/>
+            <a:normAutofit fontScale="62500" lnSpcReduction="20000"/>
           </a:bodyPr>
           <a:lstStyle/>
           <a:p>
@@ -14683,7 +14674,13 @@
           <a:p>
             <a:r>
               <a:rPr lang="en-US" dirty="0"/>
-              <a:t>Receiver, or anyone else, can decrypt the message using sender’s public key</a:t>
+              <a:t>Receiver, or anyone else, can decrypt the message using sender’s public key.</a:t>
+            </a:r>
+          </a:p>
+          <a:p>
+            <a:r>
+              <a:rPr lang="en-US" dirty="0"/>
+              <a:t>There are more efficient methods based on MAC or crypto hash function (discussed later).</a:t>
             </a:r>
           </a:p>
           <a:p>
@@ -14751,8 +14748,8 @@
         </p:blipFill>
         <p:spPr>
           <a:xfrm>
-            <a:off x="1165935" y="2414393"/>
-            <a:ext cx="6884138" cy="4348568"/>
+            <a:off x="1309798" y="2621104"/>
+            <a:ext cx="6596411" cy="4166817"/>
           </a:xfrm>
           <a:prstGeom prst="rect">
             <a:avLst/>
@@ -15018,8 +15015,8 @@
           </a:p>
         </p:txBody>
       </p:sp>
-      <mc:AlternateContent xmlns:mc="http://schemas.openxmlformats.org/markup-compatibility/2006">
-        <mc:Choice xmlns:a14="http://schemas.microsoft.com/office/drawing/2010/main" Requires="a14">
+      <mc:AlternateContent xmlns:mc="http://schemas.openxmlformats.org/markup-compatibility/2006" xmlns:a14="http://schemas.microsoft.com/office/drawing/2010/main">
+        <mc:Choice Requires="a14">
           <p:sp>
             <p:nvSpPr>
               <p:cNvPr id="3" name="Content Placeholder 2">
@@ -15038,13 +15035,13 @@
             </p:nvSpPr>
             <p:spPr>
               <a:xfrm>
-                <a:off x="323528" y="1196753"/>
-                <a:ext cx="8568952" cy="5591168"/>
+                <a:off x="323528" y="1057002"/>
+                <a:ext cx="8568952" cy="5953398"/>
               </a:xfrm>
             </p:spPr>
             <p:txBody>
               <a:bodyPr>
-                <a:normAutofit fontScale="77500" lnSpcReduction="20000"/>
+                <a:normAutofit fontScale="70000" lnSpcReduction="20000"/>
               </a:bodyPr>
               <a:lstStyle/>
               <a:p>
@@ -15669,13 +15666,7 @@
                           <a:rPr lang="en-US" i="1">
                             <a:latin typeface="Cambria Math" panose="02040503050406030204" pitchFamily="18" charset="0"/>
                           </a:rPr>
-                          <m:t>𝑎</m:t>
-                        </m:r>
-                        <m:r>
-                          <a:rPr lang="en-US" i="1">
-                            <a:latin typeface="Cambria Math" panose="02040503050406030204" pitchFamily="18" charset="0"/>
-                          </a:rPr>
-                          <m:t>𝑏</m:t>
+                          <m:t>𝑎𝑏</m:t>
                         </m:r>
                       </m:sup>
                     </m:sSup>
@@ -15799,10 +15790,154 @@
                 </a14:m>
                 <a:endParaRPr lang="en-US" dirty="0"/>
               </a:p>
+              <a:p>
+                <a14:m>
+                  <m:oMath xmlns:m="http://schemas.openxmlformats.org/officeDocument/2006/math">
+                    <m:r>
+                      <a:rPr lang="en-US" i="1">
+                        <a:latin typeface="Cambria Math" panose="02040503050406030204" pitchFamily="18" charset="0"/>
+                      </a:rPr>
+                      <m:t>𝑝</m:t>
+                    </m:r>
+                    <m:r>
+                      <a:rPr lang="en-US" i="1">
+                        <a:latin typeface="Cambria Math" panose="02040503050406030204" pitchFamily="18" charset="0"/>
+                      </a:rPr>
+                      <m:t>,</m:t>
+                    </m:r>
+                    <m:r>
+                      <a:rPr lang="en-US" i="1">
+                        <a:latin typeface="Cambria Math" panose="02040503050406030204" pitchFamily="18" charset="0"/>
+                      </a:rPr>
+                      <m:t>𝑔</m:t>
+                    </m:r>
+                    <m:r>
+                      <a:rPr lang="en-US" b="0" i="1" smtClean="0">
+                        <a:latin typeface="Cambria Math" panose="02040503050406030204" pitchFamily="18" charset="0"/>
+                      </a:rPr>
+                      <m:t>,</m:t>
+                    </m:r>
+                    <m:r>
+                      <a:rPr lang="en-US" i="1">
+                        <a:latin typeface="Cambria Math" panose="02040503050406030204" pitchFamily="18" charset="0"/>
+                      </a:rPr>
+                      <m:t>𝐴</m:t>
+                    </m:r>
+                    <m:r>
+                      <a:rPr lang="en-US" i="1">
+                        <a:latin typeface="Cambria Math" panose="02040503050406030204" pitchFamily="18" charset="0"/>
+                      </a:rPr>
+                      <m:t>,</m:t>
+                    </m:r>
+                    <m:r>
+                      <a:rPr lang="en-US" i="1">
+                        <a:latin typeface="Cambria Math" panose="02040503050406030204" pitchFamily="18" charset="0"/>
+                      </a:rPr>
+                      <m:t>𝐵</m:t>
+                    </m:r>
+                  </m:oMath>
+                </a14:m>
+                <a:r>
+                  <a:rPr lang="en-US" dirty="0"/>
+                  <a:t> are all public; only Alice knows secret </a:t>
+                </a:r>
+                <a14:m>
+                  <m:oMath xmlns:m="http://schemas.openxmlformats.org/officeDocument/2006/math">
+                    <m:r>
+                      <a:rPr lang="en-US" i="1">
+                        <a:latin typeface="Cambria Math" panose="02040503050406030204" pitchFamily="18" charset="0"/>
+                      </a:rPr>
+                      <m:t>𝑎</m:t>
+                    </m:r>
+                  </m:oMath>
+                </a14:m>
+                <a:r>
+                  <a:rPr lang="en-US" dirty="0"/>
+                  <a:t>; only Bob knows secret </a:t>
+                </a:r>
+                <a14:m>
+                  <m:oMath xmlns:m="http://schemas.openxmlformats.org/officeDocument/2006/math">
+                    <m:r>
+                      <a:rPr lang="en-US" i="1">
+                        <a:latin typeface="Cambria Math" panose="02040503050406030204" pitchFamily="18" charset="0"/>
+                      </a:rPr>
+                      <m:t>𝑏</m:t>
+                    </m:r>
+                  </m:oMath>
+                </a14:m>
+                <a:r>
+                  <a:rPr lang="en-US" dirty="0"/>
+                  <a:t>. At the end, Alice and Bob have a shared secret </a:t>
+                </a:r>
+                <a14:m>
+                  <m:oMath xmlns:m="http://schemas.openxmlformats.org/officeDocument/2006/math">
+                    <m:sSub>
+                      <m:sSubPr>
+                        <m:ctrlPr>
+                          <a:rPr lang="en-US" i="1">
+                            <a:latin typeface="Cambria Math" panose="02040503050406030204" pitchFamily="18" charset="0"/>
+                          </a:rPr>
+                        </m:ctrlPr>
+                      </m:sSubPr>
+                      <m:e>
+                        <m:r>
+                          <a:rPr lang="en-US" i="1">
+                            <a:latin typeface="Cambria Math" panose="02040503050406030204" pitchFamily="18" charset="0"/>
+                          </a:rPr>
+                          <m:t>𝑆</m:t>
+                        </m:r>
+                      </m:e>
+                      <m:sub>
+                        <m:r>
+                          <a:rPr lang="en-US" i="1">
+                            <a:latin typeface="Cambria Math" panose="02040503050406030204" pitchFamily="18" charset="0"/>
+                          </a:rPr>
+                          <m:t>1</m:t>
+                        </m:r>
+                      </m:sub>
+                    </m:sSub>
+                    <m:r>
+                      <a:rPr lang="en-US" i="1">
+                        <a:latin typeface="Cambria Math" panose="02040503050406030204" pitchFamily="18" charset="0"/>
+                      </a:rPr>
+                      <m:t>=</m:t>
+                    </m:r>
+                    <m:sSub>
+                      <m:sSubPr>
+                        <m:ctrlPr>
+                          <a:rPr lang="en-US" i="1">
+                            <a:latin typeface="Cambria Math" panose="02040503050406030204" pitchFamily="18" charset="0"/>
+                          </a:rPr>
+                        </m:ctrlPr>
+                      </m:sSubPr>
+                      <m:e>
+                        <m:r>
+                          <a:rPr lang="en-US" i="1">
+                            <a:latin typeface="Cambria Math" panose="02040503050406030204" pitchFamily="18" charset="0"/>
+                          </a:rPr>
+                          <m:t>𝑆</m:t>
+                        </m:r>
+                      </m:e>
+                      <m:sub>
+                        <m:r>
+                          <a:rPr lang="en-US" i="1">
+                            <a:latin typeface="Cambria Math" panose="02040503050406030204" pitchFamily="18" charset="0"/>
+                          </a:rPr>
+                          <m:t>2</m:t>
+                        </m:r>
+                      </m:sub>
+                    </m:sSub>
+                  </m:oMath>
+                </a14:m>
+                <a:r>
+                  <a:rPr lang="en-US" dirty="0"/>
+                  <a:t>.</a:t>
+                </a:r>
+              </a:p>
             </p:txBody>
           </p:sp>
         </mc:Choice>
-        <mc:Fallback>
+        <mc:Fallback xmlns="">
           <p:sp>
             <p:nvSpPr>
               <p:cNvPr id="3" name="Content Placeholder 2">
@@ -15821,13 +15956,13 @@
             </p:nvSpPr>
             <p:spPr>
               <a:xfrm>
-                <a:off x="323528" y="1196753"/>
-                <a:ext cx="8568952" cy="5591168"/>
+                <a:off x="323528" y="1057002"/>
+                <a:ext cx="8568952" cy="5953398"/>
               </a:xfrm>
               <a:blipFill>
                 <a:blip r:embed="rId3"/>
                 <a:stretch>
-                  <a:fillRect l="-1280" t="-2614" r="-2560"/>
+                  <a:fillRect l="-996" t="-2047" r="-427"/>
                 </a:stretch>
               </a:blipFill>
             </p:spPr>
@@ -16446,8 +16581,8 @@
           </a:p>
         </p:txBody>
       </p:sp>
-      <mc:AlternateContent xmlns:mc="http://schemas.openxmlformats.org/markup-compatibility/2006">
-        <mc:Choice xmlns:a14="http://schemas.microsoft.com/office/drawing/2010/main" Requires="a14">
+      <mc:AlternateContent xmlns:mc="http://schemas.openxmlformats.org/markup-compatibility/2006" xmlns:a14="http://schemas.microsoft.com/office/drawing/2010/main">
+        <mc:Choice Requires="a14">
           <p:sp>
             <p:nvSpPr>
               <p:cNvPr id="3" name="内容占位符 2">
@@ -16467,7 +16602,7 @@
             <p:spPr/>
             <p:txBody>
               <a:bodyPr>
-                <a:normAutofit fontScale="92500" lnSpcReduction="10000"/>
+                <a:normAutofit fontScale="92500" lnSpcReduction="20000"/>
               </a:bodyPr>
               <a:lstStyle/>
               <a:p>
@@ -16555,7 +16690,7 @@
                 </a14:m>
                 <a:r>
                   <a:rPr lang="en-US" altLang="zh-CN" dirty="0"/>
-                  <a:t> for message </a:t>
+                  <a:t> for input message </a:t>
                 </a:r>
                 <a14:m>
                   <m:oMath xmlns:m="http://schemas.openxmlformats.org/officeDocument/2006/math">
@@ -16629,15 +16764,15 @@
                 </a14:m>
                 <a:r>
                   <a:rPr lang="en-US" dirty="0"/>
-                  <a:t> for input data </a:t>
+                  <a:t> for input message </a:t>
                 </a:r>
                 <a14:m>
                   <m:oMath xmlns:m="http://schemas.openxmlformats.org/officeDocument/2006/math">
                     <m:r>
-                      <a:rPr lang="en-US" i="1" dirty="0" smtClean="0">
-                        <a:latin typeface="Cambria Math" panose="02040503050406030204" pitchFamily="18" charset="0"/>
-                      </a:rPr>
-                      <m:t>𝑥</m:t>
+                      <a:rPr lang="en-US" b="0" i="1" dirty="0" smtClean="0">
+                        <a:latin typeface="Cambria Math" panose="02040503050406030204" pitchFamily="18" charset="0"/>
+                      </a:rPr>
+                      <m:t>𝑀</m:t>
                     </m:r>
                   </m:oMath>
                 </a14:m>
@@ -16707,7 +16842,7 @@
             </p:txBody>
           </p:sp>
         </mc:Choice>
-        <mc:Fallback>
+        <mc:Fallback xmlns="">
           <p:sp>
             <p:nvSpPr>
               <p:cNvPr id="3" name="内容占位符 2">
@@ -16728,7 +16863,7 @@
               <a:blipFill>
                 <a:blip r:embed="rId2"/>
                 <a:stretch>
-                  <a:fillRect l="-1707" t="-2433"/>
+                  <a:fillRect l="-1707" t="-3476"/>
                 </a:stretch>
               </a:blipFill>
             </p:spPr>
@@ -16843,15 +16978,15 @@
           <a:lstStyle/>
           <a:p>
             <a:r>
-              <a:rPr lang="en-US" dirty="0"/>
+              <a:rPr lang="en-US" sz="3600" dirty="0"/>
               <a:t>Message Authentication Code (MAC)</a:t>
             </a:r>
-            <a:endParaRPr lang="en-SE" dirty="0"/>
+            <a:endParaRPr lang="en-SE" sz="3600" dirty="0"/>
           </a:p>
         </p:txBody>
       </p:sp>
-      <mc:AlternateContent xmlns:mc="http://schemas.openxmlformats.org/markup-compatibility/2006" xmlns:a14="http://schemas.microsoft.com/office/drawing/2010/main">
-        <mc:Choice Requires="a14">
+      <mc:AlternateContent xmlns:mc="http://schemas.openxmlformats.org/markup-compatibility/2006">
+        <mc:Choice xmlns:a14="http://schemas.microsoft.com/office/drawing/2010/main" Requires="a14">
           <p:sp>
             <p:nvSpPr>
               <p:cNvPr id="7" name="Content Placeholder 6">
@@ -16964,7 +17099,7 @@
               <a:p>
                 <a:r>
                   <a:rPr lang="en-US" dirty="0"/>
-                  <a:t>Receiver recomputes </a:t>
+                  <a:t>Receiver recomputes the MAC with </a:t>
                 </a:r>
                 <a14:m>
                   <m:oMath xmlns:m="http://schemas.openxmlformats.org/officeDocument/2006/math">
@@ -16996,7 +17131,19 @@
                       <a:rPr lang="en-US" i="1" dirty="0" err="1">
                         <a:latin typeface="Cambria Math" panose="02040503050406030204" pitchFamily="18" charset="0"/>
                       </a:rPr>
-                      <m:t>𝑟𝑒𝑐𝑒𝑖𝑣𝑒𝑑𝑀𝑠𝑔</m:t>
+                      <m:t>𝑟</m:t>
+                    </m:r>
+                    <m:r>
+                      <a:rPr lang="en-US" i="1" dirty="0" smtClean="0">
+                        <a:latin typeface="Cambria Math" panose="02040503050406030204" pitchFamily="18" charset="0"/>
+                      </a:rPr>
+                      <m:t>𝑒𝑐𝑒𝑖</m:t>
+                    </m:r>
+                    <m:r>
+                      <a:rPr lang="en-US" i="1" dirty="0" err="1">
+                        <a:latin typeface="Cambria Math" panose="02040503050406030204" pitchFamily="18" charset="0"/>
+                      </a:rPr>
+                      <m:t>𝑣𝑒𝑑𝑀</m:t>
                     </m:r>
                     <m:r>
                       <a:rPr lang="en-US" i="1" dirty="0">
@@ -17028,7 +17175,7 @@
                 </a14:m>
                 <a:r>
                   <a:rPr lang="en-US" dirty="0"/>
-                  <a:t>. If they match, then message is authenticated (</a:t>
+                  <a:t>. If they match, then message is authenticated: </a:t>
                 </a:r>
                 <a14:m>
                   <m:oMath xmlns:m="http://schemas.openxmlformats.org/officeDocument/2006/math">
@@ -17036,13 +17183,37 @@
                       <a:rPr lang="en-US" i="1" dirty="0" smtClean="0">
                         <a:latin typeface="Cambria Math" panose="02040503050406030204" pitchFamily="18" charset="0"/>
                       </a:rPr>
-                      <m:t>𝑟𝑒𝑐𝑒𝑖𝑣𝑒𝑑𝑀𝑠𝑔</m:t>
+                      <m:t>𝑟</m:t>
+                    </m:r>
+                    <m:r>
+                      <a:rPr lang="en-US" i="1" dirty="0" smtClean="0">
+                        <a:latin typeface="Cambria Math" panose="02040503050406030204" pitchFamily="18" charset="0"/>
+                      </a:rPr>
+                      <m:t>𝑒</m:t>
+                    </m:r>
+                    <m:r>
+                      <a:rPr lang="en-US" i="1" dirty="0" smtClean="0">
+                        <a:latin typeface="Cambria Math" panose="02040503050406030204" pitchFamily="18" charset="0"/>
+                      </a:rPr>
+                      <m:t>𝑐</m:t>
+                    </m:r>
+                    <m:r>
+                      <a:rPr lang="en-US" i="1" dirty="0" smtClean="0">
+                        <a:latin typeface="Cambria Math" panose="02040503050406030204" pitchFamily="18" charset="0"/>
+                      </a:rPr>
+                      <m:t>𝑒𝑖</m:t>
+                    </m:r>
+                    <m:r>
+                      <a:rPr lang="en-US" i="1" dirty="0" smtClean="0">
+                        <a:latin typeface="Cambria Math" panose="02040503050406030204" pitchFamily="18" charset="0"/>
+                      </a:rPr>
+                      <m:t>𝑣𝑒𝑑𝑀</m:t>
                     </m:r>
                     <m:r>
                       <a:rPr lang="en-US" i="1" dirty="0">
                         <a:latin typeface="Cambria Math" panose="02040503050406030204" pitchFamily="18" charset="0"/>
                       </a:rPr>
-                      <m:t>==</m:t>
+                      <m:t>=</m:t>
                     </m:r>
                     <m:r>
                       <a:rPr lang="en-US" i="1" dirty="0">
@@ -17054,7 +17225,7 @@
                 </a14:m>
                 <a:r>
                   <a:rPr lang="en-US" dirty="0"/>
-                  <a:t>), and it is from the alleged sender with secrete key </a:t>
+                  <a:t>, and it is from the alleged sender with secrete key </a:t>
                 </a:r>
                 <a14:m>
                   <m:oMath xmlns:m="http://schemas.openxmlformats.org/officeDocument/2006/math">
@@ -17075,7 +17246,7 @@
             </p:txBody>
           </p:sp>
         </mc:Choice>
-        <mc:Fallback xmlns="">
+        <mc:Fallback>
           <p:sp>
             <p:nvSpPr>
               <p:cNvPr id="7" name="Content Placeholder 6">
@@ -17100,7 +17271,7 @@
               <a:blipFill>
                 <a:blip r:embed="rId3"/>
                 <a:stretch>
-                  <a:fillRect l="-2027" t="-2436" r="-2973"/>
+                  <a:fillRect l="-2027" t="-2436" r="-2568"/>
                 </a:stretch>
               </a:blipFill>
             </p:spPr>
@@ -17505,6 +17676,291 @@
           <p:cNvPr id="2" name="Title 1">
             <a:extLst>
               <a:ext uri="{FF2B5EF4-FFF2-40B4-BE49-F238E27FC236}">
+                <a16:creationId xmlns:a16="http://schemas.microsoft.com/office/drawing/2014/main" id="{CCBFA8C5-C5BF-4237-A9EC-8C52A4F8E1E9}"/>
+              </a:ext>
+            </a:extLst>
+          </p:cNvPr>
+          <p:cNvSpPr>
+            <a:spLocks noGrp="1"/>
+          </p:cNvSpPr>
+          <p:nvPr>
+            <p:ph type="title"/>
+          </p:nvPr>
+        </p:nvSpPr>
+        <p:spPr/>
+        <p:txBody>
+          <a:bodyPr/>
+          <a:lstStyle/>
+          <a:p>
+            <a:r>
+              <a:rPr lang="en-US" dirty="0"/>
+              <a:t>MAC Explanations</a:t>
+            </a:r>
+            <a:endParaRPr lang="en-SE" dirty="0"/>
+          </a:p>
+        </p:txBody>
+      </p:sp>
+      <mc:AlternateContent xmlns:mc="http://schemas.openxmlformats.org/markup-compatibility/2006">
+        <mc:Choice xmlns:a14="http://schemas.microsoft.com/office/drawing/2010/main" Requires="a14">
+          <p:sp>
+            <p:nvSpPr>
+              <p:cNvPr id="3" name="Content Placeholder 2">
+                <a:extLst>
+                  <a:ext uri="{FF2B5EF4-FFF2-40B4-BE49-F238E27FC236}">
+                    <a16:creationId xmlns:a16="http://schemas.microsoft.com/office/drawing/2014/main" id="{08DFC5AE-E6E9-42EA-8D1B-22ECEA71DE45}"/>
+                  </a:ext>
+                </a:extLst>
+              </p:cNvPr>
+              <p:cNvSpPr>
+                <a:spLocks noGrp="1"/>
+              </p:cNvSpPr>
+              <p:nvPr>
+                <p:ph idx="1"/>
+              </p:nvPr>
+            </p:nvSpPr>
+            <p:spPr/>
+            <p:txBody>
+              <a:bodyPr>
+                <a:normAutofit fontScale="62500" lnSpcReduction="20000"/>
+              </a:bodyPr>
+              <a:lstStyle/>
+              <a:p>
+                <a:r>
+                  <a:rPr lang="en-US" dirty="0">
+                    <a:latin typeface="Arial" pitchFamily="-110" charset="0"/>
+                    <a:ea typeface="ＭＳ Ｐゴシック" pitchFamily="-110" charset="-128"/>
+                    <a:cs typeface="ＭＳ Ｐゴシック" pitchFamily="-110" charset="-128"/>
+                  </a:rPr>
+                  <a:t>If only the sender and receiver know the secret key </a:t>
+                </a:r>
+                <a14:m>
+                  <m:oMath xmlns:m="http://schemas.openxmlformats.org/officeDocument/2006/math">
+                    <m:r>
+                      <a:rPr lang="en-US" b="0" i="1" dirty="0">
+                        <a:latin typeface="Cambria Math" panose="02040503050406030204" pitchFamily="18" charset="0"/>
+                      </a:rPr>
+                      <m:t>𝐾</m:t>
+                    </m:r>
+                  </m:oMath>
+                </a14:m>
+                <a:r>
+                  <a:rPr lang="en-US" dirty="0">
+                    <a:latin typeface="Arial" pitchFamily="-110" charset="0"/>
+                    <a:ea typeface="ＭＳ Ｐゴシック" pitchFamily="-110" charset="-128"/>
+                    <a:cs typeface="ＭＳ Ｐゴシック" pitchFamily="-110" charset="-128"/>
+                  </a:rPr>
+                  <a:t>, and if the received MAC matches the </a:t>
+                </a:r>
+                <a:r>
+                  <a:rPr lang="en-US" dirty="0"/>
+                  <a:t>receiver-computed MAC</a:t>
+                </a:r>
+                <a:r>
+                  <a:rPr lang="en-US" dirty="0">
+                    <a:latin typeface="Arial" pitchFamily="-110" charset="0"/>
+                    <a:ea typeface="ＭＳ Ｐゴシック" pitchFamily="-110" charset="-128"/>
+                    <a:cs typeface="ＭＳ Ｐゴシック" pitchFamily="-110" charset="-128"/>
+                  </a:rPr>
+                  <a:t>, then</a:t>
+                </a:r>
+              </a:p>
+              <a:p>
+                <a:r>
+                  <a:rPr lang="en-US" dirty="0">
+                    <a:latin typeface="Arial" pitchFamily="-110" charset="0"/>
+                    <a:ea typeface="ＭＳ Ｐゴシック" pitchFamily="-110" charset="-128"/>
+                    <a:cs typeface="ＭＳ Ｐゴシック" pitchFamily="-110" charset="-128"/>
+                  </a:rPr>
+                  <a:t>1. The receiver is assured that the message has not been altered. </a:t>
+                </a:r>
+              </a:p>
+              <a:p>
+                <a:pPr lvl="1"/>
+                <a:r>
+                  <a:rPr lang="en-US" dirty="0">
+                    <a:latin typeface="Arial" pitchFamily="-110" charset="0"/>
+                    <a:ea typeface="ＭＳ Ｐゴシック" pitchFamily="-110" charset="-128"/>
+                    <a:cs typeface="ＭＳ Ｐゴシック" pitchFamily="-110" charset="-128"/>
+                  </a:rPr>
+                  <a:t>If an attacker alters the message but does not alter the MAC, then the receiver’s calculation of the MAC will differ from the received MAC. Because the attacker does not know the secret key, the attacker cannot alter the MAC to correspond to the alterations in the message.</a:t>
+                </a:r>
+              </a:p>
+              <a:p>
+                <a:r>
+                  <a:rPr lang="en-US" dirty="0">
+                    <a:latin typeface="Arial" pitchFamily="-110" charset="0"/>
+                    <a:ea typeface="ＭＳ Ｐゴシック" pitchFamily="-110" charset="-128"/>
+                    <a:cs typeface="ＭＳ Ｐゴシック" pitchFamily="-110" charset="-128"/>
+                  </a:rPr>
+                  <a:t>2. The receiver is assured that the message is from the alleged sender.</a:t>
+                </a:r>
+              </a:p>
+              <a:p>
+                <a:pPr lvl="1"/>
+                <a:r>
+                  <a:rPr lang="en-US" dirty="0">
+                    <a:latin typeface="Arial" pitchFamily="-110" charset="0"/>
+                    <a:ea typeface="ＭＳ Ｐゴシック" pitchFamily="-110" charset="-128"/>
+                    <a:cs typeface="ＭＳ Ｐゴシック" pitchFamily="-110" charset="-128"/>
+                  </a:rPr>
+                  <a:t>Because no one else knows the secret key </a:t>
+                </a:r>
+                <a14:m>
+                  <m:oMath xmlns:m="http://schemas.openxmlformats.org/officeDocument/2006/math">
+                    <m:r>
+                      <a:rPr lang="en-US" i="1" dirty="0">
+                        <a:latin typeface="Cambria Math" panose="02040503050406030204" pitchFamily="18" charset="0"/>
+                      </a:rPr>
+                      <m:t>𝐾</m:t>
+                    </m:r>
+                  </m:oMath>
+                </a14:m>
+                <a:r>
+                  <a:rPr lang="en-US" dirty="0">
+                    <a:latin typeface="Arial" pitchFamily="-110" charset="0"/>
+                    <a:ea typeface="ＭＳ Ｐゴシック" pitchFamily="-110" charset="-128"/>
+                    <a:cs typeface="ＭＳ Ｐゴシック" pitchFamily="-110" charset="-128"/>
+                  </a:rPr>
+                  <a:t>, no one else could prepare a message with a proper MAC.</a:t>
+                </a:r>
+              </a:p>
+              <a:p>
+                <a:r>
+                  <a:rPr lang="en-US" dirty="0">
+                    <a:latin typeface="Arial" pitchFamily="-110" charset="0"/>
+                    <a:ea typeface="ＭＳ Ｐゴシック" pitchFamily="-110" charset="-128"/>
+                    <a:cs typeface="ＭＳ Ｐゴシック" pitchFamily="-110" charset="-128"/>
+                  </a:rPr>
+                  <a:t>3. If the message includes a sequence number (such as in TCP) </a:t>
+                </a:r>
+              </a:p>
+              <a:p>
+                <a:pPr lvl="1"/>
+                <a:r>
+                  <a:rPr lang="en-US" dirty="0">
+                    <a:latin typeface="Arial" pitchFamily="-110" charset="0"/>
+                    <a:ea typeface="ＭＳ Ｐゴシック" pitchFamily="-110" charset="-128"/>
+                    <a:cs typeface="ＭＳ Ｐゴシック" pitchFamily="-110" charset="-128"/>
+                  </a:rPr>
+                  <a:t>Then the receiver can be assured of the proper sequence, because an attacker cannot successfully alter the sequence number.</a:t>
+                </a:r>
+              </a:p>
+              <a:p>
+                <a:endParaRPr lang="en-SE" dirty="0"/>
+              </a:p>
+            </p:txBody>
+          </p:sp>
+        </mc:Choice>
+        <mc:Fallback>
+          <p:sp>
+            <p:nvSpPr>
+              <p:cNvPr id="3" name="Content Placeholder 2">
+                <a:extLst>
+                  <a:ext uri="{FF2B5EF4-FFF2-40B4-BE49-F238E27FC236}">
+                    <a16:creationId xmlns:a16="http://schemas.microsoft.com/office/drawing/2014/main" id="{08DFC5AE-E6E9-42EA-8D1B-22ECEA71DE45}"/>
+                  </a:ext>
+                </a:extLst>
+              </p:cNvPr>
+              <p:cNvSpPr>
+                <a:spLocks noGrp="1" noRot="1" noChangeAspect="1" noMove="1" noResize="1" noEditPoints="1" noAdjustHandles="1" noChangeArrowheads="1" noChangeShapeType="1" noTextEdit="1"/>
+              </p:cNvSpPr>
+              <p:nvPr>
+                <p:ph idx="1"/>
+              </p:nvPr>
+            </p:nvSpPr>
+            <p:spPr>
+              <a:blipFill>
+                <a:blip r:embed="rId2"/>
+                <a:stretch>
+                  <a:fillRect l="-853" t="-2202" r="-1209"/>
+                </a:stretch>
+              </a:blipFill>
+            </p:spPr>
+            <p:txBody>
+              <a:bodyPr/>
+              <a:lstStyle/>
+              <a:p>
+                <a:r>
+                  <a:rPr lang="en-SE">
+                    <a:noFill/>
+                  </a:rPr>
+                  <a:t> </a:t>
+                </a:r>
+              </a:p>
+            </p:txBody>
+          </p:sp>
+        </mc:Fallback>
+      </mc:AlternateContent>
+      <p:sp>
+        <p:nvSpPr>
+          <p:cNvPr id="4" name="Slide Number Placeholder 3">
+            <a:extLst>
+              <a:ext uri="{FF2B5EF4-FFF2-40B4-BE49-F238E27FC236}">
+                <a16:creationId xmlns:a16="http://schemas.microsoft.com/office/drawing/2014/main" id="{94E3ADDC-AEF5-4B00-88B5-713B6EADA5FE}"/>
+              </a:ext>
+            </a:extLst>
+          </p:cNvPr>
+          <p:cNvSpPr>
+            <a:spLocks noGrp="1"/>
+          </p:cNvSpPr>
+          <p:nvPr>
+            <p:ph type="sldNum" sz="quarter" idx="12"/>
+          </p:nvPr>
+        </p:nvSpPr>
+        <p:spPr/>
+        <p:txBody>
+          <a:bodyPr/>
+          <a:lstStyle/>
+          <a:p>
+            <a:pPr>
+              <a:defRPr/>
+            </a:pPr>
+            <a:fld id="{F57F456A-00AF-44E6-8D70-638C0D0130FF}" type="slidenum">
+              <a:rPr lang="en-US" altLang="zh-CN" smtClean="0"/>
+              <a:pPr>
+                <a:defRPr/>
+              </a:pPr>
+              <a:t>24</a:t>
+            </a:fld>
+            <a:endParaRPr lang="en-US" altLang="zh-CN" dirty="0"/>
+          </a:p>
+        </p:txBody>
+      </p:sp>
+    </p:spTree>
+    <p:extLst>
+      <p:ext uri="{BB962C8B-B14F-4D97-AF65-F5344CB8AC3E}">
+        <p14:creationId xmlns:p14="http://schemas.microsoft.com/office/powerpoint/2010/main" val="534720889"/>
+      </p:ext>
+    </p:extLst>
+  </p:cSld>
+  <p:clrMapOvr>
+    <a:masterClrMapping/>
+  </p:clrMapOvr>
+</p:sld>
+</file>
+
+<file path=ppt/slides/slide25.xml><?xml version="1.0" encoding="utf-8"?>
+<p:sld xmlns:a="http://schemas.openxmlformats.org/drawingml/2006/main" xmlns:r="http://schemas.openxmlformats.org/officeDocument/2006/relationships" xmlns:p="http://schemas.openxmlformats.org/presentationml/2006/main">
+  <p:cSld>
+    <p:spTree>
+      <p:nvGrpSpPr>
+        <p:cNvPr id="1" name=""/>
+        <p:cNvGrpSpPr/>
+        <p:nvPr/>
+      </p:nvGrpSpPr>
+      <p:grpSpPr>
+        <a:xfrm>
+          <a:off x="0" y="0"/>
+          <a:ext cx="0" cy="0"/>
+          <a:chOff x="0" y="0"/>
+          <a:chExt cx="0" cy="0"/>
+        </a:xfrm>
+      </p:grpSpPr>
+      <p:sp>
+        <p:nvSpPr>
+          <p:cNvPr id="2" name="Title 1">
+            <a:extLst>
+              <a:ext uri="{FF2B5EF4-FFF2-40B4-BE49-F238E27FC236}">
                 <a16:creationId xmlns:a16="http://schemas.microsoft.com/office/drawing/2014/main" id="{AF18793D-7F6F-4E11-B2B5-0693E0487BC8}"/>
               </a:ext>
             </a:extLst>
@@ -17529,8 +17985,8 @@
           </a:p>
         </p:txBody>
       </p:sp>
-      <mc:AlternateContent xmlns:mc="http://schemas.openxmlformats.org/markup-compatibility/2006">
-        <mc:Choice xmlns:a14="http://schemas.microsoft.com/office/drawing/2010/main" Requires="a14">
+      <mc:AlternateContent xmlns:mc="http://schemas.openxmlformats.org/markup-compatibility/2006" xmlns:a14="http://schemas.microsoft.com/office/drawing/2010/main">
+        <mc:Choice Requires="a14">
           <p:sp>
             <p:nvSpPr>
               <p:cNvPr id="3" name="Content Placeholder 2">
@@ -17626,7 +18082,7 @@
             </p:txBody>
           </p:sp>
         </mc:Choice>
-        <mc:Fallback>
+        <mc:Fallback xmlns="">
           <p:sp>
             <p:nvSpPr>
               <p:cNvPr id="3" name="Content Placeholder 2">
@@ -17699,7 +18155,7 @@
               <a:pPr>
                 <a:defRPr/>
               </a:pPr>
-              <a:t>24</a:t>
+              <a:t>25</a:t>
             </a:fld>
             <a:endParaRPr lang="en-US" altLang="zh-CN" dirty="0"/>
           </a:p>
@@ -17748,7 +18204,7 @@
 </p:sld>
 </file>
 
-<file path=ppt/slides/slide25.xml><?xml version="1.0" encoding="utf-8"?>
+<file path=ppt/slides/slide26.xml><?xml version="1.0" encoding="utf-8"?>
 <p:sld xmlns:a="http://schemas.openxmlformats.org/drawingml/2006/main" xmlns:r="http://schemas.openxmlformats.org/officeDocument/2006/relationships" xmlns:p="http://schemas.openxmlformats.org/presentationml/2006/main">
   <p:cSld>
     <p:spTree>
@@ -17826,7 +18282,7 @@
                 </a:solidFill>
               </a:rPr>
               <a:pPr/>
-              <a:t>25</a:t>
+              <a:t>26</a:t>
             </a:fld>
             <a:endParaRPr lang="en-US" dirty="0">
               <a:solidFill>
@@ -18197,13 +18653,13 @@
                       <m:t>(</m:t>
                     </m:r>
                     <m:r>
-                      <a:rPr lang="en-US" altLang="zh-CN" sz="1600" i="1" dirty="0" err="1">
+                      <a:rPr lang="en-US" altLang="zh-CN" sz="1600" i="1" dirty="0" smtClean="0">
                         <a:solidFill>
                           <a:schemeClr val="tx1"/>
                         </a:solidFill>
                         <a:latin typeface="Cambria Math" panose="02040503050406030204" pitchFamily="18" charset="0"/>
                       </a:rPr>
-                      <m:t>𝑟𝑒𝑐𝑒𝑖𝑣𝑒𝑑𝑀𝑠𝑔</m:t>
+                      <m:t>𝑟𝑒𝑐𝑒𝑖𝑣𝑒𝑑𝑀</m:t>
                     </m:r>
                     <m:r>
                       <a:rPr lang="en-US" altLang="zh-CN" sz="1600" i="1" dirty="0">
@@ -18270,62 +18726,8 @@
                       <a:schemeClr val="tx1"/>
                     </a:solidFill>
                   </a:rPr>
-                  <a:t>. If they match, then message is authenticated </a:t>
+                  <a:t>. If they match, then message is authenticated.</a:t>
                 </a:r>
-                <a14:m>
-                  <m:oMath xmlns:m="http://schemas.openxmlformats.org/officeDocument/2006/math">
-                    <m:r>
-                      <a:rPr lang="en-US" altLang="zh-CN" sz="1600" i="1" dirty="0" smtClean="0">
-                        <a:solidFill>
-                          <a:schemeClr val="tx1"/>
-                        </a:solidFill>
-                        <a:latin typeface="Cambria Math" panose="02040503050406030204" pitchFamily="18" charset="0"/>
-                      </a:rPr>
-                      <m:t>(</m:t>
-                    </m:r>
-                    <m:r>
-                      <a:rPr lang="en-US" altLang="zh-CN" sz="1600" i="1" dirty="0" err="1">
-                        <a:solidFill>
-                          <a:schemeClr val="tx1"/>
-                        </a:solidFill>
-                        <a:latin typeface="Cambria Math" panose="02040503050406030204" pitchFamily="18" charset="0"/>
-                      </a:rPr>
-                      <m:t>𝑟𝑒𝑐𝑒𝑖𝑣𝑒𝑑𝑀𝑠𝑔</m:t>
-                    </m:r>
-                    <m:r>
-                      <a:rPr lang="en-US" altLang="zh-CN" sz="1600" i="1" dirty="0">
-                        <a:solidFill>
-                          <a:schemeClr val="tx1"/>
-                        </a:solidFill>
-                        <a:latin typeface="Cambria Math" panose="02040503050406030204" pitchFamily="18" charset="0"/>
-                      </a:rPr>
-                      <m:t>==</m:t>
-                    </m:r>
-                    <m:r>
-                      <a:rPr lang="en-US" altLang="zh-CN" sz="1600" i="1" dirty="0">
-                        <a:solidFill>
-                          <a:schemeClr val="tx1"/>
-                        </a:solidFill>
-                        <a:latin typeface="Cambria Math" panose="02040503050406030204" pitchFamily="18" charset="0"/>
-                      </a:rPr>
-                      <m:t>𝑀</m:t>
-                    </m:r>
-                    <m:r>
-                      <a:rPr lang="en-US" altLang="zh-CN" sz="1600" i="1" dirty="0">
-                        <a:solidFill>
-                          <a:schemeClr val="tx1"/>
-                        </a:solidFill>
-                        <a:latin typeface="Cambria Math" panose="02040503050406030204" pitchFamily="18" charset="0"/>
-                      </a:rPr>
-                      <m:t>)</m:t>
-                    </m:r>
-                  </m:oMath>
-                </a14:m>
-                <a:endParaRPr lang="en-US" altLang="zh-CN" sz="1600" dirty="0">
-                  <a:solidFill>
-                    <a:schemeClr val="tx1"/>
-                  </a:solidFill>
-                </a:endParaRPr>
               </a:p>
               <a:p>
                 <a:pPr marL="0" indent="0" fontAlgn="auto">
@@ -18530,7 +18932,7 @@
                         </a:solidFill>
                         <a:latin typeface="Cambria Math" panose="02040503050406030204" pitchFamily="18" charset="0"/>
                       </a:rPr>
-                      <m:t>𝑟𝑒𝑐𝑒𝑖𝑣𝑒𝑑𝑀𝑠𝑔</m:t>
+                      <m:t>𝑟𝑒𝑐𝑒𝑖𝑣𝑒𝑑𝑀</m:t>
                     </m:r>
                     <m:r>
                       <a:rPr lang="en-US" altLang="zh-CN" sz="1600" i="1" dirty="0">
@@ -18649,21 +19051,8 @@
                       <a:schemeClr val="tx1"/>
                     </a:solidFill>
                   </a:rPr>
-                  <a:t>In (b), the encrypted hash is called the </a:t>
+                  <a:t>In (b), the encrypted hash is called the digital signature.</a:t>
                 </a:r>
-                <a:r>
-                  <a:rPr lang="en-US" sz="1600">
-                    <a:solidFill>
-                      <a:schemeClr val="tx1"/>
-                    </a:solidFill>
-                  </a:rPr>
-                  <a:t>digital signature.</a:t>
-                </a:r>
-                <a:endParaRPr lang="en-US" sz="1600" dirty="0">
-                  <a:solidFill>
-                    <a:schemeClr val="tx1"/>
-                  </a:solidFill>
-                </a:endParaRPr>
               </a:p>
             </p:txBody>
           </p:sp>
@@ -18694,7 +19083,7 @@
               <a:blipFill>
                 <a:blip r:embed="rId4"/>
                 <a:stretch>
-                  <a:fillRect l="-938" t="-229" r="-1250"/>
+                  <a:fillRect l="-938" t="-229" r="-3750"/>
                 </a:stretch>
               </a:blipFill>
             </p:spPr>
@@ -18726,7 +19115,7 @@
 </p:sld>
 </file>
 
-<file path=ppt/slides/slide26.xml><?xml version="1.0" encoding="utf-8"?>
+<file path=ppt/slides/slide27.xml><?xml version="1.0" encoding="utf-8"?>
 <p:sld xmlns:a="http://schemas.openxmlformats.org/drawingml/2006/main" xmlns:r="http://schemas.openxmlformats.org/officeDocument/2006/relationships" xmlns:p="http://schemas.openxmlformats.org/presentationml/2006/main">
   <p:cSld>
     <p:spTree>
@@ -19460,7 +19849,7 @@
                 </a:solidFill>
               </a:rPr>
               <a:pPr/>
-              <a:t>26</a:t>
+              <a:t>27</a:t>
             </a:fld>
             <a:endParaRPr lang="en-US" dirty="0">
               <a:solidFill>
@@ -19552,7 +19941,7 @@
 </p:sld>
 </file>
 
-<file path=ppt/slides/slide27.xml><?xml version="1.0" encoding="utf-8"?>
+<file path=ppt/slides/slide28.xml><?xml version="1.0" encoding="utf-8"?>
 <p:sld xmlns:a="http://schemas.openxmlformats.org/drawingml/2006/main" xmlns:r="http://schemas.openxmlformats.org/officeDocument/2006/relationships" xmlns:p="http://schemas.openxmlformats.org/presentationml/2006/main">
   <p:cSld>
     <p:spTree>
@@ -19780,7 +20169,7 @@
                 </a:solidFill>
               </a:rPr>
               <a:pPr/>
-              <a:t>27</a:t>
+              <a:t>28</a:t>
             </a:fld>
             <a:endParaRPr lang="en-US" dirty="0">
               <a:solidFill>
@@ -19929,7 +20318,7 @@
 </p:sld>
 </file>
 
-<file path=ppt/slides/slide28.xml><?xml version="1.0" encoding="utf-8"?>
+<file path=ppt/slides/slide29.xml><?xml version="1.0" encoding="utf-8"?>
 <p:sld xmlns:a="http://schemas.openxmlformats.org/drawingml/2006/main" xmlns:r="http://schemas.openxmlformats.org/officeDocument/2006/relationships" xmlns:p="http://schemas.openxmlformats.org/presentationml/2006/main">
   <p:cSld>
     <p:spTree>
@@ -20071,7 +20460,7 @@
               <a:pPr>
                 <a:defRPr/>
               </a:pPr>
-              <a:t>28</a:t>
+              <a:t>29</a:t>
             </a:fld>
             <a:endParaRPr lang="en-US" altLang="zh-CN" dirty="0"/>
           </a:p>
@@ -20081,180 +20470,6 @@
     <p:extLst>
       <p:ext uri="{BB962C8B-B14F-4D97-AF65-F5344CB8AC3E}">
         <p14:creationId xmlns:p14="http://schemas.microsoft.com/office/powerpoint/2010/main" val="4072497823"/>
-      </p:ext>
-    </p:extLst>
-  </p:cSld>
-  <p:clrMapOvr>
-    <a:masterClrMapping/>
-  </p:clrMapOvr>
-</p:sld>
-</file>
-
-<file path=ppt/slides/slide29.xml><?xml version="1.0" encoding="utf-8"?>
-<p:sld xmlns:a="http://schemas.openxmlformats.org/drawingml/2006/main" xmlns:r="http://schemas.openxmlformats.org/officeDocument/2006/relationships" xmlns:p="http://schemas.openxmlformats.org/presentationml/2006/main">
-  <p:cSld>
-    <p:spTree>
-      <p:nvGrpSpPr>
-        <p:cNvPr id="1" name=""/>
-        <p:cNvGrpSpPr/>
-        <p:nvPr/>
-      </p:nvGrpSpPr>
-      <p:grpSpPr>
-        <a:xfrm>
-          <a:off x="0" y="0"/>
-          <a:ext cx="0" cy="0"/>
-          <a:chOff x="0" y="0"/>
-          <a:chExt cx="0" cy="0"/>
-        </a:xfrm>
-      </p:grpSpPr>
-      <p:sp>
-        <p:nvSpPr>
-          <p:cNvPr id="2" name="Title 1">
-            <a:extLst>
-              <a:ext uri="{FF2B5EF4-FFF2-40B4-BE49-F238E27FC236}">
-                <a16:creationId xmlns:a16="http://schemas.microsoft.com/office/drawing/2014/main" id="{0C58F466-4956-41E6-864C-3152551C79B7}"/>
-              </a:ext>
-            </a:extLst>
-          </p:cNvPr>
-          <p:cNvSpPr>
-            <a:spLocks noGrp="1"/>
-          </p:cNvSpPr>
-          <p:nvPr>
-            <p:ph type="title"/>
-          </p:nvPr>
-        </p:nvSpPr>
-        <p:spPr/>
-        <p:txBody>
-          <a:bodyPr/>
-          <a:lstStyle/>
-          <a:p>
-            <a:r>
-              <a:rPr lang="en-US" altLang="en-US" dirty="0"/>
-              <a:t>Random Number Requirements</a:t>
-            </a:r>
-            <a:endParaRPr lang="en-SE" dirty="0"/>
-          </a:p>
-        </p:txBody>
-      </p:sp>
-      <p:sp>
-        <p:nvSpPr>
-          <p:cNvPr id="3" name="Content Placeholder 2">
-            <a:extLst>
-              <a:ext uri="{FF2B5EF4-FFF2-40B4-BE49-F238E27FC236}">
-                <a16:creationId xmlns:a16="http://schemas.microsoft.com/office/drawing/2014/main" id="{201D4858-9FC2-488C-B884-BFFAA3F5FD19}"/>
-              </a:ext>
-            </a:extLst>
-          </p:cNvPr>
-          <p:cNvSpPr>
-            <a:spLocks noGrp="1"/>
-          </p:cNvSpPr>
-          <p:nvPr>
-            <p:ph idx="1"/>
-          </p:nvPr>
-        </p:nvSpPr>
-        <p:spPr/>
-        <p:txBody>
-          <a:bodyPr>
-            <a:normAutofit fontScale="92500" lnSpcReduction="20000"/>
-          </a:bodyPr>
-          <a:lstStyle/>
-          <a:p>
-            <a:r>
-              <a:rPr lang="en-US" dirty="0"/>
-              <a:t>Randomness</a:t>
-            </a:r>
-          </a:p>
-          <a:p>
-            <a:pPr lvl="1"/>
-            <a:r>
-              <a:rPr lang="en-US" dirty="0"/>
-              <a:t>Uniform distribution</a:t>
-            </a:r>
-          </a:p>
-          <a:p>
-            <a:pPr lvl="2"/>
-            <a:r>
-              <a:rPr lang="en-US" dirty="0"/>
-              <a:t>Frequency of occurrence of each of the numbers should be approximately the same</a:t>
-            </a:r>
-          </a:p>
-          <a:p>
-            <a:pPr lvl="1"/>
-            <a:r>
-              <a:rPr lang="en-US" dirty="0"/>
-              <a:t>Independence</a:t>
-            </a:r>
-          </a:p>
-          <a:p>
-            <a:pPr lvl="2"/>
-            <a:r>
-              <a:rPr lang="en-US" dirty="0"/>
-              <a:t>No one value in the sequence can be inferred from the others</a:t>
-            </a:r>
-          </a:p>
-          <a:p>
-            <a:r>
-              <a:rPr lang="en-US" dirty="0"/>
-              <a:t>Unpredictability</a:t>
-            </a:r>
-          </a:p>
-          <a:p>
-            <a:pPr lvl="1"/>
-            <a:r>
-              <a:rPr lang="en-US" dirty="0"/>
-              <a:t>Each number is statistically independent of others in the sequence, so future elements of the sequence cannot be predicted based on past elements</a:t>
-            </a:r>
-          </a:p>
-          <a:p>
-            <a:endParaRPr lang="en-US" dirty="0"/>
-          </a:p>
-          <a:p>
-            <a:endParaRPr lang="en-US" dirty="0"/>
-          </a:p>
-          <a:p>
-            <a:endParaRPr lang="en-SE" dirty="0"/>
-          </a:p>
-        </p:txBody>
-      </p:sp>
-      <p:sp>
-        <p:nvSpPr>
-          <p:cNvPr id="4" name="Slide Number Placeholder 3">
-            <a:extLst>
-              <a:ext uri="{FF2B5EF4-FFF2-40B4-BE49-F238E27FC236}">
-                <a16:creationId xmlns:a16="http://schemas.microsoft.com/office/drawing/2014/main" id="{1D4F7DD6-E906-419A-8DE0-29A63E36081C}"/>
-              </a:ext>
-            </a:extLst>
-          </p:cNvPr>
-          <p:cNvSpPr>
-            <a:spLocks noGrp="1"/>
-          </p:cNvSpPr>
-          <p:nvPr>
-            <p:ph type="sldNum" sz="quarter" idx="12"/>
-          </p:nvPr>
-        </p:nvSpPr>
-        <p:spPr/>
-        <p:txBody>
-          <a:bodyPr/>
-          <a:lstStyle/>
-          <a:p>
-            <a:pPr>
-              <a:defRPr/>
-            </a:pPr>
-            <a:fld id="{F57F456A-00AF-44E6-8D70-638C0D0130FF}" type="slidenum">
-              <a:rPr lang="en-US" altLang="zh-CN" smtClean="0"/>
-              <a:pPr>
-                <a:defRPr/>
-              </a:pPr>
-              <a:t>29</a:t>
-            </a:fld>
-            <a:endParaRPr lang="en-US" altLang="zh-CN" dirty="0"/>
-          </a:p>
-        </p:txBody>
-      </p:sp>
-    </p:spTree>
-    <p:extLst>
-      <p:ext uri="{BB962C8B-B14F-4D97-AF65-F5344CB8AC3E}">
-        <p14:creationId xmlns:p14="http://schemas.microsoft.com/office/powerpoint/2010/main" val="1296695914"/>
       </p:ext>
     </p:extLst>
   </p:cSld>
@@ -20450,6 +20665,180 @@
       </p:grpSpPr>
       <p:sp>
         <p:nvSpPr>
+          <p:cNvPr id="2" name="Title 1">
+            <a:extLst>
+              <a:ext uri="{FF2B5EF4-FFF2-40B4-BE49-F238E27FC236}">
+                <a16:creationId xmlns:a16="http://schemas.microsoft.com/office/drawing/2014/main" id="{0C58F466-4956-41E6-864C-3152551C79B7}"/>
+              </a:ext>
+            </a:extLst>
+          </p:cNvPr>
+          <p:cNvSpPr>
+            <a:spLocks noGrp="1"/>
+          </p:cNvSpPr>
+          <p:nvPr>
+            <p:ph type="title"/>
+          </p:nvPr>
+        </p:nvSpPr>
+        <p:spPr/>
+        <p:txBody>
+          <a:bodyPr/>
+          <a:lstStyle/>
+          <a:p>
+            <a:r>
+              <a:rPr lang="en-US" altLang="en-US" dirty="0"/>
+              <a:t>Random Number Requirements</a:t>
+            </a:r>
+            <a:endParaRPr lang="en-SE" dirty="0"/>
+          </a:p>
+        </p:txBody>
+      </p:sp>
+      <p:sp>
+        <p:nvSpPr>
+          <p:cNvPr id="3" name="Content Placeholder 2">
+            <a:extLst>
+              <a:ext uri="{FF2B5EF4-FFF2-40B4-BE49-F238E27FC236}">
+                <a16:creationId xmlns:a16="http://schemas.microsoft.com/office/drawing/2014/main" id="{201D4858-9FC2-488C-B884-BFFAA3F5FD19}"/>
+              </a:ext>
+            </a:extLst>
+          </p:cNvPr>
+          <p:cNvSpPr>
+            <a:spLocks noGrp="1"/>
+          </p:cNvSpPr>
+          <p:nvPr>
+            <p:ph idx="1"/>
+          </p:nvPr>
+        </p:nvSpPr>
+        <p:spPr/>
+        <p:txBody>
+          <a:bodyPr>
+            <a:normAutofit fontScale="92500" lnSpcReduction="20000"/>
+          </a:bodyPr>
+          <a:lstStyle/>
+          <a:p>
+            <a:r>
+              <a:rPr lang="en-US" dirty="0"/>
+              <a:t>Randomness</a:t>
+            </a:r>
+          </a:p>
+          <a:p>
+            <a:pPr lvl="1"/>
+            <a:r>
+              <a:rPr lang="en-US" dirty="0"/>
+              <a:t>Uniform distribution</a:t>
+            </a:r>
+          </a:p>
+          <a:p>
+            <a:pPr lvl="2"/>
+            <a:r>
+              <a:rPr lang="en-US" dirty="0"/>
+              <a:t>Frequency of occurrence of each of the numbers should be approximately the same</a:t>
+            </a:r>
+          </a:p>
+          <a:p>
+            <a:pPr lvl="1"/>
+            <a:r>
+              <a:rPr lang="en-US" dirty="0"/>
+              <a:t>Independence</a:t>
+            </a:r>
+          </a:p>
+          <a:p>
+            <a:pPr lvl="2"/>
+            <a:r>
+              <a:rPr lang="en-US" dirty="0"/>
+              <a:t>No one value in the sequence can be inferred from the others</a:t>
+            </a:r>
+          </a:p>
+          <a:p>
+            <a:r>
+              <a:rPr lang="en-US" dirty="0"/>
+              <a:t>Unpredictability</a:t>
+            </a:r>
+          </a:p>
+          <a:p>
+            <a:pPr lvl="1"/>
+            <a:r>
+              <a:rPr lang="en-US" dirty="0"/>
+              <a:t>Each number is statistically independent of others in the sequence, so future elements of the sequence cannot be predicted based on past elements</a:t>
+            </a:r>
+          </a:p>
+          <a:p>
+            <a:endParaRPr lang="en-US" dirty="0"/>
+          </a:p>
+          <a:p>
+            <a:endParaRPr lang="en-US" dirty="0"/>
+          </a:p>
+          <a:p>
+            <a:endParaRPr lang="en-SE" dirty="0"/>
+          </a:p>
+        </p:txBody>
+      </p:sp>
+      <p:sp>
+        <p:nvSpPr>
+          <p:cNvPr id="4" name="Slide Number Placeholder 3">
+            <a:extLst>
+              <a:ext uri="{FF2B5EF4-FFF2-40B4-BE49-F238E27FC236}">
+                <a16:creationId xmlns:a16="http://schemas.microsoft.com/office/drawing/2014/main" id="{1D4F7DD6-E906-419A-8DE0-29A63E36081C}"/>
+              </a:ext>
+            </a:extLst>
+          </p:cNvPr>
+          <p:cNvSpPr>
+            <a:spLocks noGrp="1"/>
+          </p:cNvSpPr>
+          <p:nvPr>
+            <p:ph type="sldNum" sz="quarter" idx="12"/>
+          </p:nvPr>
+        </p:nvSpPr>
+        <p:spPr/>
+        <p:txBody>
+          <a:bodyPr/>
+          <a:lstStyle/>
+          <a:p>
+            <a:pPr>
+              <a:defRPr/>
+            </a:pPr>
+            <a:fld id="{F57F456A-00AF-44E6-8D70-638C0D0130FF}" type="slidenum">
+              <a:rPr lang="en-US" altLang="zh-CN" smtClean="0"/>
+              <a:pPr>
+                <a:defRPr/>
+              </a:pPr>
+              <a:t>30</a:t>
+            </a:fld>
+            <a:endParaRPr lang="en-US" altLang="zh-CN" dirty="0"/>
+          </a:p>
+        </p:txBody>
+      </p:sp>
+    </p:spTree>
+    <p:extLst>
+      <p:ext uri="{BB962C8B-B14F-4D97-AF65-F5344CB8AC3E}">
+        <p14:creationId xmlns:p14="http://schemas.microsoft.com/office/powerpoint/2010/main" val="1296695914"/>
+      </p:ext>
+    </p:extLst>
+  </p:cSld>
+  <p:clrMapOvr>
+    <a:masterClrMapping/>
+  </p:clrMapOvr>
+</p:sld>
+</file>
+
+<file path=ppt/slides/slide31.xml><?xml version="1.0" encoding="utf-8"?>
+<p:sld xmlns:a="http://schemas.openxmlformats.org/drawingml/2006/main" xmlns:r="http://schemas.openxmlformats.org/officeDocument/2006/relationships" xmlns:p="http://schemas.openxmlformats.org/presentationml/2006/main">
+  <p:cSld>
+    <p:spTree>
+      <p:nvGrpSpPr>
+        <p:cNvPr id="1" name=""/>
+        <p:cNvGrpSpPr/>
+        <p:nvPr/>
+      </p:nvGrpSpPr>
+      <p:grpSpPr>
+        <a:xfrm>
+          <a:off x="0" y="0"/>
+          <a:ext cx="0" cy="0"/>
+          <a:chOff x="0" y="0"/>
+          <a:chExt cx="0" cy="0"/>
+        </a:xfrm>
+      </p:grpSpPr>
+      <p:sp>
+        <p:nvSpPr>
           <p:cNvPr id="251906" name="Rectangle 2"/>
           <p:cNvSpPr>
             <a:spLocks noGrp="1" noChangeArrowheads="1"/>
@@ -20501,7 +20890,7 @@
                 </a:solidFill>
               </a:rPr>
               <a:pPr/>
-              <a:t>30</a:t>
+              <a:t>31</a:t>
             </a:fld>
             <a:endParaRPr lang="en-US" dirty="0">
               <a:solidFill>
@@ -21055,15 +21444,7 @@
             <a:pPr lvl="1"/>
             <a:r>
               <a:rPr lang="en-US" dirty="0"/>
-              <a:t>One element may be 1 bit, 1 Byte more </a:t>
-            </a:r>
-            <a:r>
-              <a:rPr lang="en-US" dirty="0" err="1"/>
-              <a:t>more</a:t>
-            </a:r>
-            <a:r>
-              <a:rPr lang="en-US" dirty="0"/>
-              <a:t> than 1 Byte </a:t>
+              <a:t>One element may be 1 bit, 1 Byte, or more than 1 Byte </a:t>
             </a:r>
           </a:p>
           <a:p>
@@ -21339,7 +21720,21 @@
                 </a14:m>
                 <a:r>
                   <a:rPr lang="en-US" dirty="0"/>
-                  <a:t>. </a:t>
+                  <a:t>(</a:t>
+                </a:r>
+                <a14:m>
+                  <m:oMath xmlns:m="http://schemas.openxmlformats.org/officeDocument/2006/math">
+                    <m:r>
+                      <a:rPr lang="en-US" b="0" i="1" smtClean="0">
+                        <a:latin typeface="Cambria Math" panose="02040503050406030204" pitchFamily="18" charset="0"/>
+                      </a:rPr>
+                      <m:t>𝑘</m:t>
+                    </m:r>
+                  </m:oMath>
+                </a14:m>
+                <a:r>
+                  <a:rPr lang="en-US" dirty="0"/>
+                  <a:t> in the figure). </a:t>
                 </a:r>
               </a:p>
               <a:p>
@@ -21624,7 +22019,21 @@
                 <a:pPr lvl="1"/>
                 <a:r>
                   <a:rPr lang="en-US" dirty="0"/>
-                  <a:t>This relies on sender and receiver sharing a secrete key and using the same key stream generator algorithm.</a:t>
+                  <a:t>This relies on sender and receiver sharing a secrete key </a:t>
+                </a:r>
+                <a14:m>
+                  <m:oMath xmlns:m="http://schemas.openxmlformats.org/officeDocument/2006/math">
+                    <m:r>
+                      <a:rPr lang="en-US" i="1">
+                        <a:latin typeface="Cambria Math" panose="02040503050406030204" pitchFamily="18" charset="0"/>
+                      </a:rPr>
+                      <m:t>𝐾</m:t>
+                    </m:r>
+                  </m:oMath>
+                </a14:m>
+                <a:r>
+                  <a:rPr lang="en-US" dirty="0"/>
+                  <a:t> and using the same key stream generator algorithm.</a:t>
                 </a:r>
               </a:p>
               <a:p>
@@ -22387,7 +22796,7 @@
                 </a14:m>
                 <a:r>
                   <a:rPr lang="en-US" dirty="0"/>
-                  <a:t> (x </a:t>
+                  <a:t> (0 </a:t>
                 </a:r>
                 <a:r>
                   <a:rPr lang="en-US" dirty="0" err="1"/>
